--- a/kurs/ai-for-nybegynnere/modul4-andre-verktøy/modul4.pptx
+++ b/kurs/ai-for-nybegynnere/modul4-andre-verktøy/modul4.pptx
@@ -3826,43 +3826,6 @@
         </a:p>
       </dgm:t>
     </dgm:pt>
-    <dgm:pt modelId="{4D8174DD-45D3-40FC-9BF7-3D460B4AED70}">
-      <dgm:prSet/>
-      <dgm:spPr/>
-      <dgm:t>
-        <a:bodyPr/>
-        <a:lstStyle/>
-        <a:p>
-          <a:r>
-            <a:rPr lang="en-US" b="0" i="0"/>
-            <a:t>-----------</a:t>
-          </a:r>
-          <a:endParaRPr lang="en-US"/>
-        </a:p>
-      </dgm:t>
-    </dgm:pt>
-    <dgm:pt modelId="{30FE8BA9-ADBE-4D86-9FAF-CC3099EDA777}" type="parTrans" cxnId="{57887E0B-EDCA-4E2A-8BB1-B78F601DDEE9}">
-      <dgm:prSet/>
-      <dgm:spPr/>
-      <dgm:t>
-        <a:bodyPr/>
-        <a:lstStyle/>
-        <a:p>
-          <a:endParaRPr lang="en-US"/>
-        </a:p>
-      </dgm:t>
-    </dgm:pt>
-    <dgm:pt modelId="{6EF18073-DD17-41D5-BAF0-9DC089A23CE2}" type="sibTrans" cxnId="{57887E0B-EDCA-4E2A-8BB1-B78F601DDEE9}">
-      <dgm:prSet/>
-      <dgm:spPr/>
-      <dgm:t>
-        <a:bodyPr/>
-        <a:lstStyle/>
-        <a:p>
-          <a:endParaRPr lang="en-US"/>
-        </a:p>
-      </dgm:t>
-    </dgm:pt>
     <dgm:pt modelId="{C9C04327-2DCF-4F61-95F0-744303585F1B}">
       <dgm:prSet/>
       <dgm:spPr/>
@@ -3870,6 +3833,11 @@
         <a:bodyPr/>
         <a:lstStyle/>
         <a:p>
+          <a:pPr>
+            <a:lnSpc>
+              <a:spcPct val="100000"/>
+            </a:lnSpc>
+          </a:pPr>
           <a:r>
             <a:rPr lang="en-US" b="0" i="0"/>
             <a:t>- Automatisk tekst, bilder og design</a:t>
@@ -3907,6 +3875,11 @@
         <a:bodyPr/>
         <a:lstStyle/>
         <a:p>
+          <a:pPr>
+            <a:lnSpc>
+              <a:spcPct val="100000"/>
+            </a:lnSpc>
+          </a:pPr>
           <a:r>
             <a:rPr lang="en-US" b="0" i="0"/>
             <a:t>- Bruk “Magic Write” til tekst</a:t>
@@ -3944,6 +3917,11 @@
         <a:bodyPr/>
         <a:lstStyle/>
         <a:p>
+          <a:pPr>
+            <a:lnSpc>
+              <a:spcPct val="100000"/>
+            </a:lnSpc>
+          </a:pPr>
           <a:r>
             <a:rPr lang="en-US" b="0" i="0"/>
             <a:t>- “Text to image” til bilder</a:t>
@@ -3981,6 +3959,11 @@
         <a:bodyPr/>
         <a:lstStyle/>
         <a:p>
+          <a:pPr>
+            <a:lnSpc>
+              <a:spcPct val="100000"/>
+            </a:lnSpc>
+          </a:pPr>
           <a:r>
             <a:rPr lang="en-US" b="0" i="0"/>
             <a:t>- Krever gratis konto</a:t>
@@ -4020,16 +4003,16 @@
       </dgm:prSet>
       <dgm:spPr/>
     </dgm:pt>
-    <dgm:pt modelId="{F24D3512-1074-4D67-81A5-F918AE74C73F}" type="pres">
-      <dgm:prSet presAssocID="{4D8174DD-45D3-40FC-9BF7-3D460B4AED70}" presName="compNode" presStyleCnt="0"/>
+    <dgm:pt modelId="{9AC55BB6-7A69-4DEE-8E91-64533B3F37CD}" type="pres">
+      <dgm:prSet presAssocID="{C9C04327-2DCF-4F61-95F0-744303585F1B}" presName="compNode" presStyleCnt="0"/>
       <dgm:spPr/>
     </dgm:pt>
-    <dgm:pt modelId="{FDD8E5CF-E2FE-43B1-8316-52DE69AEEBD8}" type="pres">
-      <dgm:prSet presAssocID="{4D8174DD-45D3-40FC-9BF7-3D460B4AED70}" presName="bgRect" presStyleLbl="bgShp" presStyleIdx="0" presStyleCnt="5"/>
+    <dgm:pt modelId="{C7667FE3-2A65-4DA4-A4B2-E48767CBC4C2}" type="pres">
+      <dgm:prSet presAssocID="{C9C04327-2DCF-4F61-95F0-744303585F1B}" presName="bgRect" presStyleLbl="bgShp" presStyleIdx="0" presStyleCnt="4"/>
       <dgm:spPr/>
     </dgm:pt>
-    <dgm:pt modelId="{F20A6155-1AD9-431C-B4BE-B6DFA8F1079A}" type="pres">
-      <dgm:prSet presAssocID="{4D8174DD-45D3-40FC-9BF7-3D460B4AED70}" presName="iconRect" presStyleLbl="node1" presStyleIdx="0" presStyleCnt="5"/>
+    <dgm:pt modelId="{D81D3EDF-B987-4B11-A5F6-AD49D510FE95}" type="pres">
+      <dgm:prSet presAssocID="{C9C04327-2DCF-4F61-95F0-744303585F1B}" presName="iconRect" presStyleLbl="node1" presStyleIdx="0" presStyleCnt="4"/>
       <dgm:spPr>
         <a:blipFill>
           <a:blip xmlns:r="http://schemas.openxmlformats.org/officeDocument/2006/relationships" r:embed="rId1">
@@ -4052,16 +4035,16 @@
       </dgm:spPr>
       <dgm:extLst>
         <a:ext uri="{E40237B7-FDA0-4F09-8148-C483321AD2D9}">
-          <dgm14:cNvPr xmlns:dgm14="http://schemas.microsoft.com/office/drawing/2010/diagram" id="0" name="" descr="Credit card"/>
+          <dgm14:cNvPr xmlns:dgm14="http://schemas.microsoft.com/office/drawing/2010/diagram" id="0" name="" descr="Bilde"/>
         </a:ext>
       </dgm:extLst>
     </dgm:pt>
-    <dgm:pt modelId="{B2B7452E-7AA4-4784-BC26-B0080C53E309}" type="pres">
-      <dgm:prSet presAssocID="{4D8174DD-45D3-40FC-9BF7-3D460B4AED70}" presName="spaceRect" presStyleCnt="0"/>
+    <dgm:pt modelId="{9F64A2BA-364B-4656-A588-03985F3D2378}" type="pres">
+      <dgm:prSet presAssocID="{C9C04327-2DCF-4F61-95F0-744303585F1B}" presName="spaceRect" presStyleCnt="0"/>
       <dgm:spPr/>
     </dgm:pt>
-    <dgm:pt modelId="{F1C60F26-C17A-4C90-8734-47E08DD7A7A6}" type="pres">
-      <dgm:prSet presAssocID="{4D8174DD-45D3-40FC-9BF7-3D460B4AED70}" presName="parTx" presStyleLbl="revTx" presStyleIdx="0" presStyleCnt="5">
+    <dgm:pt modelId="{FE3367BC-7737-432E-8FD7-3148FC0B6330}" type="pres">
+      <dgm:prSet presAssocID="{C9C04327-2DCF-4F61-95F0-744303585F1B}" presName="parTx" presStyleLbl="revTx" presStyleIdx="0" presStyleCnt="4">
         <dgm:presLayoutVars>
           <dgm:chMax val="0"/>
           <dgm:chPref val="0"/>
@@ -4069,20 +4052,20 @@
       </dgm:prSet>
       <dgm:spPr/>
     </dgm:pt>
-    <dgm:pt modelId="{161ECA7F-BD09-4A10-AA07-0DEC25C698C2}" type="pres">
-      <dgm:prSet presAssocID="{6EF18073-DD17-41D5-BAF0-9DC089A23CE2}" presName="sibTrans" presStyleCnt="0"/>
+    <dgm:pt modelId="{6FA86B88-95D9-4BD3-99B3-506016ECE65C}" type="pres">
+      <dgm:prSet presAssocID="{E6F9F0E7-C36F-424F-A008-D38070940908}" presName="sibTrans" presStyleCnt="0"/>
       <dgm:spPr/>
     </dgm:pt>
-    <dgm:pt modelId="{9AC55BB6-7A69-4DEE-8E91-64533B3F37CD}" type="pres">
-      <dgm:prSet presAssocID="{C9C04327-2DCF-4F61-95F0-744303585F1B}" presName="compNode" presStyleCnt="0"/>
+    <dgm:pt modelId="{DD78235B-CDFD-49C5-BAE0-CB9432EF388F}" type="pres">
+      <dgm:prSet presAssocID="{6F2AAAE9-5E94-4DB0-8ADD-AD2E04E1052E}" presName="compNode" presStyleCnt="0"/>
       <dgm:spPr/>
     </dgm:pt>
-    <dgm:pt modelId="{C7667FE3-2A65-4DA4-A4B2-E48767CBC4C2}" type="pres">
-      <dgm:prSet presAssocID="{C9C04327-2DCF-4F61-95F0-744303585F1B}" presName="bgRect" presStyleLbl="bgShp" presStyleIdx="1" presStyleCnt="5"/>
+    <dgm:pt modelId="{DFF5F40D-7ED2-4242-A148-0910D7B6020D}" type="pres">
+      <dgm:prSet presAssocID="{6F2AAAE9-5E94-4DB0-8ADD-AD2E04E1052E}" presName="bgRect" presStyleLbl="bgShp" presStyleIdx="1" presStyleCnt="4"/>
       <dgm:spPr/>
     </dgm:pt>
-    <dgm:pt modelId="{D81D3EDF-B987-4B11-A5F6-AD49D510FE95}" type="pres">
-      <dgm:prSet presAssocID="{C9C04327-2DCF-4F61-95F0-744303585F1B}" presName="iconRect" presStyleLbl="node1" presStyleIdx="1" presStyleCnt="5"/>
+    <dgm:pt modelId="{4E19DB77-3B2D-4C68-B9B0-FCA899CF1E46}" type="pres">
+      <dgm:prSet presAssocID="{6F2AAAE9-5E94-4DB0-8ADD-AD2E04E1052E}" presName="iconRect" presStyleLbl="node1" presStyleIdx="1" presStyleCnt="4"/>
       <dgm:spPr>
         <a:blipFill>
           <a:blip xmlns:r="http://schemas.openxmlformats.org/officeDocument/2006/relationships" r:embed="rId3">
@@ -4105,16 +4088,16 @@
       </dgm:spPr>
       <dgm:extLst>
         <a:ext uri="{E40237B7-FDA0-4F09-8148-C483321AD2D9}">
-          <dgm14:cNvPr xmlns:dgm14="http://schemas.microsoft.com/office/drawing/2010/diagram" id="0" name="" descr="Bilde"/>
+          <dgm14:cNvPr xmlns:dgm14="http://schemas.microsoft.com/office/drawing/2010/diagram" id="0" name="" descr="Chat Bubble"/>
         </a:ext>
       </dgm:extLst>
     </dgm:pt>
-    <dgm:pt modelId="{9F64A2BA-364B-4656-A588-03985F3D2378}" type="pres">
-      <dgm:prSet presAssocID="{C9C04327-2DCF-4F61-95F0-744303585F1B}" presName="spaceRect" presStyleCnt="0"/>
+    <dgm:pt modelId="{CC98EF50-1EEF-41DC-AC49-0F7B66E72193}" type="pres">
+      <dgm:prSet presAssocID="{6F2AAAE9-5E94-4DB0-8ADD-AD2E04E1052E}" presName="spaceRect" presStyleCnt="0"/>
       <dgm:spPr/>
     </dgm:pt>
-    <dgm:pt modelId="{FE3367BC-7737-432E-8FD7-3148FC0B6330}" type="pres">
-      <dgm:prSet presAssocID="{C9C04327-2DCF-4F61-95F0-744303585F1B}" presName="parTx" presStyleLbl="revTx" presStyleIdx="1" presStyleCnt="5">
+    <dgm:pt modelId="{BF4ED8F4-7574-4090-880C-297DC1D88E91}" type="pres">
+      <dgm:prSet presAssocID="{6F2AAAE9-5E94-4DB0-8ADD-AD2E04E1052E}" presName="parTx" presStyleLbl="revTx" presStyleIdx="1" presStyleCnt="4">
         <dgm:presLayoutVars>
           <dgm:chMax val="0"/>
           <dgm:chPref val="0"/>
@@ -4122,20 +4105,20 @@
       </dgm:prSet>
       <dgm:spPr/>
     </dgm:pt>
-    <dgm:pt modelId="{6FA86B88-95D9-4BD3-99B3-506016ECE65C}" type="pres">
-      <dgm:prSet presAssocID="{E6F9F0E7-C36F-424F-A008-D38070940908}" presName="sibTrans" presStyleCnt="0"/>
+    <dgm:pt modelId="{82006D72-4188-4DC9-83CC-C48E5E93FE86}" type="pres">
+      <dgm:prSet presAssocID="{D0CD8570-5990-4736-94FD-C9A7604698DB}" presName="sibTrans" presStyleCnt="0"/>
       <dgm:spPr/>
     </dgm:pt>
-    <dgm:pt modelId="{DD78235B-CDFD-49C5-BAE0-CB9432EF388F}" type="pres">
-      <dgm:prSet presAssocID="{6F2AAAE9-5E94-4DB0-8ADD-AD2E04E1052E}" presName="compNode" presStyleCnt="0"/>
+    <dgm:pt modelId="{CCC16A32-DB95-4F31-8192-2505F1574684}" type="pres">
+      <dgm:prSet presAssocID="{0F1E3866-50FC-45FE-8B75-34B6AF89C38A}" presName="compNode" presStyleCnt="0"/>
       <dgm:spPr/>
     </dgm:pt>
-    <dgm:pt modelId="{DFF5F40D-7ED2-4242-A148-0910D7B6020D}" type="pres">
-      <dgm:prSet presAssocID="{6F2AAAE9-5E94-4DB0-8ADD-AD2E04E1052E}" presName="bgRect" presStyleLbl="bgShp" presStyleIdx="2" presStyleCnt="5"/>
+    <dgm:pt modelId="{8399A10F-89F5-4A87-A5A7-A67A90FA6E2C}" type="pres">
+      <dgm:prSet presAssocID="{0F1E3866-50FC-45FE-8B75-34B6AF89C38A}" presName="bgRect" presStyleLbl="bgShp" presStyleIdx="2" presStyleCnt="4"/>
       <dgm:spPr/>
     </dgm:pt>
-    <dgm:pt modelId="{4E19DB77-3B2D-4C68-B9B0-FCA899CF1E46}" type="pres">
-      <dgm:prSet presAssocID="{6F2AAAE9-5E94-4DB0-8ADD-AD2E04E1052E}" presName="iconRect" presStyleLbl="node1" presStyleIdx="2" presStyleCnt="5"/>
+    <dgm:pt modelId="{7417C107-BE2B-4B97-9377-C0CF1B996AC9}" type="pres">
+      <dgm:prSet presAssocID="{0F1E3866-50FC-45FE-8B75-34B6AF89C38A}" presName="iconRect" presStyleLbl="node1" presStyleIdx="2" presStyleCnt="4"/>
       <dgm:spPr>
         <a:blipFill>
           <a:blip xmlns:r="http://schemas.openxmlformats.org/officeDocument/2006/relationships" r:embed="rId5">
@@ -4158,16 +4141,16 @@
       </dgm:spPr>
       <dgm:extLst>
         <a:ext uri="{E40237B7-FDA0-4F09-8148-C483321AD2D9}">
-          <dgm14:cNvPr xmlns:dgm14="http://schemas.microsoft.com/office/drawing/2010/diagram" id="0" name="" descr="Chat Bubble"/>
+          <dgm14:cNvPr xmlns:dgm14="http://schemas.microsoft.com/office/drawing/2010/diagram" id="0" name="" descr="Bilder"/>
         </a:ext>
       </dgm:extLst>
     </dgm:pt>
-    <dgm:pt modelId="{CC98EF50-1EEF-41DC-AC49-0F7B66E72193}" type="pres">
-      <dgm:prSet presAssocID="{6F2AAAE9-5E94-4DB0-8ADD-AD2E04E1052E}" presName="spaceRect" presStyleCnt="0"/>
+    <dgm:pt modelId="{3E830BD2-220B-4343-A68C-8024D86AAFA3}" type="pres">
+      <dgm:prSet presAssocID="{0F1E3866-50FC-45FE-8B75-34B6AF89C38A}" presName="spaceRect" presStyleCnt="0"/>
       <dgm:spPr/>
     </dgm:pt>
-    <dgm:pt modelId="{BF4ED8F4-7574-4090-880C-297DC1D88E91}" type="pres">
-      <dgm:prSet presAssocID="{6F2AAAE9-5E94-4DB0-8ADD-AD2E04E1052E}" presName="parTx" presStyleLbl="revTx" presStyleIdx="2" presStyleCnt="5">
+    <dgm:pt modelId="{5CD79273-B9AE-4894-8386-70442FF53C33}" type="pres">
+      <dgm:prSet presAssocID="{0F1E3866-50FC-45FE-8B75-34B6AF89C38A}" presName="parTx" presStyleLbl="revTx" presStyleIdx="2" presStyleCnt="4">
         <dgm:presLayoutVars>
           <dgm:chMax val="0"/>
           <dgm:chPref val="0"/>
@@ -4175,20 +4158,20 @@
       </dgm:prSet>
       <dgm:spPr/>
     </dgm:pt>
-    <dgm:pt modelId="{82006D72-4188-4DC9-83CC-C48E5E93FE86}" type="pres">
-      <dgm:prSet presAssocID="{D0CD8570-5990-4736-94FD-C9A7604698DB}" presName="sibTrans" presStyleCnt="0"/>
+    <dgm:pt modelId="{1F39000A-6774-47B3-B1B9-A395984A649F}" type="pres">
+      <dgm:prSet presAssocID="{E4395748-07C4-44D8-A040-BD8B0D31D889}" presName="sibTrans" presStyleCnt="0"/>
       <dgm:spPr/>
     </dgm:pt>
-    <dgm:pt modelId="{CCC16A32-DB95-4F31-8192-2505F1574684}" type="pres">
-      <dgm:prSet presAssocID="{0F1E3866-50FC-45FE-8B75-34B6AF89C38A}" presName="compNode" presStyleCnt="0"/>
+    <dgm:pt modelId="{A44676C6-713E-4E9D-A801-37C8021C9EA8}" type="pres">
+      <dgm:prSet presAssocID="{D2AEF07D-9917-464E-90E1-B3CB84D68557}" presName="compNode" presStyleCnt="0"/>
       <dgm:spPr/>
     </dgm:pt>
-    <dgm:pt modelId="{8399A10F-89F5-4A87-A5A7-A67A90FA6E2C}" type="pres">
-      <dgm:prSet presAssocID="{0F1E3866-50FC-45FE-8B75-34B6AF89C38A}" presName="bgRect" presStyleLbl="bgShp" presStyleIdx="3" presStyleCnt="5"/>
+    <dgm:pt modelId="{0FB44C41-2AB4-479D-9851-967F62183A78}" type="pres">
+      <dgm:prSet presAssocID="{D2AEF07D-9917-464E-90E1-B3CB84D68557}" presName="bgRect" presStyleLbl="bgShp" presStyleIdx="3" presStyleCnt="4"/>
       <dgm:spPr/>
     </dgm:pt>
-    <dgm:pt modelId="{7417C107-BE2B-4B97-9377-C0CF1B996AC9}" type="pres">
-      <dgm:prSet presAssocID="{0F1E3866-50FC-45FE-8B75-34B6AF89C38A}" presName="iconRect" presStyleLbl="node1" presStyleIdx="3" presStyleCnt="5"/>
+    <dgm:pt modelId="{C21892EA-CD68-4B5F-8A65-DDBDD43931BC}" type="pres">
+      <dgm:prSet presAssocID="{D2AEF07D-9917-464E-90E1-B3CB84D68557}" presName="iconRect" presStyleLbl="node1" presStyleIdx="3" presStyleCnt="4"/>
       <dgm:spPr>
         <a:blipFill>
           <a:blip xmlns:r="http://schemas.openxmlformats.org/officeDocument/2006/relationships" r:embed="rId7">
@@ -4211,59 +4194,6 @@
       </dgm:spPr>
       <dgm:extLst>
         <a:ext uri="{E40237B7-FDA0-4F09-8148-C483321AD2D9}">
-          <dgm14:cNvPr xmlns:dgm14="http://schemas.microsoft.com/office/drawing/2010/diagram" id="0" name="" descr="Bilder"/>
-        </a:ext>
-      </dgm:extLst>
-    </dgm:pt>
-    <dgm:pt modelId="{3E830BD2-220B-4343-A68C-8024D86AAFA3}" type="pres">
-      <dgm:prSet presAssocID="{0F1E3866-50FC-45FE-8B75-34B6AF89C38A}" presName="spaceRect" presStyleCnt="0"/>
-      <dgm:spPr/>
-    </dgm:pt>
-    <dgm:pt modelId="{5CD79273-B9AE-4894-8386-70442FF53C33}" type="pres">
-      <dgm:prSet presAssocID="{0F1E3866-50FC-45FE-8B75-34B6AF89C38A}" presName="parTx" presStyleLbl="revTx" presStyleIdx="3" presStyleCnt="5">
-        <dgm:presLayoutVars>
-          <dgm:chMax val="0"/>
-          <dgm:chPref val="0"/>
-        </dgm:presLayoutVars>
-      </dgm:prSet>
-      <dgm:spPr/>
-    </dgm:pt>
-    <dgm:pt modelId="{1F39000A-6774-47B3-B1B9-A395984A649F}" type="pres">
-      <dgm:prSet presAssocID="{E4395748-07C4-44D8-A040-BD8B0D31D889}" presName="sibTrans" presStyleCnt="0"/>
-      <dgm:spPr/>
-    </dgm:pt>
-    <dgm:pt modelId="{A44676C6-713E-4E9D-A801-37C8021C9EA8}" type="pres">
-      <dgm:prSet presAssocID="{D2AEF07D-9917-464E-90E1-B3CB84D68557}" presName="compNode" presStyleCnt="0"/>
-      <dgm:spPr/>
-    </dgm:pt>
-    <dgm:pt modelId="{0FB44C41-2AB4-479D-9851-967F62183A78}" type="pres">
-      <dgm:prSet presAssocID="{D2AEF07D-9917-464E-90E1-B3CB84D68557}" presName="bgRect" presStyleLbl="bgShp" presStyleIdx="4" presStyleCnt="5"/>
-      <dgm:spPr/>
-    </dgm:pt>
-    <dgm:pt modelId="{C21892EA-CD68-4B5F-8A65-DDBDD43931BC}" type="pres">
-      <dgm:prSet presAssocID="{D2AEF07D-9917-464E-90E1-B3CB84D68557}" presName="iconRect" presStyleLbl="node1" presStyleIdx="4" presStyleCnt="5"/>
-      <dgm:spPr>
-        <a:blipFill>
-          <a:blip xmlns:r="http://schemas.openxmlformats.org/officeDocument/2006/relationships" r:embed="rId9">
-            <a:extLst>
-              <a:ext uri="{28A0092B-C50C-407E-A947-70E740481C1C}">
-                <a14:useLocalDpi xmlns:a14="http://schemas.microsoft.com/office/drawing/2010/main" val="0"/>
-              </a:ext>
-              <a:ext uri="{96DAC541-7B7A-43D3-8B79-37D633B846F1}">
-                <asvg:svgBlip xmlns:asvg="http://schemas.microsoft.com/office/drawing/2016/SVG/main" r:embed="rId10"/>
-              </a:ext>
-            </a:extLst>
-          </a:blip>
-          <a:stretch>
-            <a:fillRect/>
-          </a:stretch>
-        </a:blipFill>
-        <a:ln>
-          <a:noFill/>
-        </a:ln>
-      </dgm:spPr>
-      <dgm:extLst>
-        <a:ext uri="{E40237B7-FDA0-4F09-8148-C483321AD2D9}">
           <dgm14:cNvPr xmlns:dgm14="http://schemas.microsoft.com/office/drawing/2010/diagram" id="0" name="" descr="Penger"/>
         </a:ext>
       </dgm:extLst>
@@ -4273,7 +4203,7 @@
       <dgm:spPr/>
     </dgm:pt>
     <dgm:pt modelId="{2C396A6D-1259-4CD3-AA3C-B854F87BA7E1}" type="pres">
-      <dgm:prSet presAssocID="{D2AEF07D-9917-464E-90E1-B3CB84D68557}" presName="parTx" presStyleLbl="revTx" presStyleIdx="4" presStyleCnt="5">
+      <dgm:prSet presAssocID="{D2AEF07D-9917-464E-90E1-B3CB84D68557}" presName="parTx" presStyleLbl="revTx" presStyleIdx="3" presStyleCnt="4">
         <dgm:presLayoutVars>
           <dgm:chMax val="0"/>
           <dgm:chPref val="0"/>
@@ -4283,42 +4213,34 @@
     </dgm:pt>
   </dgm:ptLst>
   <dgm:cxnLst>
-    <dgm:cxn modelId="{57887E0B-EDCA-4E2A-8BB1-B78F601DDEE9}" srcId="{823D14F3-3348-4239-B516-5D389878B806}" destId="{4D8174DD-45D3-40FC-9BF7-3D460B4AED70}" srcOrd="0" destOrd="0" parTransId="{30FE8BA9-ADBE-4D86-9FAF-CC3099EDA777}" sibTransId="{6EF18073-DD17-41D5-BAF0-9DC089A23CE2}"/>
-    <dgm:cxn modelId="{6D7C750D-2B9F-4E97-B363-381EE0EF4CC2}" srcId="{823D14F3-3348-4239-B516-5D389878B806}" destId="{6F2AAAE9-5E94-4DB0-8ADD-AD2E04E1052E}" srcOrd="2" destOrd="0" parTransId="{4EEA8C86-D816-4984-992B-0BEF760DD15F}" sibTransId="{D0CD8570-5990-4736-94FD-C9A7604698DB}"/>
-    <dgm:cxn modelId="{9C88FB18-7099-48F1-A9CF-E962DFB638FA}" type="presOf" srcId="{4D8174DD-45D3-40FC-9BF7-3D460B4AED70}" destId="{F1C60F26-C17A-4C90-8734-47E08DD7A7A6}" srcOrd="0" destOrd="0" presId="urn:microsoft.com/office/officeart/2018/2/layout/IconVerticalSolidList"/>
+    <dgm:cxn modelId="{6D7C750D-2B9F-4E97-B363-381EE0EF4CC2}" srcId="{823D14F3-3348-4239-B516-5D389878B806}" destId="{6F2AAAE9-5E94-4DB0-8ADD-AD2E04E1052E}" srcOrd="1" destOrd="0" parTransId="{4EEA8C86-D816-4984-992B-0BEF760DD15F}" sibTransId="{D0CD8570-5990-4736-94FD-C9A7604698DB}"/>
     <dgm:cxn modelId="{8C0AB428-7A83-4384-8109-012A1C25A0B8}" type="presOf" srcId="{0F1E3866-50FC-45FE-8B75-34B6AF89C38A}" destId="{5CD79273-B9AE-4894-8386-70442FF53C33}" srcOrd="0" destOrd="0" presId="urn:microsoft.com/office/officeart/2018/2/layout/IconVerticalSolidList"/>
     <dgm:cxn modelId="{C358A382-5324-413F-85BF-1972CC1A3AE9}" type="presOf" srcId="{6F2AAAE9-5E94-4DB0-8ADD-AD2E04E1052E}" destId="{BF4ED8F4-7574-4090-880C-297DC1D88E91}" srcOrd="0" destOrd="0" presId="urn:microsoft.com/office/officeart/2018/2/layout/IconVerticalSolidList"/>
-    <dgm:cxn modelId="{10BDA191-7C94-4F1B-B67C-3D4A4A039394}" srcId="{823D14F3-3348-4239-B516-5D389878B806}" destId="{0F1E3866-50FC-45FE-8B75-34B6AF89C38A}" srcOrd="3" destOrd="0" parTransId="{4D17C33D-50F5-494C-A44E-60D184C85ED4}" sibTransId="{E4395748-07C4-44D8-A040-BD8B0D31D889}"/>
+    <dgm:cxn modelId="{10BDA191-7C94-4F1B-B67C-3D4A4A039394}" srcId="{823D14F3-3348-4239-B516-5D389878B806}" destId="{0F1E3866-50FC-45FE-8B75-34B6AF89C38A}" srcOrd="2" destOrd="0" parTransId="{4D17C33D-50F5-494C-A44E-60D184C85ED4}" sibTransId="{E4395748-07C4-44D8-A040-BD8B0D31D889}"/>
     <dgm:cxn modelId="{F7641798-3477-40AA-AABF-12ABFF129BF6}" type="presOf" srcId="{823D14F3-3348-4239-B516-5D389878B806}" destId="{3DEF259C-10AD-4468-8E7C-F0143C6DA09C}" srcOrd="0" destOrd="0" presId="urn:microsoft.com/office/officeart/2018/2/layout/IconVerticalSolidList"/>
-    <dgm:cxn modelId="{A2CF36A2-5FC3-4DFF-96D5-3510B2B82FD8}" srcId="{823D14F3-3348-4239-B516-5D389878B806}" destId="{C9C04327-2DCF-4F61-95F0-744303585F1B}" srcOrd="1" destOrd="0" parTransId="{AC013B70-17A1-45E2-B09A-330575CCE0A2}" sibTransId="{E6F9F0E7-C36F-424F-A008-D38070940908}"/>
-    <dgm:cxn modelId="{209E0CE8-FFA1-4E62-82E3-F56E8E2C0E5A}" srcId="{823D14F3-3348-4239-B516-5D389878B806}" destId="{D2AEF07D-9917-464E-90E1-B3CB84D68557}" srcOrd="4" destOrd="0" parTransId="{F7FD33D7-D4B0-4367-8C78-F8B22C110608}" sibTransId="{87A10E8B-38ED-4FE0-B019-697A60BBA707}"/>
+    <dgm:cxn modelId="{A2CF36A2-5FC3-4DFF-96D5-3510B2B82FD8}" srcId="{823D14F3-3348-4239-B516-5D389878B806}" destId="{C9C04327-2DCF-4F61-95F0-744303585F1B}" srcOrd="0" destOrd="0" parTransId="{AC013B70-17A1-45E2-B09A-330575CCE0A2}" sibTransId="{E6F9F0E7-C36F-424F-A008-D38070940908}"/>
+    <dgm:cxn modelId="{209E0CE8-FFA1-4E62-82E3-F56E8E2C0E5A}" srcId="{823D14F3-3348-4239-B516-5D389878B806}" destId="{D2AEF07D-9917-464E-90E1-B3CB84D68557}" srcOrd="3" destOrd="0" parTransId="{F7FD33D7-D4B0-4367-8C78-F8B22C110608}" sibTransId="{87A10E8B-38ED-4FE0-B019-697A60BBA707}"/>
     <dgm:cxn modelId="{762098F7-26AA-4C6C-841E-037D95D2DB6C}" type="presOf" srcId="{C9C04327-2DCF-4F61-95F0-744303585F1B}" destId="{FE3367BC-7737-432E-8FD7-3148FC0B6330}" srcOrd="0" destOrd="0" presId="urn:microsoft.com/office/officeart/2018/2/layout/IconVerticalSolidList"/>
     <dgm:cxn modelId="{B33867F9-90E5-4C53-899A-6BCFBD70DA00}" type="presOf" srcId="{D2AEF07D-9917-464E-90E1-B3CB84D68557}" destId="{2C396A6D-1259-4CD3-AA3C-B854F87BA7E1}" srcOrd="0" destOrd="0" presId="urn:microsoft.com/office/officeart/2018/2/layout/IconVerticalSolidList"/>
-    <dgm:cxn modelId="{E8AB9AC2-A5A4-4F3B-B183-86D38555157B}" type="presParOf" srcId="{3DEF259C-10AD-4468-8E7C-F0143C6DA09C}" destId="{F24D3512-1074-4D67-81A5-F918AE74C73F}" srcOrd="0" destOrd="0" presId="urn:microsoft.com/office/officeart/2018/2/layout/IconVerticalSolidList"/>
-    <dgm:cxn modelId="{08085E17-3788-47DE-BB33-8A7A0C512642}" type="presParOf" srcId="{F24D3512-1074-4D67-81A5-F918AE74C73F}" destId="{FDD8E5CF-E2FE-43B1-8316-52DE69AEEBD8}" srcOrd="0" destOrd="0" presId="urn:microsoft.com/office/officeart/2018/2/layout/IconVerticalSolidList"/>
-    <dgm:cxn modelId="{895D9D1B-1C5D-454F-A9EA-525BF14AAFBE}" type="presParOf" srcId="{F24D3512-1074-4D67-81A5-F918AE74C73F}" destId="{F20A6155-1AD9-431C-B4BE-B6DFA8F1079A}" srcOrd="1" destOrd="0" presId="urn:microsoft.com/office/officeart/2018/2/layout/IconVerticalSolidList"/>
-    <dgm:cxn modelId="{16944CA3-33F6-46CE-A1D9-A45A7ECAAEB3}" type="presParOf" srcId="{F24D3512-1074-4D67-81A5-F918AE74C73F}" destId="{B2B7452E-7AA4-4784-BC26-B0080C53E309}" srcOrd="2" destOrd="0" presId="urn:microsoft.com/office/officeart/2018/2/layout/IconVerticalSolidList"/>
-    <dgm:cxn modelId="{783C705E-9BC5-4C48-8D22-C856DFB2753D}" type="presParOf" srcId="{F24D3512-1074-4D67-81A5-F918AE74C73F}" destId="{F1C60F26-C17A-4C90-8734-47E08DD7A7A6}" srcOrd="3" destOrd="0" presId="urn:microsoft.com/office/officeart/2018/2/layout/IconVerticalSolidList"/>
-    <dgm:cxn modelId="{A889830E-63F2-445D-B974-F2175F2B3F14}" type="presParOf" srcId="{3DEF259C-10AD-4468-8E7C-F0143C6DA09C}" destId="{161ECA7F-BD09-4A10-AA07-0DEC25C698C2}" srcOrd="1" destOrd="0" presId="urn:microsoft.com/office/officeart/2018/2/layout/IconVerticalSolidList"/>
-    <dgm:cxn modelId="{D0787F9F-7BA6-47C8-9FE1-4269CAC1AD1D}" type="presParOf" srcId="{3DEF259C-10AD-4468-8E7C-F0143C6DA09C}" destId="{9AC55BB6-7A69-4DEE-8E91-64533B3F37CD}" srcOrd="2" destOrd="0" presId="urn:microsoft.com/office/officeart/2018/2/layout/IconVerticalSolidList"/>
+    <dgm:cxn modelId="{D0787F9F-7BA6-47C8-9FE1-4269CAC1AD1D}" type="presParOf" srcId="{3DEF259C-10AD-4468-8E7C-F0143C6DA09C}" destId="{9AC55BB6-7A69-4DEE-8E91-64533B3F37CD}" srcOrd="0" destOrd="0" presId="urn:microsoft.com/office/officeart/2018/2/layout/IconVerticalSolidList"/>
     <dgm:cxn modelId="{2DD6F03E-C786-45FB-9F73-7A1BDF68043C}" type="presParOf" srcId="{9AC55BB6-7A69-4DEE-8E91-64533B3F37CD}" destId="{C7667FE3-2A65-4DA4-A4B2-E48767CBC4C2}" srcOrd="0" destOrd="0" presId="urn:microsoft.com/office/officeart/2018/2/layout/IconVerticalSolidList"/>
     <dgm:cxn modelId="{D349D479-32EC-4041-B406-096477C07074}" type="presParOf" srcId="{9AC55BB6-7A69-4DEE-8E91-64533B3F37CD}" destId="{D81D3EDF-B987-4B11-A5F6-AD49D510FE95}" srcOrd="1" destOrd="0" presId="urn:microsoft.com/office/officeart/2018/2/layout/IconVerticalSolidList"/>
     <dgm:cxn modelId="{16901B60-A58F-4869-A3E7-8359BF89FB1F}" type="presParOf" srcId="{9AC55BB6-7A69-4DEE-8E91-64533B3F37CD}" destId="{9F64A2BA-364B-4656-A588-03985F3D2378}" srcOrd="2" destOrd="0" presId="urn:microsoft.com/office/officeart/2018/2/layout/IconVerticalSolidList"/>
     <dgm:cxn modelId="{A267EC8A-275F-412A-A095-7844E2FC7664}" type="presParOf" srcId="{9AC55BB6-7A69-4DEE-8E91-64533B3F37CD}" destId="{FE3367BC-7737-432E-8FD7-3148FC0B6330}" srcOrd="3" destOrd="0" presId="urn:microsoft.com/office/officeart/2018/2/layout/IconVerticalSolidList"/>
-    <dgm:cxn modelId="{6BDC9233-5CC2-4852-A51F-AA41E334FE0B}" type="presParOf" srcId="{3DEF259C-10AD-4468-8E7C-F0143C6DA09C}" destId="{6FA86B88-95D9-4BD3-99B3-506016ECE65C}" srcOrd="3" destOrd="0" presId="urn:microsoft.com/office/officeart/2018/2/layout/IconVerticalSolidList"/>
-    <dgm:cxn modelId="{A559E504-E279-429F-9894-8D4B5D25281F}" type="presParOf" srcId="{3DEF259C-10AD-4468-8E7C-F0143C6DA09C}" destId="{DD78235B-CDFD-49C5-BAE0-CB9432EF388F}" srcOrd="4" destOrd="0" presId="urn:microsoft.com/office/officeart/2018/2/layout/IconVerticalSolidList"/>
+    <dgm:cxn modelId="{6BDC9233-5CC2-4852-A51F-AA41E334FE0B}" type="presParOf" srcId="{3DEF259C-10AD-4468-8E7C-F0143C6DA09C}" destId="{6FA86B88-95D9-4BD3-99B3-506016ECE65C}" srcOrd="1" destOrd="0" presId="urn:microsoft.com/office/officeart/2018/2/layout/IconVerticalSolidList"/>
+    <dgm:cxn modelId="{A559E504-E279-429F-9894-8D4B5D25281F}" type="presParOf" srcId="{3DEF259C-10AD-4468-8E7C-F0143C6DA09C}" destId="{DD78235B-CDFD-49C5-BAE0-CB9432EF388F}" srcOrd="2" destOrd="0" presId="urn:microsoft.com/office/officeart/2018/2/layout/IconVerticalSolidList"/>
     <dgm:cxn modelId="{0185A537-6A4F-4DF8-9FA2-DB3A9E1F3C9B}" type="presParOf" srcId="{DD78235B-CDFD-49C5-BAE0-CB9432EF388F}" destId="{DFF5F40D-7ED2-4242-A148-0910D7B6020D}" srcOrd="0" destOrd="0" presId="urn:microsoft.com/office/officeart/2018/2/layout/IconVerticalSolidList"/>
     <dgm:cxn modelId="{0EFC5D8D-E825-4ADA-A298-2C8564DC0A2C}" type="presParOf" srcId="{DD78235B-CDFD-49C5-BAE0-CB9432EF388F}" destId="{4E19DB77-3B2D-4C68-B9B0-FCA899CF1E46}" srcOrd="1" destOrd="0" presId="urn:microsoft.com/office/officeart/2018/2/layout/IconVerticalSolidList"/>
     <dgm:cxn modelId="{F924AE4C-197E-45DC-81DA-F95F95EA40FE}" type="presParOf" srcId="{DD78235B-CDFD-49C5-BAE0-CB9432EF388F}" destId="{CC98EF50-1EEF-41DC-AC49-0F7B66E72193}" srcOrd="2" destOrd="0" presId="urn:microsoft.com/office/officeart/2018/2/layout/IconVerticalSolidList"/>
     <dgm:cxn modelId="{4C10CAE1-C008-45DC-A563-31ABFB7F1501}" type="presParOf" srcId="{DD78235B-CDFD-49C5-BAE0-CB9432EF388F}" destId="{BF4ED8F4-7574-4090-880C-297DC1D88E91}" srcOrd="3" destOrd="0" presId="urn:microsoft.com/office/officeart/2018/2/layout/IconVerticalSolidList"/>
-    <dgm:cxn modelId="{F06910D8-D810-4DFC-ADDD-9A931B24D6B2}" type="presParOf" srcId="{3DEF259C-10AD-4468-8E7C-F0143C6DA09C}" destId="{82006D72-4188-4DC9-83CC-C48E5E93FE86}" srcOrd="5" destOrd="0" presId="urn:microsoft.com/office/officeart/2018/2/layout/IconVerticalSolidList"/>
-    <dgm:cxn modelId="{DA319ED7-E733-43CF-8FAE-785E41D76A66}" type="presParOf" srcId="{3DEF259C-10AD-4468-8E7C-F0143C6DA09C}" destId="{CCC16A32-DB95-4F31-8192-2505F1574684}" srcOrd="6" destOrd="0" presId="urn:microsoft.com/office/officeart/2018/2/layout/IconVerticalSolidList"/>
+    <dgm:cxn modelId="{F06910D8-D810-4DFC-ADDD-9A931B24D6B2}" type="presParOf" srcId="{3DEF259C-10AD-4468-8E7C-F0143C6DA09C}" destId="{82006D72-4188-4DC9-83CC-C48E5E93FE86}" srcOrd="3" destOrd="0" presId="urn:microsoft.com/office/officeart/2018/2/layout/IconVerticalSolidList"/>
+    <dgm:cxn modelId="{DA319ED7-E733-43CF-8FAE-785E41D76A66}" type="presParOf" srcId="{3DEF259C-10AD-4468-8E7C-F0143C6DA09C}" destId="{CCC16A32-DB95-4F31-8192-2505F1574684}" srcOrd="4" destOrd="0" presId="urn:microsoft.com/office/officeart/2018/2/layout/IconVerticalSolidList"/>
     <dgm:cxn modelId="{37C66B0F-AE5D-4E7A-8AF5-BFE08931AD69}" type="presParOf" srcId="{CCC16A32-DB95-4F31-8192-2505F1574684}" destId="{8399A10F-89F5-4A87-A5A7-A67A90FA6E2C}" srcOrd="0" destOrd="0" presId="urn:microsoft.com/office/officeart/2018/2/layout/IconVerticalSolidList"/>
     <dgm:cxn modelId="{0ADD28E4-2665-4649-A1F9-112D693A5FBD}" type="presParOf" srcId="{CCC16A32-DB95-4F31-8192-2505F1574684}" destId="{7417C107-BE2B-4B97-9377-C0CF1B996AC9}" srcOrd="1" destOrd="0" presId="urn:microsoft.com/office/officeart/2018/2/layout/IconVerticalSolidList"/>
     <dgm:cxn modelId="{D004FE94-C5CA-412E-A1CE-496F2896CEB8}" type="presParOf" srcId="{CCC16A32-DB95-4F31-8192-2505F1574684}" destId="{3E830BD2-220B-4343-A68C-8024D86AAFA3}" srcOrd="2" destOrd="0" presId="urn:microsoft.com/office/officeart/2018/2/layout/IconVerticalSolidList"/>
     <dgm:cxn modelId="{C8D6631D-8B0F-4F49-88C7-FDB65995D452}" type="presParOf" srcId="{CCC16A32-DB95-4F31-8192-2505F1574684}" destId="{5CD79273-B9AE-4894-8386-70442FF53C33}" srcOrd="3" destOrd="0" presId="urn:microsoft.com/office/officeart/2018/2/layout/IconVerticalSolidList"/>
-    <dgm:cxn modelId="{403CA33C-3A57-4078-A643-DD1022C30A11}" type="presParOf" srcId="{3DEF259C-10AD-4468-8E7C-F0143C6DA09C}" destId="{1F39000A-6774-47B3-B1B9-A395984A649F}" srcOrd="7" destOrd="0" presId="urn:microsoft.com/office/officeart/2018/2/layout/IconVerticalSolidList"/>
-    <dgm:cxn modelId="{4F979625-A34A-4DC6-B7F2-3511786A536A}" type="presParOf" srcId="{3DEF259C-10AD-4468-8E7C-F0143C6DA09C}" destId="{A44676C6-713E-4E9D-A801-37C8021C9EA8}" srcOrd="8" destOrd="0" presId="urn:microsoft.com/office/officeart/2018/2/layout/IconVerticalSolidList"/>
+    <dgm:cxn modelId="{403CA33C-3A57-4078-A643-DD1022C30A11}" type="presParOf" srcId="{3DEF259C-10AD-4468-8E7C-F0143C6DA09C}" destId="{1F39000A-6774-47B3-B1B9-A395984A649F}" srcOrd="5" destOrd="0" presId="urn:microsoft.com/office/officeart/2018/2/layout/IconVerticalSolidList"/>
+    <dgm:cxn modelId="{4F979625-A34A-4DC6-B7F2-3511786A536A}" type="presParOf" srcId="{3DEF259C-10AD-4468-8E7C-F0143C6DA09C}" destId="{A44676C6-713E-4E9D-A801-37C8021C9EA8}" srcOrd="6" destOrd="0" presId="urn:microsoft.com/office/officeart/2018/2/layout/IconVerticalSolidList"/>
     <dgm:cxn modelId="{F4A1FF93-DDB3-46EB-872B-74D09FE66D3B}" type="presParOf" srcId="{A44676C6-713E-4E9D-A801-37C8021C9EA8}" destId="{0FB44C41-2AB4-479D-9851-967F62183A78}" srcOrd="0" destOrd="0" presId="urn:microsoft.com/office/officeart/2018/2/layout/IconVerticalSolidList"/>
     <dgm:cxn modelId="{2BEF1A2F-B298-410E-AC17-5BBBCCF4AE4C}" type="presParOf" srcId="{A44676C6-713E-4E9D-A801-37C8021C9EA8}" destId="{C21892EA-CD68-4B5F-8A65-DDBDD43931BC}" srcOrd="1" destOrd="0" presId="urn:microsoft.com/office/officeart/2018/2/layout/IconVerticalSolidList"/>
     <dgm:cxn modelId="{0A9F414B-46C2-4897-8A23-159A8035D6E0}" type="presParOf" srcId="{A44676C6-713E-4E9D-A801-37C8021C9EA8}" destId="{89D24AEE-93E9-4A9E-A606-0661A500C806}" srcOrd="2" destOrd="0" presId="urn:microsoft.com/office/officeart/2018/2/layout/IconVerticalSolidList"/>
@@ -4348,43 +4270,6 @@
         </a:p>
       </dgm:t>
     </dgm:pt>
-    <dgm:pt modelId="{EA7832C6-B62A-4CFD-A301-5D22CF7C5845}">
-      <dgm:prSet/>
-      <dgm:spPr/>
-      <dgm:t>
-        <a:bodyPr/>
-        <a:lstStyle/>
-        <a:p>
-          <a:r>
-            <a:rPr lang="en-US" b="0" i="0"/>
-            <a:t>------------</a:t>
-          </a:r>
-          <a:endParaRPr lang="en-US"/>
-        </a:p>
-      </dgm:t>
-    </dgm:pt>
-    <dgm:pt modelId="{358DF279-2DC7-405E-8132-9559C55B596C}" type="parTrans" cxnId="{0F020FEE-C83A-4C06-AFE6-92C9A337BB49}">
-      <dgm:prSet/>
-      <dgm:spPr/>
-      <dgm:t>
-        <a:bodyPr/>
-        <a:lstStyle/>
-        <a:p>
-          <a:endParaRPr lang="en-US"/>
-        </a:p>
-      </dgm:t>
-    </dgm:pt>
-    <dgm:pt modelId="{E2383205-6F6B-4D94-A78C-BAD4A1397F58}" type="sibTrans" cxnId="{0F020FEE-C83A-4C06-AFE6-92C9A337BB49}">
-      <dgm:prSet/>
-      <dgm:spPr/>
-      <dgm:t>
-        <a:bodyPr/>
-        <a:lstStyle/>
-        <a:p>
-          <a:endParaRPr lang="en-US"/>
-        </a:p>
-      </dgm:t>
-    </dgm:pt>
     <dgm:pt modelId="{EF1F97DD-F5F8-411A-B694-43CE912E0901}">
       <dgm:prSet/>
       <dgm:spPr/>
@@ -4392,6 +4277,11 @@
         <a:bodyPr/>
         <a:lstStyle/>
         <a:p>
+          <a:pPr>
+            <a:lnSpc>
+              <a:spcPct val="100000"/>
+            </a:lnSpc>
+          </a:pPr>
           <a:r>
             <a:rPr lang="en-US" b="0" i="0"/>
             <a:t>- AI-assistent i et organisasjonsverktøy</a:t>
@@ -4429,6 +4319,11 @@
         <a:bodyPr/>
         <a:lstStyle/>
         <a:p>
+          <a:pPr>
+            <a:lnSpc>
+              <a:spcPct val="100000"/>
+            </a:lnSpc>
+          </a:pPr>
           <a:r>
             <a:rPr lang="en-US" b="0" i="0"/>
             <a:t>- Lag oppsummeringer, sjekklister, prosjektplaner</a:t>
@@ -4466,6 +4361,11 @@
         <a:bodyPr/>
         <a:lstStyle/>
         <a:p>
+          <a:pPr>
+            <a:lnSpc>
+              <a:spcPct val="100000"/>
+            </a:lnSpc>
+          </a:pPr>
           <a:r>
             <a:rPr lang="en-US" b="0" i="0"/>
             <a:t>- Veldig nyttig for struktur og planlegging</a:t>
@@ -4505,16 +4405,16 @@
       </dgm:prSet>
       <dgm:spPr/>
     </dgm:pt>
-    <dgm:pt modelId="{944FAEA8-50AE-4680-88F3-CFD234927572}" type="pres">
-      <dgm:prSet presAssocID="{EA7832C6-B62A-4CFD-A301-5D22CF7C5845}" presName="compNode" presStyleCnt="0"/>
+    <dgm:pt modelId="{28A58C1B-31A8-4857-81B7-EF9E16C1D5C0}" type="pres">
+      <dgm:prSet presAssocID="{EF1F97DD-F5F8-411A-B694-43CE912E0901}" presName="compNode" presStyleCnt="0"/>
       <dgm:spPr/>
     </dgm:pt>
-    <dgm:pt modelId="{791C6987-74FD-4822-A527-9C8BD3A0B115}" type="pres">
-      <dgm:prSet presAssocID="{EA7832C6-B62A-4CFD-A301-5D22CF7C5845}" presName="bgRect" presStyleLbl="bgShp" presStyleIdx="0" presStyleCnt="4"/>
+    <dgm:pt modelId="{6E59E799-1F9D-49CA-9E05-8547EFB27ED4}" type="pres">
+      <dgm:prSet presAssocID="{EF1F97DD-F5F8-411A-B694-43CE912E0901}" presName="bgRect" presStyleLbl="bgShp" presStyleIdx="0" presStyleCnt="3"/>
       <dgm:spPr/>
     </dgm:pt>
-    <dgm:pt modelId="{FD907987-7DCA-40EE-9672-E26D045D5DB2}" type="pres">
-      <dgm:prSet presAssocID="{EA7832C6-B62A-4CFD-A301-5D22CF7C5845}" presName="iconRect" presStyleLbl="node1" presStyleIdx="0" presStyleCnt="4"/>
+    <dgm:pt modelId="{201954C4-A5DD-46C1-9811-274363768752}" type="pres">
+      <dgm:prSet presAssocID="{EF1F97DD-F5F8-411A-B694-43CE912E0901}" presName="iconRect" presStyleLbl="node1" presStyleIdx="0" presStyleCnt="3"/>
       <dgm:spPr>
         <a:blipFill>
           <a:blip xmlns:r="http://schemas.openxmlformats.org/officeDocument/2006/relationships" r:embed="rId1">
@@ -4537,16 +4437,16 @@
       </dgm:spPr>
       <dgm:extLst>
         <a:ext uri="{E40237B7-FDA0-4F09-8148-C483321AD2D9}">
-          <dgm14:cNvPr xmlns:dgm14="http://schemas.microsoft.com/office/drawing/2010/diagram" id="0" name="" descr="Credit card"/>
+          <dgm14:cNvPr xmlns:dgm14="http://schemas.microsoft.com/office/drawing/2010/diagram" id="0" name="" descr="Robot"/>
         </a:ext>
       </dgm:extLst>
     </dgm:pt>
-    <dgm:pt modelId="{49D7C5FB-539C-4B40-A00C-81E965F43FF8}" type="pres">
-      <dgm:prSet presAssocID="{EA7832C6-B62A-4CFD-A301-5D22CF7C5845}" presName="spaceRect" presStyleCnt="0"/>
+    <dgm:pt modelId="{BFC3DBFF-B9C7-4B6F-B905-057D143A22D6}" type="pres">
+      <dgm:prSet presAssocID="{EF1F97DD-F5F8-411A-B694-43CE912E0901}" presName="spaceRect" presStyleCnt="0"/>
       <dgm:spPr/>
     </dgm:pt>
-    <dgm:pt modelId="{A848AFAB-85FE-4E4B-BC1A-B4CA76BC7C06}" type="pres">
-      <dgm:prSet presAssocID="{EA7832C6-B62A-4CFD-A301-5D22CF7C5845}" presName="parTx" presStyleLbl="revTx" presStyleIdx="0" presStyleCnt="4">
+    <dgm:pt modelId="{82C31054-132F-4B80-8219-BA64F0493AD0}" type="pres">
+      <dgm:prSet presAssocID="{EF1F97DD-F5F8-411A-B694-43CE912E0901}" presName="parTx" presStyleLbl="revTx" presStyleIdx="0" presStyleCnt="3">
         <dgm:presLayoutVars>
           <dgm:chMax val="0"/>
           <dgm:chPref val="0"/>
@@ -4554,20 +4454,20 @@
       </dgm:prSet>
       <dgm:spPr/>
     </dgm:pt>
-    <dgm:pt modelId="{90363975-3069-4E3F-AF71-0A5F1867A5FD}" type="pres">
-      <dgm:prSet presAssocID="{E2383205-6F6B-4D94-A78C-BAD4A1397F58}" presName="sibTrans" presStyleCnt="0"/>
+    <dgm:pt modelId="{ED1CDC43-33A1-4BA1-965F-92BF1C9A287A}" type="pres">
+      <dgm:prSet presAssocID="{48C6FEA2-6654-4BBF-9ADC-45E01BCA5C02}" presName="sibTrans" presStyleCnt="0"/>
       <dgm:spPr/>
     </dgm:pt>
-    <dgm:pt modelId="{28A58C1B-31A8-4857-81B7-EF9E16C1D5C0}" type="pres">
-      <dgm:prSet presAssocID="{EF1F97DD-F5F8-411A-B694-43CE912E0901}" presName="compNode" presStyleCnt="0"/>
+    <dgm:pt modelId="{16E841A7-046B-440F-9E66-00E23984D1D8}" type="pres">
+      <dgm:prSet presAssocID="{033AAF62-5270-4D22-AC28-42038F2E98A4}" presName="compNode" presStyleCnt="0"/>
       <dgm:spPr/>
     </dgm:pt>
-    <dgm:pt modelId="{6E59E799-1F9D-49CA-9E05-8547EFB27ED4}" type="pres">
-      <dgm:prSet presAssocID="{EF1F97DD-F5F8-411A-B694-43CE912E0901}" presName="bgRect" presStyleLbl="bgShp" presStyleIdx="1" presStyleCnt="4"/>
+    <dgm:pt modelId="{7F8B7EAA-685A-440D-B8D5-B33461CB334C}" type="pres">
+      <dgm:prSet presAssocID="{033AAF62-5270-4D22-AC28-42038F2E98A4}" presName="bgRect" presStyleLbl="bgShp" presStyleIdx="1" presStyleCnt="3"/>
       <dgm:spPr/>
     </dgm:pt>
-    <dgm:pt modelId="{201954C4-A5DD-46C1-9811-274363768752}" type="pres">
-      <dgm:prSet presAssocID="{EF1F97DD-F5F8-411A-B694-43CE912E0901}" presName="iconRect" presStyleLbl="node1" presStyleIdx="1" presStyleCnt="4"/>
+    <dgm:pt modelId="{DA93BB9C-0228-4A19-8E0D-F1E313F084CE}" type="pres">
+      <dgm:prSet presAssocID="{033AAF62-5270-4D22-AC28-42038F2E98A4}" presName="iconRect" presStyleLbl="node1" presStyleIdx="1" presStyleCnt="3"/>
       <dgm:spPr>
         <a:blipFill>
           <a:blip xmlns:r="http://schemas.openxmlformats.org/officeDocument/2006/relationships" r:embed="rId3">
@@ -4590,16 +4490,16 @@
       </dgm:spPr>
       <dgm:extLst>
         <a:ext uri="{E40237B7-FDA0-4F09-8148-C483321AD2D9}">
-          <dgm14:cNvPr xmlns:dgm14="http://schemas.microsoft.com/office/drawing/2010/diagram" id="0" name="" descr="Robot"/>
+          <dgm14:cNvPr xmlns:dgm14="http://schemas.microsoft.com/office/drawing/2010/diagram" id="0" name="" descr="Group of People"/>
         </a:ext>
       </dgm:extLst>
     </dgm:pt>
-    <dgm:pt modelId="{BFC3DBFF-B9C7-4B6F-B905-057D143A22D6}" type="pres">
-      <dgm:prSet presAssocID="{EF1F97DD-F5F8-411A-B694-43CE912E0901}" presName="spaceRect" presStyleCnt="0"/>
+    <dgm:pt modelId="{6ED01C87-2048-41DC-8727-1C3B41DA34A8}" type="pres">
+      <dgm:prSet presAssocID="{033AAF62-5270-4D22-AC28-42038F2E98A4}" presName="spaceRect" presStyleCnt="0"/>
       <dgm:spPr/>
     </dgm:pt>
-    <dgm:pt modelId="{82C31054-132F-4B80-8219-BA64F0493AD0}" type="pres">
-      <dgm:prSet presAssocID="{EF1F97DD-F5F8-411A-B694-43CE912E0901}" presName="parTx" presStyleLbl="revTx" presStyleIdx="1" presStyleCnt="4">
+    <dgm:pt modelId="{8361ABDD-3785-4EDB-B566-CD7E734BCFA9}" type="pres">
+      <dgm:prSet presAssocID="{033AAF62-5270-4D22-AC28-42038F2E98A4}" presName="parTx" presStyleLbl="revTx" presStyleIdx="1" presStyleCnt="3">
         <dgm:presLayoutVars>
           <dgm:chMax val="0"/>
           <dgm:chPref val="0"/>
@@ -4607,20 +4507,20 @@
       </dgm:prSet>
       <dgm:spPr/>
     </dgm:pt>
-    <dgm:pt modelId="{ED1CDC43-33A1-4BA1-965F-92BF1C9A287A}" type="pres">
-      <dgm:prSet presAssocID="{48C6FEA2-6654-4BBF-9ADC-45E01BCA5C02}" presName="sibTrans" presStyleCnt="0"/>
+    <dgm:pt modelId="{BE231AF1-599C-4B95-A9C8-CAEB37389329}" type="pres">
+      <dgm:prSet presAssocID="{0AB56923-85A4-4455-8A88-FECC48B3672B}" presName="sibTrans" presStyleCnt="0"/>
       <dgm:spPr/>
     </dgm:pt>
-    <dgm:pt modelId="{16E841A7-046B-440F-9E66-00E23984D1D8}" type="pres">
-      <dgm:prSet presAssocID="{033AAF62-5270-4D22-AC28-42038F2E98A4}" presName="compNode" presStyleCnt="0"/>
+    <dgm:pt modelId="{360CCED5-2A40-45F6-8044-DA11AEB8B1AE}" type="pres">
+      <dgm:prSet presAssocID="{4EB1ED6F-8FA8-4A39-A13B-A67F0D2BF3CE}" presName="compNode" presStyleCnt="0"/>
       <dgm:spPr/>
     </dgm:pt>
-    <dgm:pt modelId="{7F8B7EAA-685A-440D-B8D5-B33461CB334C}" type="pres">
-      <dgm:prSet presAssocID="{033AAF62-5270-4D22-AC28-42038F2E98A4}" presName="bgRect" presStyleLbl="bgShp" presStyleIdx="2" presStyleCnt="4"/>
+    <dgm:pt modelId="{DF2A9ADB-6BDD-407C-8170-4F1CA8F457DC}" type="pres">
+      <dgm:prSet presAssocID="{4EB1ED6F-8FA8-4A39-A13B-A67F0D2BF3CE}" presName="bgRect" presStyleLbl="bgShp" presStyleIdx="2" presStyleCnt="3"/>
       <dgm:spPr/>
     </dgm:pt>
-    <dgm:pt modelId="{DA93BB9C-0228-4A19-8E0D-F1E313F084CE}" type="pres">
-      <dgm:prSet presAssocID="{033AAF62-5270-4D22-AC28-42038F2E98A4}" presName="iconRect" presStyleLbl="node1" presStyleIdx="2" presStyleCnt="4"/>
+    <dgm:pt modelId="{71F696E2-DB4E-410A-8647-517E714DA4B6}" type="pres">
+      <dgm:prSet presAssocID="{4EB1ED6F-8FA8-4A39-A13B-A67F0D2BF3CE}" presName="iconRect" presStyleLbl="node1" presStyleIdx="2" presStyleCnt="3"/>
       <dgm:spPr>
         <a:blipFill>
           <a:blip xmlns:r="http://schemas.openxmlformats.org/officeDocument/2006/relationships" r:embed="rId5">
@@ -4643,59 +4543,6 @@
       </dgm:spPr>
       <dgm:extLst>
         <a:ext uri="{E40237B7-FDA0-4F09-8148-C483321AD2D9}">
-          <dgm14:cNvPr xmlns:dgm14="http://schemas.microsoft.com/office/drawing/2010/diagram" id="0" name="" descr="Group of People"/>
-        </a:ext>
-      </dgm:extLst>
-    </dgm:pt>
-    <dgm:pt modelId="{6ED01C87-2048-41DC-8727-1C3B41DA34A8}" type="pres">
-      <dgm:prSet presAssocID="{033AAF62-5270-4D22-AC28-42038F2E98A4}" presName="spaceRect" presStyleCnt="0"/>
-      <dgm:spPr/>
-    </dgm:pt>
-    <dgm:pt modelId="{8361ABDD-3785-4EDB-B566-CD7E734BCFA9}" type="pres">
-      <dgm:prSet presAssocID="{033AAF62-5270-4D22-AC28-42038F2E98A4}" presName="parTx" presStyleLbl="revTx" presStyleIdx="2" presStyleCnt="4">
-        <dgm:presLayoutVars>
-          <dgm:chMax val="0"/>
-          <dgm:chPref val="0"/>
-        </dgm:presLayoutVars>
-      </dgm:prSet>
-      <dgm:spPr/>
-    </dgm:pt>
-    <dgm:pt modelId="{BE231AF1-599C-4B95-A9C8-CAEB37389329}" type="pres">
-      <dgm:prSet presAssocID="{0AB56923-85A4-4455-8A88-FECC48B3672B}" presName="sibTrans" presStyleCnt="0"/>
-      <dgm:spPr/>
-    </dgm:pt>
-    <dgm:pt modelId="{360CCED5-2A40-45F6-8044-DA11AEB8B1AE}" type="pres">
-      <dgm:prSet presAssocID="{4EB1ED6F-8FA8-4A39-A13B-A67F0D2BF3CE}" presName="compNode" presStyleCnt="0"/>
-      <dgm:spPr/>
-    </dgm:pt>
-    <dgm:pt modelId="{DF2A9ADB-6BDD-407C-8170-4F1CA8F457DC}" type="pres">
-      <dgm:prSet presAssocID="{4EB1ED6F-8FA8-4A39-A13B-A67F0D2BF3CE}" presName="bgRect" presStyleLbl="bgShp" presStyleIdx="3" presStyleCnt="4"/>
-      <dgm:spPr/>
-    </dgm:pt>
-    <dgm:pt modelId="{71F696E2-DB4E-410A-8647-517E714DA4B6}" type="pres">
-      <dgm:prSet presAssocID="{4EB1ED6F-8FA8-4A39-A13B-A67F0D2BF3CE}" presName="iconRect" presStyleLbl="node1" presStyleIdx="3" presStyleCnt="4"/>
-      <dgm:spPr>
-        <a:blipFill>
-          <a:blip xmlns:r="http://schemas.openxmlformats.org/officeDocument/2006/relationships" r:embed="rId7">
-            <a:extLst>
-              <a:ext uri="{28A0092B-C50C-407E-A947-70E740481C1C}">
-                <a14:useLocalDpi xmlns:a14="http://schemas.microsoft.com/office/drawing/2010/main" val="0"/>
-              </a:ext>
-              <a:ext uri="{96DAC541-7B7A-43D3-8B79-37D633B846F1}">
-                <asvg:svgBlip xmlns:asvg="http://schemas.microsoft.com/office/drawing/2016/SVG/main" r:embed="rId8"/>
-              </a:ext>
-            </a:extLst>
-          </a:blip>
-          <a:stretch>
-            <a:fillRect/>
-          </a:stretch>
-        </a:blipFill>
-        <a:ln>
-          <a:noFill/>
-        </a:ln>
-      </dgm:spPr>
-      <dgm:extLst>
-        <a:ext uri="{E40237B7-FDA0-4F09-8148-C483321AD2D9}">
           <dgm14:cNvPr xmlns:dgm14="http://schemas.microsoft.com/office/drawing/2010/diagram" id="0" name="" descr="Monthly calendar"/>
         </a:ext>
       </dgm:extLst>
@@ -4705,7 +4552,7 @@
       <dgm:spPr/>
     </dgm:pt>
     <dgm:pt modelId="{677B2F26-7ECA-4365-A9DC-8AA2C180EC1F}" type="pres">
-      <dgm:prSet presAssocID="{4EB1ED6F-8FA8-4A39-A13B-A67F0D2BF3CE}" presName="parTx" presStyleLbl="revTx" presStyleIdx="3" presStyleCnt="4">
+      <dgm:prSet presAssocID="{4EB1ED6F-8FA8-4A39-A13B-A67F0D2BF3CE}" presName="parTx" presStyleLbl="revTx" presStyleIdx="2" presStyleCnt="3">
         <dgm:presLayoutVars>
           <dgm:chMax val="0"/>
           <dgm:chPref val="0"/>
@@ -4716,33 +4563,25 @@
   </dgm:ptLst>
   <dgm:cxnLst>
     <dgm:cxn modelId="{3F366E1E-0858-4E5A-930A-F2D150A829C5}" type="presOf" srcId="{4EB1ED6F-8FA8-4A39-A13B-A67F0D2BF3CE}" destId="{677B2F26-7ECA-4365-A9DC-8AA2C180EC1F}" srcOrd="0" destOrd="0" presId="urn:microsoft.com/office/officeart/2018/2/layout/IconVerticalSolidList"/>
-    <dgm:cxn modelId="{E9EF662E-41A7-4B42-82B1-EFF301547513}" type="presOf" srcId="{EA7832C6-B62A-4CFD-A301-5D22CF7C5845}" destId="{A848AFAB-85FE-4E4B-BC1A-B4CA76BC7C06}" srcOrd="0" destOrd="0" presId="urn:microsoft.com/office/officeart/2018/2/layout/IconVerticalSolidList"/>
     <dgm:cxn modelId="{559BD99A-AA08-4FFC-A4BC-5794776FF1D3}" type="presOf" srcId="{CF641E2D-2912-4EA3-806F-F5CFB627EE20}" destId="{F0339FE6-ADE6-470B-AFB6-F40853477A61}" srcOrd="0" destOrd="0" presId="urn:microsoft.com/office/officeart/2018/2/layout/IconVerticalSolidList"/>
     <dgm:cxn modelId="{8667219C-80A8-48F1-ADC2-18102103ED4A}" type="presOf" srcId="{EF1F97DD-F5F8-411A-B694-43CE912E0901}" destId="{82C31054-132F-4B80-8219-BA64F0493AD0}" srcOrd="0" destOrd="0" presId="urn:microsoft.com/office/officeart/2018/2/layout/IconVerticalSolidList"/>
-    <dgm:cxn modelId="{F46AA8AB-3422-4FF9-A3C6-93A7FCBCBE82}" srcId="{CF641E2D-2912-4EA3-806F-F5CFB627EE20}" destId="{4EB1ED6F-8FA8-4A39-A13B-A67F0D2BF3CE}" srcOrd="3" destOrd="0" parTransId="{9806333A-2318-4A23-BD55-9DA4CE7D02F6}" sibTransId="{D963994C-DBAB-476D-A10D-4F80EABF5C86}"/>
-    <dgm:cxn modelId="{205146D9-3944-4E4C-9CB2-8AE790489E63}" srcId="{CF641E2D-2912-4EA3-806F-F5CFB627EE20}" destId="{EF1F97DD-F5F8-411A-B694-43CE912E0901}" srcOrd="1" destOrd="0" parTransId="{F101268F-4FB9-4FD2-881F-E02EED0972CD}" sibTransId="{48C6FEA2-6654-4BBF-9ADC-45E01BCA5C02}"/>
+    <dgm:cxn modelId="{F46AA8AB-3422-4FF9-A3C6-93A7FCBCBE82}" srcId="{CF641E2D-2912-4EA3-806F-F5CFB627EE20}" destId="{4EB1ED6F-8FA8-4A39-A13B-A67F0D2BF3CE}" srcOrd="2" destOrd="0" parTransId="{9806333A-2318-4A23-BD55-9DA4CE7D02F6}" sibTransId="{D963994C-DBAB-476D-A10D-4F80EABF5C86}"/>
+    <dgm:cxn modelId="{205146D9-3944-4E4C-9CB2-8AE790489E63}" srcId="{CF641E2D-2912-4EA3-806F-F5CFB627EE20}" destId="{EF1F97DD-F5F8-411A-B694-43CE912E0901}" srcOrd="0" destOrd="0" parTransId="{F101268F-4FB9-4FD2-881F-E02EED0972CD}" sibTransId="{48C6FEA2-6654-4BBF-9ADC-45E01BCA5C02}"/>
     <dgm:cxn modelId="{2952C2DB-093E-49FE-B899-9FD8612A5A70}" type="presOf" srcId="{033AAF62-5270-4D22-AC28-42038F2E98A4}" destId="{8361ABDD-3785-4EDB-B566-CD7E734BCFA9}" srcOrd="0" destOrd="0" presId="urn:microsoft.com/office/officeart/2018/2/layout/IconVerticalSolidList"/>
-    <dgm:cxn modelId="{0F020FEE-C83A-4C06-AFE6-92C9A337BB49}" srcId="{CF641E2D-2912-4EA3-806F-F5CFB627EE20}" destId="{EA7832C6-B62A-4CFD-A301-5D22CF7C5845}" srcOrd="0" destOrd="0" parTransId="{358DF279-2DC7-405E-8132-9559C55B596C}" sibTransId="{E2383205-6F6B-4D94-A78C-BAD4A1397F58}"/>
-    <dgm:cxn modelId="{C1B218FC-8054-4D87-BE86-AB7A79DC9F72}" srcId="{CF641E2D-2912-4EA3-806F-F5CFB627EE20}" destId="{033AAF62-5270-4D22-AC28-42038F2E98A4}" srcOrd="2" destOrd="0" parTransId="{A0F2BD8F-55D2-4BC8-BDA8-8316BC34C684}" sibTransId="{0AB56923-85A4-4455-8A88-FECC48B3672B}"/>
-    <dgm:cxn modelId="{521489CB-0496-498B-BA87-1DB4C4EA58D1}" type="presParOf" srcId="{F0339FE6-ADE6-470B-AFB6-F40853477A61}" destId="{944FAEA8-50AE-4680-88F3-CFD234927572}" srcOrd="0" destOrd="0" presId="urn:microsoft.com/office/officeart/2018/2/layout/IconVerticalSolidList"/>
-    <dgm:cxn modelId="{566B5C06-69EB-4DC0-A689-835D4C9EE1C6}" type="presParOf" srcId="{944FAEA8-50AE-4680-88F3-CFD234927572}" destId="{791C6987-74FD-4822-A527-9C8BD3A0B115}" srcOrd="0" destOrd="0" presId="urn:microsoft.com/office/officeart/2018/2/layout/IconVerticalSolidList"/>
-    <dgm:cxn modelId="{8E5EA426-A36A-4E9E-85E0-7489BC01B08B}" type="presParOf" srcId="{944FAEA8-50AE-4680-88F3-CFD234927572}" destId="{FD907987-7DCA-40EE-9672-E26D045D5DB2}" srcOrd="1" destOrd="0" presId="urn:microsoft.com/office/officeart/2018/2/layout/IconVerticalSolidList"/>
-    <dgm:cxn modelId="{8593188C-B7B3-4B1E-9522-2B900D3F49AB}" type="presParOf" srcId="{944FAEA8-50AE-4680-88F3-CFD234927572}" destId="{49D7C5FB-539C-4B40-A00C-81E965F43FF8}" srcOrd="2" destOrd="0" presId="urn:microsoft.com/office/officeart/2018/2/layout/IconVerticalSolidList"/>
-    <dgm:cxn modelId="{62F6F7EB-4EDB-43A0-B100-794408F7A667}" type="presParOf" srcId="{944FAEA8-50AE-4680-88F3-CFD234927572}" destId="{A848AFAB-85FE-4E4B-BC1A-B4CA76BC7C06}" srcOrd="3" destOrd="0" presId="urn:microsoft.com/office/officeart/2018/2/layout/IconVerticalSolidList"/>
-    <dgm:cxn modelId="{7C350779-40BD-4273-AC28-451ED002D4D1}" type="presParOf" srcId="{F0339FE6-ADE6-470B-AFB6-F40853477A61}" destId="{90363975-3069-4E3F-AF71-0A5F1867A5FD}" srcOrd="1" destOrd="0" presId="urn:microsoft.com/office/officeart/2018/2/layout/IconVerticalSolidList"/>
-    <dgm:cxn modelId="{ADFB04F8-5087-41D4-A4C6-30CB6D17D8D0}" type="presParOf" srcId="{F0339FE6-ADE6-470B-AFB6-F40853477A61}" destId="{28A58C1B-31A8-4857-81B7-EF9E16C1D5C0}" srcOrd="2" destOrd="0" presId="urn:microsoft.com/office/officeart/2018/2/layout/IconVerticalSolidList"/>
+    <dgm:cxn modelId="{C1B218FC-8054-4D87-BE86-AB7A79DC9F72}" srcId="{CF641E2D-2912-4EA3-806F-F5CFB627EE20}" destId="{033AAF62-5270-4D22-AC28-42038F2E98A4}" srcOrd="1" destOrd="0" parTransId="{A0F2BD8F-55D2-4BC8-BDA8-8316BC34C684}" sibTransId="{0AB56923-85A4-4455-8A88-FECC48B3672B}"/>
+    <dgm:cxn modelId="{ADFB04F8-5087-41D4-A4C6-30CB6D17D8D0}" type="presParOf" srcId="{F0339FE6-ADE6-470B-AFB6-F40853477A61}" destId="{28A58C1B-31A8-4857-81B7-EF9E16C1D5C0}" srcOrd="0" destOrd="0" presId="urn:microsoft.com/office/officeart/2018/2/layout/IconVerticalSolidList"/>
     <dgm:cxn modelId="{63E5A7E6-8DA3-413F-9E94-0CF3F819A41A}" type="presParOf" srcId="{28A58C1B-31A8-4857-81B7-EF9E16C1D5C0}" destId="{6E59E799-1F9D-49CA-9E05-8547EFB27ED4}" srcOrd="0" destOrd="0" presId="urn:microsoft.com/office/officeart/2018/2/layout/IconVerticalSolidList"/>
     <dgm:cxn modelId="{F6B98C7D-734C-4AE6-A641-4AA729054D5B}" type="presParOf" srcId="{28A58C1B-31A8-4857-81B7-EF9E16C1D5C0}" destId="{201954C4-A5DD-46C1-9811-274363768752}" srcOrd="1" destOrd="0" presId="urn:microsoft.com/office/officeart/2018/2/layout/IconVerticalSolidList"/>
     <dgm:cxn modelId="{E9EC596A-7776-4B99-93C1-27EECB2E12F6}" type="presParOf" srcId="{28A58C1B-31A8-4857-81B7-EF9E16C1D5C0}" destId="{BFC3DBFF-B9C7-4B6F-B905-057D143A22D6}" srcOrd="2" destOrd="0" presId="urn:microsoft.com/office/officeart/2018/2/layout/IconVerticalSolidList"/>
     <dgm:cxn modelId="{F58DCC90-AC36-467C-8DBD-896BF0420984}" type="presParOf" srcId="{28A58C1B-31A8-4857-81B7-EF9E16C1D5C0}" destId="{82C31054-132F-4B80-8219-BA64F0493AD0}" srcOrd="3" destOrd="0" presId="urn:microsoft.com/office/officeart/2018/2/layout/IconVerticalSolidList"/>
-    <dgm:cxn modelId="{37F9FCE7-2244-4667-ABFD-9A5A3C19F27C}" type="presParOf" srcId="{F0339FE6-ADE6-470B-AFB6-F40853477A61}" destId="{ED1CDC43-33A1-4BA1-965F-92BF1C9A287A}" srcOrd="3" destOrd="0" presId="urn:microsoft.com/office/officeart/2018/2/layout/IconVerticalSolidList"/>
-    <dgm:cxn modelId="{E73E175D-C1BE-489A-AE92-6A17A44153C2}" type="presParOf" srcId="{F0339FE6-ADE6-470B-AFB6-F40853477A61}" destId="{16E841A7-046B-440F-9E66-00E23984D1D8}" srcOrd="4" destOrd="0" presId="urn:microsoft.com/office/officeart/2018/2/layout/IconVerticalSolidList"/>
+    <dgm:cxn modelId="{37F9FCE7-2244-4667-ABFD-9A5A3C19F27C}" type="presParOf" srcId="{F0339FE6-ADE6-470B-AFB6-F40853477A61}" destId="{ED1CDC43-33A1-4BA1-965F-92BF1C9A287A}" srcOrd="1" destOrd="0" presId="urn:microsoft.com/office/officeart/2018/2/layout/IconVerticalSolidList"/>
+    <dgm:cxn modelId="{E73E175D-C1BE-489A-AE92-6A17A44153C2}" type="presParOf" srcId="{F0339FE6-ADE6-470B-AFB6-F40853477A61}" destId="{16E841A7-046B-440F-9E66-00E23984D1D8}" srcOrd="2" destOrd="0" presId="urn:microsoft.com/office/officeart/2018/2/layout/IconVerticalSolidList"/>
     <dgm:cxn modelId="{ECC21A7D-EDD5-4C7B-B640-E70051A3B1C4}" type="presParOf" srcId="{16E841A7-046B-440F-9E66-00E23984D1D8}" destId="{7F8B7EAA-685A-440D-B8D5-B33461CB334C}" srcOrd="0" destOrd="0" presId="urn:microsoft.com/office/officeart/2018/2/layout/IconVerticalSolidList"/>
     <dgm:cxn modelId="{961464DB-FE91-47B3-9CDD-D37C23CD7728}" type="presParOf" srcId="{16E841A7-046B-440F-9E66-00E23984D1D8}" destId="{DA93BB9C-0228-4A19-8E0D-F1E313F084CE}" srcOrd="1" destOrd="0" presId="urn:microsoft.com/office/officeart/2018/2/layout/IconVerticalSolidList"/>
     <dgm:cxn modelId="{4B4F35BE-0232-41D8-8C36-2FE14F1D5736}" type="presParOf" srcId="{16E841A7-046B-440F-9E66-00E23984D1D8}" destId="{6ED01C87-2048-41DC-8727-1C3B41DA34A8}" srcOrd="2" destOrd="0" presId="urn:microsoft.com/office/officeart/2018/2/layout/IconVerticalSolidList"/>
     <dgm:cxn modelId="{1F89C7FB-56E2-4F69-AABC-6061A63110A9}" type="presParOf" srcId="{16E841A7-046B-440F-9E66-00E23984D1D8}" destId="{8361ABDD-3785-4EDB-B566-CD7E734BCFA9}" srcOrd="3" destOrd="0" presId="urn:microsoft.com/office/officeart/2018/2/layout/IconVerticalSolidList"/>
-    <dgm:cxn modelId="{3E351208-E7D7-45BC-8BDD-694913FBADBB}" type="presParOf" srcId="{F0339FE6-ADE6-470B-AFB6-F40853477A61}" destId="{BE231AF1-599C-4B95-A9C8-CAEB37389329}" srcOrd="5" destOrd="0" presId="urn:microsoft.com/office/officeart/2018/2/layout/IconVerticalSolidList"/>
-    <dgm:cxn modelId="{1B60C50F-A4B4-4C3B-8EA5-BDE9B0C4EC2D}" type="presParOf" srcId="{F0339FE6-ADE6-470B-AFB6-F40853477A61}" destId="{360CCED5-2A40-45F6-8044-DA11AEB8B1AE}" srcOrd="6" destOrd="0" presId="urn:microsoft.com/office/officeart/2018/2/layout/IconVerticalSolidList"/>
+    <dgm:cxn modelId="{3E351208-E7D7-45BC-8BDD-694913FBADBB}" type="presParOf" srcId="{F0339FE6-ADE6-470B-AFB6-F40853477A61}" destId="{BE231AF1-599C-4B95-A9C8-CAEB37389329}" srcOrd="3" destOrd="0" presId="urn:microsoft.com/office/officeart/2018/2/layout/IconVerticalSolidList"/>
+    <dgm:cxn modelId="{1B60C50F-A4B4-4C3B-8EA5-BDE9B0C4EC2D}" type="presParOf" srcId="{F0339FE6-ADE6-470B-AFB6-F40853477A61}" destId="{360CCED5-2A40-45F6-8044-DA11AEB8B1AE}" srcOrd="4" destOrd="0" presId="urn:microsoft.com/office/officeart/2018/2/layout/IconVerticalSolidList"/>
     <dgm:cxn modelId="{03EC372B-B240-4CD1-834D-B4F257D91E6A}" type="presParOf" srcId="{360CCED5-2A40-45F6-8044-DA11AEB8B1AE}" destId="{DF2A9ADB-6BDD-407C-8170-4F1CA8F457DC}" srcOrd="0" destOrd="0" presId="urn:microsoft.com/office/officeart/2018/2/layout/IconVerticalSolidList"/>
     <dgm:cxn modelId="{A1ABE12E-ED13-4644-BDED-35322586A6EE}" type="presParOf" srcId="{360CCED5-2A40-45F6-8044-DA11AEB8B1AE}" destId="{71F696E2-DB4E-410A-8647-517E714DA4B6}" srcOrd="1" destOrd="0" presId="urn:microsoft.com/office/officeart/2018/2/layout/IconVerticalSolidList"/>
     <dgm:cxn modelId="{1337F866-9C37-4763-8E7C-969DBB0D0D87}" type="presParOf" srcId="{360CCED5-2A40-45F6-8044-DA11AEB8B1AE}" destId="{23009F5D-BD0E-48C9-8A41-197F45A91E78}" srcOrd="2" destOrd="0" presId="urn:microsoft.com/office/officeart/2018/2/layout/IconVerticalSolidList"/>
@@ -4772,43 +4611,6 @@
         </a:p>
       </dgm:t>
     </dgm:pt>
-    <dgm:pt modelId="{7870BCA9-6C3C-4836-B42D-440DA3135E5B}">
-      <dgm:prSet/>
-      <dgm:spPr/>
-      <dgm:t>
-        <a:bodyPr/>
-        <a:lstStyle/>
-        <a:p>
-          <a:r>
-            <a:rPr lang="en-US" b="0" i="0"/>
-            <a:t>---------------------</a:t>
-          </a:r>
-          <a:endParaRPr lang="en-US"/>
-        </a:p>
-      </dgm:t>
-    </dgm:pt>
-    <dgm:pt modelId="{9D936E5A-1D8D-4247-B82B-47B643233EF3}" type="parTrans" cxnId="{0CEE5B53-F033-4590-A68B-AB98CD1F1C74}">
-      <dgm:prSet/>
-      <dgm:spPr/>
-      <dgm:t>
-        <a:bodyPr/>
-        <a:lstStyle/>
-        <a:p>
-          <a:endParaRPr lang="en-US"/>
-        </a:p>
-      </dgm:t>
-    </dgm:pt>
-    <dgm:pt modelId="{C5359BF7-BA90-4383-B793-4CB129D48BCA}" type="sibTrans" cxnId="{0CEE5B53-F033-4590-A68B-AB98CD1F1C74}">
-      <dgm:prSet/>
-      <dgm:spPr/>
-      <dgm:t>
-        <a:bodyPr/>
-        <a:lstStyle/>
-        <a:p>
-          <a:endParaRPr lang="en-US"/>
-        </a:p>
-      </dgm:t>
-    </dgm:pt>
     <dgm:pt modelId="{5BA01AD5-3D7E-480B-954A-BA5E4864B02F}">
       <dgm:prSet/>
       <dgm:spPr/>
@@ -4816,6 +4618,11 @@
         <a:bodyPr/>
         <a:lstStyle/>
         <a:p>
+          <a:pPr>
+            <a:lnSpc>
+              <a:spcPct val="100000"/>
+            </a:lnSpc>
+          </a:pPr>
           <a:r>
             <a:rPr lang="en-US" b="0" i="0"/>
             <a:t>- Integrert i Word og Excel (i betalte versjoner)</a:t>
@@ -4853,6 +4660,11 @@
         <a:bodyPr/>
         <a:lstStyle/>
         <a:p>
+          <a:pPr>
+            <a:lnSpc>
+              <a:spcPct val="100000"/>
+            </a:lnSpc>
+          </a:pPr>
           <a:r>
             <a:rPr lang="en-US" b="0" i="0"/>
             <a:t>- Foreslår tekst, skriver avsnitt, analyserer tall</a:t>
@@ -4892,16 +4704,16 @@
       </dgm:prSet>
       <dgm:spPr/>
     </dgm:pt>
-    <dgm:pt modelId="{286FDA94-44D7-4A18-AE31-6208940CBAB1}" type="pres">
-      <dgm:prSet presAssocID="{7870BCA9-6C3C-4836-B42D-440DA3135E5B}" presName="compNode" presStyleCnt="0"/>
+    <dgm:pt modelId="{3B49C91C-2B4A-49F0-8127-EBBD23D698D7}" type="pres">
+      <dgm:prSet presAssocID="{5BA01AD5-3D7E-480B-954A-BA5E4864B02F}" presName="compNode" presStyleCnt="0"/>
       <dgm:spPr/>
     </dgm:pt>
-    <dgm:pt modelId="{7168548B-E3DA-4227-AAAB-5BE0B386CEFC}" type="pres">
-      <dgm:prSet presAssocID="{7870BCA9-6C3C-4836-B42D-440DA3135E5B}" presName="bgRect" presStyleLbl="bgShp" presStyleIdx="0" presStyleCnt="3"/>
+    <dgm:pt modelId="{2F8AB6BC-677A-4B27-BC1D-93ADDA038599}" type="pres">
+      <dgm:prSet presAssocID="{5BA01AD5-3D7E-480B-954A-BA5E4864B02F}" presName="bgRect" presStyleLbl="bgShp" presStyleIdx="0" presStyleCnt="2"/>
       <dgm:spPr/>
     </dgm:pt>
-    <dgm:pt modelId="{5F58F1A8-4BA8-4161-8FFC-E5D0A606E1D7}" type="pres">
-      <dgm:prSet presAssocID="{7870BCA9-6C3C-4836-B42D-440DA3135E5B}" presName="iconRect" presStyleLbl="node1" presStyleIdx="0" presStyleCnt="3"/>
+    <dgm:pt modelId="{026D7A7F-4F64-4208-9260-5DF38E1E8007}" type="pres">
+      <dgm:prSet presAssocID="{5BA01AD5-3D7E-480B-954A-BA5E4864B02F}" presName="iconRect" presStyleLbl="node1" presStyleIdx="0" presStyleCnt="2"/>
       <dgm:spPr>
         <a:blipFill>
           <a:blip xmlns:r="http://schemas.openxmlformats.org/officeDocument/2006/relationships" r:embed="rId1">
@@ -4924,16 +4736,16 @@
       </dgm:spPr>
       <dgm:extLst>
         <a:ext uri="{E40237B7-FDA0-4F09-8148-C483321AD2D9}">
-          <dgm14:cNvPr xmlns:dgm14="http://schemas.microsoft.com/office/drawing/2010/diagram" id="0" name="" descr="Credit card"/>
+          <dgm14:cNvPr xmlns:dgm14="http://schemas.microsoft.com/office/drawing/2010/diagram" id="0" name="" descr="Kalkulator"/>
         </a:ext>
       </dgm:extLst>
     </dgm:pt>
-    <dgm:pt modelId="{46359F75-DA8E-4823-A6B6-385E98F3FDB1}" type="pres">
-      <dgm:prSet presAssocID="{7870BCA9-6C3C-4836-B42D-440DA3135E5B}" presName="spaceRect" presStyleCnt="0"/>
+    <dgm:pt modelId="{E2C1790E-121F-4026-B777-B031FC94A586}" type="pres">
+      <dgm:prSet presAssocID="{5BA01AD5-3D7E-480B-954A-BA5E4864B02F}" presName="spaceRect" presStyleCnt="0"/>
       <dgm:spPr/>
     </dgm:pt>
-    <dgm:pt modelId="{CE68ADD1-2C30-49E9-ACE0-19020B0E597E}" type="pres">
-      <dgm:prSet presAssocID="{7870BCA9-6C3C-4836-B42D-440DA3135E5B}" presName="parTx" presStyleLbl="revTx" presStyleIdx="0" presStyleCnt="3">
+    <dgm:pt modelId="{37F8B27A-E62D-4D4C-96F2-38A9F44B8488}" type="pres">
+      <dgm:prSet presAssocID="{5BA01AD5-3D7E-480B-954A-BA5E4864B02F}" presName="parTx" presStyleLbl="revTx" presStyleIdx="0" presStyleCnt="2">
         <dgm:presLayoutVars>
           <dgm:chMax val="0"/>
           <dgm:chPref val="0"/>
@@ -4941,20 +4753,20 @@
       </dgm:prSet>
       <dgm:spPr/>
     </dgm:pt>
-    <dgm:pt modelId="{7664E4A1-9143-497C-863B-C5B9C38FAB41}" type="pres">
-      <dgm:prSet presAssocID="{C5359BF7-BA90-4383-B793-4CB129D48BCA}" presName="sibTrans" presStyleCnt="0"/>
+    <dgm:pt modelId="{76AAA662-6A77-4759-BC15-227BBCE189CC}" type="pres">
+      <dgm:prSet presAssocID="{6BD2A0CB-312B-4119-9764-66748744D012}" presName="sibTrans" presStyleCnt="0"/>
       <dgm:spPr/>
     </dgm:pt>
-    <dgm:pt modelId="{3B49C91C-2B4A-49F0-8127-EBBD23D698D7}" type="pres">
-      <dgm:prSet presAssocID="{5BA01AD5-3D7E-480B-954A-BA5E4864B02F}" presName="compNode" presStyleCnt="0"/>
+    <dgm:pt modelId="{3AEA1F7A-7EE4-44E2-9A68-71C2056C366E}" type="pres">
+      <dgm:prSet presAssocID="{A38BA9BE-ADCE-4EBB-A976-4C0CCC30F806}" presName="compNode" presStyleCnt="0"/>
       <dgm:spPr/>
     </dgm:pt>
-    <dgm:pt modelId="{2F8AB6BC-677A-4B27-BC1D-93ADDA038599}" type="pres">
-      <dgm:prSet presAssocID="{5BA01AD5-3D7E-480B-954A-BA5E4864B02F}" presName="bgRect" presStyleLbl="bgShp" presStyleIdx="1" presStyleCnt="3"/>
+    <dgm:pt modelId="{724A75BF-B109-448C-A8E2-420F994D8079}" type="pres">
+      <dgm:prSet presAssocID="{A38BA9BE-ADCE-4EBB-A976-4C0CCC30F806}" presName="bgRect" presStyleLbl="bgShp" presStyleIdx="1" presStyleCnt="2"/>
       <dgm:spPr/>
     </dgm:pt>
-    <dgm:pt modelId="{026D7A7F-4F64-4208-9260-5DF38E1E8007}" type="pres">
-      <dgm:prSet presAssocID="{5BA01AD5-3D7E-480B-954A-BA5E4864B02F}" presName="iconRect" presStyleLbl="node1" presStyleIdx="1" presStyleCnt="3"/>
+    <dgm:pt modelId="{86E7733C-F9AE-4D0B-B172-5767167D76EA}" type="pres">
+      <dgm:prSet presAssocID="{A38BA9BE-ADCE-4EBB-A976-4C0CCC30F806}" presName="iconRect" presStyleLbl="node1" presStyleIdx="1" presStyleCnt="2"/>
       <dgm:spPr>
         <a:blipFill>
           <a:blip xmlns:r="http://schemas.openxmlformats.org/officeDocument/2006/relationships" r:embed="rId3">
@@ -4977,59 +4789,6 @@
       </dgm:spPr>
       <dgm:extLst>
         <a:ext uri="{E40237B7-FDA0-4F09-8148-C483321AD2D9}">
-          <dgm14:cNvPr xmlns:dgm14="http://schemas.microsoft.com/office/drawing/2010/diagram" id="0" name="" descr="Kalkulator"/>
-        </a:ext>
-      </dgm:extLst>
-    </dgm:pt>
-    <dgm:pt modelId="{E2C1790E-121F-4026-B777-B031FC94A586}" type="pres">
-      <dgm:prSet presAssocID="{5BA01AD5-3D7E-480B-954A-BA5E4864B02F}" presName="spaceRect" presStyleCnt="0"/>
-      <dgm:spPr/>
-    </dgm:pt>
-    <dgm:pt modelId="{37F8B27A-E62D-4D4C-96F2-38A9F44B8488}" type="pres">
-      <dgm:prSet presAssocID="{5BA01AD5-3D7E-480B-954A-BA5E4864B02F}" presName="parTx" presStyleLbl="revTx" presStyleIdx="1" presStyleCnt="3">
-        <dgm:presLayoutVars>
-          <dgm:chMax val="0"/>
-          <dgm:chPref val="0"/>
-        </dgm:presLayoutVars>
-      </dgm:prSet>
-      <dgm:spPr/>
-    </dgm:pt>
-    <dgm:pt modelId="{76AAA662-6A77-4759-BC15-227BBCE189CC}" type="pres">
-      <dgm:prSet presAssocID="{6BD2A0CB-312B-4119-9764-66748744D012}" presName="sibTrans" presStyleCnt="0"/>
-      <dgm:spPr/>
-    </dgm:pt>
-    <dgm:pt modelId="{3AEA1F7A-7EE4-44E2-9A68-71C2056C366E}" type="pres">
-      <dgm:prSet presAssocID="{A38BA9BE-ADCE-4EBB-A976-4C0CCC30F806}" presName="compNode" presStyleCnt="0"/>
-      <dgm:spPr/>
-    </dgm:pt>
-    <dgm:pt modelId="{724A75BF-B109-448C-A8E2-420F994D8079}" type="pres">
-      <dgm:prSet presAssocID="{A38BA9BE-ADCE-4EBB-A976-4C0CCC30F806}" presName="bgRect" presStyleLbl="bgShp" presStyleIdx="2" presStyleCnt="3"/>
-      <dgm:spPr/>
-    </dgm:pt>
-    <dgm:pt modelId="{86E7733C-F9AE-4D0B-B172-5767167D76EA}" type="pres">
-      <dgm:prSet presAssocID="{A38BA9BE-ADCE-4EBB-A976-4C0CCC30F806}" presName="iconRect" presStyleLbl="node1" presStyleIdx="2" presStyleCnt="3"/>
-      <dgm:spPr>
-        <a:blipFill>
-          <a:blip xmlns:r="http://schemas.openxmlformats.org/officeDocument/2006/relationships" r:embed="rId5">
-            <a:extLst>
-              <a:ext uri="{28A0092B-C50C-407E-A947-70E740481C1C}">
-                <a14:useLocalDpi xmlns:a14="http://schemas.microsoft.com/office/drawing/2010/main" val="0"/>
-              </a:ext>
-              <a:ext uri="{96DAC541-7B7A-43D3-8B79-37D633B846F1}">
-                <asvg:svgBlip xmlns:asvg="http://schemas.microsoft.com/office/drawing/2016/SVG/main" r:embed="rId6"/>
-              </a:ext>
-            </a:extLst>
-          </a:blip>
-          <a:stretch>
-            <a:fillRect/>
-          </a:stretch>
-        </a:blipFill>
-        <a:ln>
-          <a:noFill/>
-        </a:ln>
-      </dgm:spPr>
-      <dgm:extLst>
-        <a:ext uri="{E40237B7-FDA0-4F09-8148-C483321AD2D9}">
           <dgm14:cNvPr xmlns:dgm14="http://schemas.microsoft.com/office/drawing/2010/diagram" id="0" name="" descr="Open Quotation Mark"/>
         </a:ext>
       </dgm:extLst>
@@ -5039,7 +4798,7 @@
       <dgm:spPr/>
     </dgm:pt>
     <dgm:pt modelId="{7DAF068B-6EC2-4B83-90A9-B009814DCF6F}" type="pres">
-      <dgm:prSet presAssocID="{A38BA9BE-ADCE-4EBB-A976-4C0CCC30F806}" presName="parTx" presStyleLbl="revTx" presStyleIdx="2" presStyleCnt="3">
+      <dgm:prSet presAssocID="{A38BA9BE-ADCE-4EBB-A976-4C0CCC30F806}" presName="parTx" presStyleLbl="revTx" presStyleIdx="1" presStyleCnt="2">
         <dgm:presLayoutVars>
           <dgm:chMax val="0"/>
           <dgm:chPref val="0"/>
@@ -5050,25 +4809,17 @@
   </dgm:ptLst>
   <dgm:cxnLst>
     <dgm:cxn modelId="{1E03250F-BF53-4156-9321-65C52AC389C9}" type="presOf" srcId="{5BA01AD5-3D7E-480B-954A-BA5E4864B02F}" destId="{37F8B27A-E62D-4D4C-96F2-38A9F44B8488}" srcOrd="0" destOrd="0" presId="urn:microsoft.com/office/officeart/2018/2/layout/IconVerticalSolidList"/>
-    <dgm:cxn modelId="{08FE9F3D-3E85-443B-B798-724C9905FC47}" srcId="{12A63FBF-C713-44F4-851A-F629517F80A0}" destId="{5BA01AD5-3D7E-480B-954A-BA5E4864B02F}" srcOrd="1" destOrd="0" parTransId="{5A3C48E2-EDEB-4AB6-B21E-F0CB635DD15D}" sibTransId="{6BD2A0CB-312B-4119-9764-66748744D012}"/>
+    <dgm:cxn modelId="{08FE9F3D-3E85-443B-B798-724C9905FC47}" srcId="{12A63FBF-C713-44F4-851A-F629517F80A0}" destId="{5BA01AD5-3D7E-480B-954A-BA5E4864B02F}" srcOrd="0" destOrd="0" parTransId="{5A3C48E2-EDEB-4AB6-B21E-F0CB635DD15D}" sibTransId="{6BD2A0CB-312B-4119-9764-66748744D012}"/>
     <dgm:cxn modelId="{E5A91E42-F536-4BFF-9E96-CACF88E57AC0}" type="presOf" srcId="{A38BA9BE-ADCE-4EBB-A976-4C0CCC30F806}" destId="{7DAF068B-6EC2-4B83-90A9-B009814DCF6F}" srcOrd="0" destOrd="0" presId="urn:microsoft.com/office/officeart/2018/2/layout/IconVerticalSolidList"/>
-    <dgm:cxn modelId="{1A42086D-C725-4721-879E-0ED656FC2CA8}" type="presOf" srcId="{7870BCA9-6C3C-4836-B42D-440DA3135E5B}" destId="{CE68ADD1-2C30-49E9-ACE0-19020B0E597E}" srcOrd="0" destOrd="0" presId="urn:microsoft.com/office/officeart/2018/2/layout/IconVerticalSolidList"/>
-    <dgm:cxn modelId="{0CEE5B53-F033-4590-A68B-AB98CD1F1C74}" srcId="{12A63FBF-C713-44F4-851A-F629517F80A0}" destId="{7870BCA9-6C3C-4836-B42D-440DA3135E5B}" srcOrd="0" destOrd="0" parTransId="{9D936E5A-1D8D-4247-B82B-47B643233EF3}" sibTransId="{C5359BF7-BA90-4383-B793-4CB129D48BCA}"/>
-    <dgm:cxn modelId="{062B6599-799B-40F5-8CF0-DA787C6E5991}" srcId="{12A63FBF-C713-44F4-851A-F629517F80A0}" destId="{A38BA9BE-ADCE-4EBB-A976-4C0CCC30F806}" srcOrd="2" destOrd="0" parTransId="{9CC8CFB1-CB5B-453C-A917-6909666FF169}" sibTransId="{5C81F5CA-A4C5-4FF6-8E7C-85A913C5DDEB}"/>
+    <dgm:cxn modelId="{062B6599-799B-40F5-8CF0-DA787C6E5991}" srcId="{12A63FBF-C713-44F4-851A-F629517F80A0}" destId="{A38BA9BE-ADCE-4EBB-A976-4C0CCC30F806}" srcOrd="1" destOrd="0" parTransId="{9CC8CFB1-CB5B-453C-A917-6909666FF169}" sibTransId="{5C81F5CA-A4C5-4FF6-8E7C-85A913C5DDEB}"/>
     <dgm:cxn modelId="{EEB27DE4-2DE8-41B7-B9B4-F3EF93E687F6}" type="presOf" srcId="{12A63FBF-C713-44F4-851A-F629517F80A0}" destId="{F57578A5-A1E4-4ECC-951E-7A9234362B23}" srcOrd="0" destOrd="0" presId="urn:microsoft.com/office/officeart/2018/2/layout/IconVerticalSolidList"/>
-    <dgm:cxn modelId="{9CF45979-16FF-4889-B7D7-1173A929BD20}" type="presParOf" srcId="{F57578A5-A1E4-4ECC-951E-7A9234362B23}" destId="{286FDA94-44D7-4A18-AE31-6208940CBAB1}" srcOrd="0" destOrd="0" presId="urn:microsoft.com/office/officeart/2018/2/layout/IconVerticalSolidList"/>
-    <dgm:cxn modelId="{DE0680B2-EA56-4122-A239-8B2275C78888}" type="presParOf" srcId="{286FDA94-44D7-4A18-AE31-6208940CBAB1}" destId="{7168548B-E3DA-4227-AAAB-5BE0B386CEFC}" srcOrd="0" destOrd="0" presId="urn:microsoft.com/office/officeart/2018/2/layout/IconVerticalSolidList"/>
-    <dgm:cxn modelId="{BF690EC0-3113-4435-9EA8-08632DDD04F1}" type="presParOf" srcId="{286FDA94-44D7-4A18-AE31-6208940CBAB1}" destId="{5F58F1A8-4BA8-4161-8FFC-E5D0A606E1D7}" srcOrd="1" destOrd="0" presId="urn:microsoft.com/office/officeart/2018/2/layout/IconVerticalSolidList"/>
-    <dgm:cxn modelId="{ED40AAB7-D804-4489-AE99-06213AFF0AB2}" type="presParOf" srcId="{286FDA94-44D7-4A18-AE31-6208940CBAB1}" destId="{46359F75-DA8E-4823-A6B6-385E98F3FDB1}" srcOrd="2" destOrd="0" presId="urn:microsoft.com/office/officeart/2018/2/layout/IconVerticalSolidList"/>
-    <dgm:cxn modelId="{719D3C1F-737B-4847-B402-DCB184E372FB}" type="presParOf" srcId="{286FDA94-44D7-4A18-AE31-6208940CBAB1}" destId="{CE68ADD1-2C30-49E9-ACE0-19020B0E597E}" srcOrd="3" destOrd="0" presId="urn:microsoft.com/office/officeart/2018/2/layout/IconVerticalSolidList"/>
-    <dgm:cxn modelId="{3FCAC073-C1AF-495B-93C0-F7F38453505D}" type="presParOf" srcId="{F57578A5-A1E4-4ECC-951E-7A9234362B23}" destId="{7664E4A1-9143-497C-863B-C5B9C38FAB41}" srcOrd="1" destOrd="0" presId="urn:microsoft.com/office/officeart/2018/2/layout/IconVerticalSolidList"/>
-    <dgm:cxn modelId="{29501E6B-F581-4C38-8D45-578FB17008CE}" type="presParOf" srcId="{F57578A5-A1E4-4ECC-951E-7A9234362B23}" destId="{3B49C91C-2B4A-49F0-8127-EBBD23D698D7}" srcOrd="2" destOrd="0" presId="urn:microsoft.com/office/officeart/2018/2/layout/IconVerticalSolidList"/>
+    <dgm:cxn modelId="{29501E6B-F581-4C38-8D45-578FB17008CE}" type="presParOf" srcId="{F57578A5-A1E4-4ECC-951E-7A9234362B23}" destId="{3B49C91C-2B4A-49F0-8127-EBBD23D698D7}" srcOrd="0" destOrd="0" presId="urn:microsoft.com/office/officeart/2018/2/layout/IconVerticalSolidList"/>
     <dgm:cxn modelId="{5AE9E207-328C-4B8A-8705-342BA097F66E}" type="presParOf" srcId="{3B49C91C-2B4A-49F0-8127-EBBD23D698D7}" destId="{2F8AB6BC-677A-4B27-BC1D-93ADDA038599}" srcOrd="0" destOrd="0" presId="urn:microsoft.com/office/officeart/2018/2/layout/IconVerticalSolidList"/>
     <dgm:cxn modelId="{F2048605-9E30-4B65-9244-A30FFAF5D8EB}" type="presParOf" srcId="{3B49C91C-2B4A-49F0-8127-EBBD23D698D7}" destId="{026D7A7F-4F64-4208-9260-5DF38E1E8007}" srcOrd="1" destOrd="0" presId="urn:microsoft.com/office/officeart/2018/2/layout/IconVerticalSolidList"/>
     <dgm:cxn modelId="{D9CF159D-D9F0-464D-ACD9-DB41C1A57A30}" type="presParOf" srcId="{3B49C91C-2B4A-49F0-8127-EBBD23D698D7}" destId="{E2C1790E-121F-4026-B777-B031FC94A586}" srcOrd="2" destOrd="0" presId="urn:microsoft.com/office/officeart/2018/2/layout/IconVerticalSolidList"/>
     <dgm:cxn modelId="{D1B7E127-D4C0-4E32-A0F2-D276F9422716}" type="presParOf" srcId="{3B49C91C-2B4A-49F0-8127-EBBD23D698D7}" destId="{37F8B27A-E62D-4D4C-96F2-38A9F44B8488}" srcOrd="3" destOrd="0" presId="urn:microsoft.com/office/officeart/2018/2/layout/IconVerticalSolidList"/>
-    <dgm:cxn modelId="{E753D389-14AC-49A4-A7CA-9D419760FE5B}" type="presParOf" srcId="{F57578A5-A1E4-4ECC-951E-7A9234362B23}" destId="{76AAA662-6A77-4759-BC15-227BBCE189CC}" srcOrd="3" destOrd="0" presId="urn:microsoft.com/office/officeart/2018/2/layout/IconVerticalSolidList"/>
-    <dgm:cxn modelId="{A0AAEF0C-EF82-45F4-9712-F5F9A1758455}" type="presParOf" srcId="{F57578A5-A1E4-4ECC-951E-7A9234362B23}" destId="{3AEA1F7A-7EE4-44E2-9A68-71C2056C366E}" srcOrd="4" destOrd="0" presId="urn:microsoft.com/office/officeart/2018/2/layout/IconVerticalSolidList"/>
+    <dgm:cxn modelId="{E753D389-14AC-49A4-A7CA-9D419760FE5B}" type="presParOf" srcId="{F57578A5-A1E4-4ECC-951E-7A9234362B23}" destId="{76AAA662-6A77-4759-BC15-227BBCE189CC}" srcOrd="1" destOrd="0" presId="urn:microsoft.com/office/officeart/2018/2/layout/IconVerticalSolidList"/>
+    <dgm:cxn modelId="{A0AAEF0C-EF82-45F4-9712-F5F9A1758455}" type="presParOf" srcId="{F57578A5-A1E4-4ECC-951E-7A9234362B23}" destId="{3AEA1F7A-7EE4-44E2-9A68-71C2056C366E}" srcOrd="2" destOrd="0" presId="urn:microsoft.com/office/officeart/2018/2/layout/IconVerticalSolidList"/>
     <dgm:cxn modelId="{CEB2EBA0-56A6-4631-B121-D3D03128C65D}" type="presParOf" srcId="{3AEA1F7A-7EE4-44E2-9A68-71C2056C366E}" destId="{724A75BF-B109-448C-A8E2-420F994D8079}" srcOrd="0" destOrd="0" presId="urn:microsoft.com/office/officeart/2018/2/layout/IconVerticalSolidList"/>
     <dgm:cxn modelId="{52950962-B75D-4585-8CAA-4FACC101189E}" type="presParOf" srcId="{3AEA1F7A-7EE4-44E2-9A68-71C2056C366E}" destId="{86E7733C-F9AE-4D0B-B172-5767167D76EA}" srcOrd="1" destOrd="0" presId="urn:microsoft.com/office/officeart/2018/2/layout/IconVerticalSolidList"/>
     <dgm:cxn modelId="{96051E5A-9EAC-402E-9B5E-568118B9CE7C}" type="presParOf" srcId="{3AEA1F7A-7EE4-44E2-9A68-71C2056C366E}" destId="{E0B5CE4C-AC98-43C9-A80D-0D3F2848E474}" srcOrd="2" destOrd="0" presId="urn:microsoft.com/office/officeart/2018/2/layout/IconVerticalSolidList"/>
@@ -5098,43 +4849,6 @@
         </a:p>
       </dgm:t>
     </dgm:pt>
-    <dgm:pt modelId="{9BCB873E-F69C-4F36-9EFD-F3411F84ACCB}">
-      <dgm:prSet/>
-      <dgm:spPr/>
-      <dgm:t>
-        <a:bodyPr/>
-        <a:lstStyle/>
-        <a:p>
-          <a:r>
-            <a:rPr lang="en-US" b="0" i="0"/>
-            <a:t>---------------</a:t>
-          </a:r>
-          <a:endParaRPr lang="en-US"/>
-        </a:p>
-      </dgm:t>
-    </dgm:pt>
-    <dgm:pt modelId="{DF2DDF9E-03C0-473A-8E2A-D209724CF0AC}" type="parTrans" cxnId="{3E9DDE47-B8EF-4806-B0BB-F3642E943D72}">
-      <dgm:prSet/>
-      <dgm:spPr/>
-      <dgm:t>
-        <a:bodyPr/>
-        <a:lstStyle/>
-        <a:p>
-          <a:endParaRPr lang="en-US"/>
-        </a:p>
-      </dgm:t>
-    </dgm:pt>
-    <dgm:pt modelId="{7854FE48-723D-4E77-89DE-B2D98363655F}" type="sibTrans" cxnId="{3E9DDE47-B8EF-4806-B0BB-F3642E943D72}">
-      <dgm:prSet/>
-      <dgm:spPr/>
-      <dgm:t>
-        <a:bodyPr/>
-        <a:lstStyle/>
-        <a:p>
-          <a:endParaRPr lang="en-US"/>
-        </a:p>
-      </dgm:t>
-    </dgm:pt>
     <dgm:pt modelId="{20428C9A-560C-4B37-B060-755D252B20C0}">
       <dgm:prSet/>
       <dgm:spPr/>
@@ -5142,6 +4856,11 @@
         <a:bodyPr/>
         <a:lstStyle/>
         <a:p>
+          <a:pPr>
+            <a:lnSpc>
+              <a:spcPct val="100000"/>
+            </a:lnSpc>
+          </a:pPr>
           <a:r>
             <a:rPr lang="en-US" b="0" i="0"/>
             <a:t>- DALL·E: Lag bilder med tekstbeskrivelser</a:t>
@@ -5179,6 +4898,11 @@
         <a:bodyPr/>
         <a:lstStyle/>
         <a:p>
+          <a:pPr>
+            <a:lnSpc>
+              <a:spcPct val="100000"/>
+            </a:lnSpc>
+          </a:pPr>
           <a:r>
             <a:rPr lang="en-US" b="0" i="0"/>
             <a:t>- Adobe Firefly, Midjourney (for mer avanserte brukere)</a:t>
@@ -5218,16 +4942,16 @@
       </dgm:prSet>
       <dgm:spPr/>
     </dgm:pt>
-    <dgm:pt modelId="{122FD81D-7BDE-4BE4-B115-30BBEB55AFFE}" type="pres">
-      <dgm:prSet presAssocID="{9BCB873E-F69C-4F36-9EFD-F3411F84ACCB}" presName="compNode" presStyleCnt="0"/>
+    <dgm:pt modelId="{B2B6A7F7-C7D1-4275-80D7-6B0D5C5D456B}" type="pres">
+      <dgm:prSet presAssocID="{20428C9A-560C-4B37-B060-755D252B20C0}" presName="compNode" presStyleCnt="0"/>
       <dgm:spPr/>
     </dgm:pt>
-    <dgm:pt modelId="{E65844D2-10CD-4CEA-A4FD-43A223BE753B}" type="pres">
-      <dgm:prSet presAssocID="{9BCB873E-F69C-4F36-9EFD-F3411F84ACCB}" presName="bgRect" presStyleLbl="bgShp" presStyleIdx="0" presStyleCnt="3"/>
+    <dgm:pt modelId="{3BCC0581-5E3B-49DD-9945-55AB494DF1EF}" type="pres">
+      <dgm:prSet presAssocID="{20428C9A-560C-4B37-B060-755D252B20C0}" presName="bgRect" presStyleLbl="bgShp" presStyleIdx="0" presStyleCnt="2"/>
       <dgm:spPr/>
     </dgm:pt>
-    <dgm:pt modelId="{2967F69E-6CB3-476C-B0E3-0F907A5DC794}" type="pres">
-      <dgm:prSet presAssocID="{9BCB873E-F69C-4F36-9EFD-F3411F84ACCB}" presName="iconRect" presStyleLbl="node1" presStyleIdx="0" presStyleCnt="3"/>
+    <dgm:pt modelId="{B4661804-E93C-449B-8E5A-0C7D9274EDE4}" type="pres">
+      <dgm:prSet presAssocID="{20428C9A-560C-4B37-B060-755D252B20C0}" presName="iconRect" presStyleLbl="node1" presStyleIdx="0" presStyleCnt="2"/>
       <dgm:spPr>
         <a:blipFill>
           <a:blip xmlns:r="http://schemas.openxmlformats.org/officeDocument/2006/relationships" r:embed="rId1">
@@ -5250,16 +4974,16 @@
       </dgm:spPr>
       <dgm:extLst>
         <a:ext uri="{E40237B7-FDA0-4F09-8148-C483321AD2D9}">
-          <dgm14:cNvPr xmlns:dgm14="http://schemas.microsoft.com/office/drawing/2010/diagram" id="0" name="" descr="Credit card"/>
+          <dgm14:cNvPr xmlns:dgm14="http://schemas.microsoft.com/office/drawing/2010/diagram" id="0" name="" descr="Bilder"/>
         </a:ext>
       </dgm:extLst>
     </dgm:pt>
-    <dgm:pt modelId="{0288C38F-D2EA-4471-99DE-2E8F129C5C2F}" type="pres">
-      <dgm:prSet presAssocID="{9BCB873E-F69C-4F36-9EFD-F3411F84ACCB}" presName="spaceRect" presStyleCnt="0"/>
+    <dgm:pt modelId="{3738D2D7-FFE6-4E7F-9D40-93C049DD044C}" type="pres">
+      <dgm:prSet presAssocID="{20428C9A-560C-4B37-B060-755D252B20C0}" presName="spaceRect" presStyleCnt="0"/>
       <dgm:spPr/>
     </dgm:pt>
-    <dgm:pt modelId="{90AB435A-1217-452A-902D-04DEA27F3C78}" type="pres">
-      <dgm:prSet presAssocID="{9BCB873E-F69C-4F36-9EFD-F3411F84ACCB}" presName="parTx" presStyleLbl="revTx" presStyleIdx="0" presStyleCnt="3">
+    <dgm:pt modelId="{F53C1B8C-F603-431F-B18F-9C5FF15470D7}" type="pres">
+      <dgm:prSet presAssocID="{20428C9A-560C-4B37-B060-755D252B20C0}" presName="parTx" presStyleLbl="revTx" presStyleIdx="0" presStyleCnt="2">
         <dgm:presLayoutVars>
           <dgm:chMax val="0"/>
           <dgm:chPref val="0"/>
@@ -5267,20 +4991,20 @@
       </dgm:prSet>
       <dgm:spPr/>
     </dgm:pt>
-    <dgm:pt modelId="{13AA3538-09C2-4BA0-B0C4-6B5A3A4D29D5}" type="pres">
-      <dgm:prSet presAssocID="{7854FE48-723D-4E77-89DE-B2D98363655F}" presName="sibTrans" presStyleCnt="0"/>
+    <dgm:pt modelId="{D90DFC8D-B20B-4EF9-A134-C990EEBDB55B}" type="pres">
+      <dgm:prSet presAssocID="{20418C73-8640-4FB0-934B-37771AE59285}" presName="sibTrans" presStyleCnt="0"/>
       <dgm:spPr/>
     </dgm:pt>
-    <dgm:pt modelId="{B2B6A7F7-C7D1-4275-80D7-6B0D5C5D456B}" type="pres">
-      <dgm:prSet presAssocID="{20428C9A-560C-4B37-B060-755D252B20C0}" presName="compNode" presStyleCnt="0"/>
+    <dgm:pt modelId="{953F0403-DC05-4699-B742-3AB939A25019}" type="pres">
+      <dgm:prSet presAssocID="{0C6D6330-507A-48FE-8FA5-B3448BB6438A}" presName="compNode" presStyleCnt="0"/>
       <dgm:spPr/>
     </dgm:pt>
-    <dgm:pt modelId="{3BCC0581-5E3B-49DD-9945-55AB494DF1EF}" type="pres">
-      <dgm:prSet presAssocID="{20428C9A-560C-4B37-B060-755D252B20C0}" presName="bgRect" presStyleLbl="bgShp" presStyleIdx="1" presStyleCnt="3"/>
+    <dgm:pt modelId="{E3BA3B86-D0A4-4F08-BC49-E9D0E9DED5B1}" type="pres">
+      <dgm:prSet presAssocID="{0C6D6330-507A-48FE-8FA5-B3448BB6438A}" presName="bgRect" presStyleLbl="bgShp" presStyleIdx="1" presStyleCnt="2"/>
       <dgm:spPr/>
     </dgm:pt>
-    <dgm:pt modelId="{B4661804-E93C-449B-8E5A-0C7D9274EDE4}" type="pres">
-      <dgm:prSet presAssocID="{20428C9A-560C-4B37-B060-755D252B20C0}" presName="iconRect" presStyleLbl="node1" presStyleIdx="1" presStyleCnt="3"/>
+    <dgm:pt modelId="{334A7B55-2454-4267-9FE3-FE6322199EC8}" type="pres">
+      <dgm:prSet presAssocID="{0C6D6330-507A-48FE-8FA5-B3448BB6438A}" presName="iconRect" presStyleLbl="node1" presStyleIdx="1" presStyleCnt="2"/>
       <dgm:spPr>
         <a:blipFill>
           <a:blip xmlns:r="http://schemas.openxmlformats.org/officeDocument/2006/relationships" r:embed="rId3">
@@ -5303,59 +5027,6 @@
       </dgm:spPr>
       <dgm:extLst>
         <a:ext uri="{E40237B7-FDA0-4F09-8148-C483321AD2D9}">
-          <dgm14:cNvPr xmlns:dgm14="http://schemas.microsoft.com/office/drawing/2010/diagram" id="0" name="" descr="Bilder"/>
-        </a:ext>
-      </dgm:extLst>
-    </dgm:pt>
-    <dgm:pt modelId="{3738D2D7-FFE6-4E7F-9D40-93C049DD044C}" type="pres">
-      <dgm:prSet presAssocID="{20428C9A-560C-4B37-B060-755D252B20C0}" presName="spaceRect" presStyleCnt="0"/>
-      <dgm:spPr/>
-    </dgm:pt>
-    <dgm:pt modelId="{F53C1B8C-F603-431F-B18F-9C5FF15470D7}" type="pres">
-      <dgm:prSet presAssocID="{20428C9A-560C-4B37-B060-755D252B20C0}" presName="parTx" presStyleLbl="revTx" presStyleIdx="1" presStyleCnt="3">
-        <dgm:presLayoutVars>
-          <dgm:chMax val="0"/>
-          <dgm:chPref val="0"/>
-        </dgm:presLayoutVars>
-      </dgm:prSet>
-      <dgm:spPr/>
-    </dgm:pt>
-    <dgm:pt modelId="{D90DFC8D-B20B-4EF9-A134-C990EEBDB55B}" type="pres">
-      <dgm:prSet presAssocID="{20418C73-8640-4FB0-934B-37771AE59285}" presName="sibTrans" presStyleCnt="0"/>
-      <dgm:spPr/>
-    </dgm:pt>
-    <dgm:pt modelId="{953F0403-DC05-4699-B742-3AB939A25019}" type="pres">
-      <dgm:prSet presAssocID="{0C6D6330-507A-48FE-8FA5-B3448BB6438A}" presName="compNode" presStyleCnt="0"/>
-      <dgm:spPr/>
-    </dgm:pt>
-    <dgm:pt modelId="{E3BA3B86-D0A4-4F08-BC49-E9D0E9DED5B1}" type="pres">
-      <dgm:prSet presAssocID="{0C6D6330-507A-48FE-8FA5-B3448BB6438A}" presName="bgRect" presStyleLbl="bgShp" presStyleIdx="2" presStyleCnt="3"/>
-      <dgm:spPr/>
-    </dgm:pt>
-    <dgm:pt modelId="{334A7B55-2454-4267-9FE3-FE6322199EC8}" type="pres">
-      <dgm:prSet presAssocID="{0C6D6330-507A-48FE-8FA5-B3448BB6438A}" presName="iconRect" presStyleLbl="node1" presStyleIdx="2" presStyleCnt="3"/>
-      <dgm:spPr>
-        <a:blipFill>
-          <a:blip xmlns:r="http://schemas.openxmlformats.org/officeDocument/2006/relationships" r:embed="rId5">
-            <a:extLst>
-              <a:ext uri="{28A0092B-C50C-407E-A947-70E740481C1C}">
-                <a14:useLocalDpi xmlns:a14="http://schemas.microsoft.com/office/drawing/2010/main" val="0"/>
-              </a:ext>
-              <a:ext uri="{96DAC541-7B7A-43D3-8B79-37D633B846F1}">
-                <asvg:svgBlip xmlns:asvg="http://schemas.microsoft.com/office/drawing/2016/SVG/main" r:embed="rId6"/>
-              </a:ext>
-            </a:extLst>
-          </a:blip>
-          <a:stretch>
-            <a:fillRect/>
-          </a:stretch>
-        </a:blipFill>
-        <a:ln>
-          <a:noFill/>
-        </a:ln>
-      </dgm:spPr>
-      <dgm:extLst>
-        <a:ext uri="{E40237B7-FDA0-4F09-8148-C483321AD2D9}">
           <dgm14:cNvPr xmlns:dgm14="http://schemas.microsoft.com/office/drawing/2010/diagram" id="0" name="" descr="Bee with hive"/>
         </a:ext>
       </dgm:extLst>
@@ -5365,7 +5036,7 @@
       <dgm:spPr/>
     </dgm:pt>
     <dgm:pt modelId="{05603ED7-DF3F-47A7-805C-E37C73C0741D}" type="pres">
-      <dgm:prSet presAssocID="{0C6D6330-507A-48FE-8FA5-B3448BB6438A}" presName="parTx" presStyleLbl="revTx" presStyleIdx="2" presStyleCnt="3">
+      <dgm:prSet presAssocID="{0C6D6330-507A-48FE-8FA5-B3448BB6438A}" presName="parTx" presStyleLbl="revTx" presStyleIdx="1" presStyleCnt="2">
         <dgm:presLayoutVars>
           <dgm:chMax val="0"/>
           <dgm:chPref val="0"/>
@@ -5376,25 +5047,17 @@
   </dgm:ptLst>
   <dgm:cxnLst>
     <dgm:cxn modelId="{0533930C-2EA8-4566-91EF-927A8D05D0E3}" type="presOf" srcId="{0C6D6330-507A-48FE-8FA5-B3448BB6438A}" destId="{05603ED7-DF3F-47A7-805C-E37C73C0741D}" srcOrd="0" destOrd="0" presId="urn:microsoft.com/office/officeart/2018/2/layout/IconVerticalSolidList"/>
-    <dgm:cxn modelId="{3E9DDE47-B8EF-4806-B0BB-F3642E943D72}" srcId="{AB4FA8DF-584E-43E1-8E27-5E8A39CEC4E4}" destId="{9BCB873E-F69C-4F36-9EFD-F3411F84ACCB}" srcOrd="0" destOrd="0" parTransId="{DF2DDF9E-03C0-473A-8E2A-D209724CF0AC}" sibTransId="{7854FE48-723D-4E77-89DE-B2D98363655F}"/>
     <dgm:cxn modelId="{DCBF344E-12DE-4BD2-911F-AABFFAEC6F56}" type="presOf" srcId="{AB4FA8DF-584E-43E1-8E27-5E8A39CEC4E4}" destId="{7E91763D-1254-4138-8090-1CB5E1D94191}" srcOrd="0" destOrd="0" presId="urn:microsoft.com/office/officeart/2018/2/layout/IconVerticalSolidList"/>
-    <dgm:cxn modelId="{F7CB354E-761A-4774-85A9-B93C2D0FFEF7}" type="presOf" srcId="{9BCB873E-F69C-4F36-9EFD-F3411F84ACCB}" destId="{90AB435A-1217-452A-902D-04DEA27F3C78}" srcOrd="0" destOrd="0" presId="urn:microsoft.com/office/officeart/2018/2/layout/IconVerticalSolidList"/>
-    <dgm:cxn modelId="{292A6D52-D877-4DA7-BCD6-B048B9270188}" srcId="{AB4FA8DF-584E-43E1-8E27-5E8A39CEC4E4}" destId="{20428C9A-560C-4B37-B060-755D252B20C0}" srcOrd="1" destOrd="0" parTransId="{3F6B9263-FE57-4285-9152-935FD919CA45}" sibTransId="{20418C73-8640-4FB0-934B-37771AE59285}"/>
+    <dgm:cxn modelId="{292A6D52-D877-4DA7-BCD6-B048B9270188}" srcId="{AB4FA8DF-584E-43E1-8E27-5E8A39CEC4E4}" destId="{20428C9A-560C-4B37-B060-755D252B20C0}" srcOrd="0" destOrd="0" parTransId="{3F6B9263-FE57-4285-9152-935FD919CA45}" sibTransId="{20418C73-8640-4FB0-934B-37771AE59285}"/>
     <dgm:cxn modelId="{56287457-B146-4DAE-8048-C228E8B49011}" type="presOf" srcId="{20428C9A-560C-4B37-B060-755D252B20C0}" destId="{F53C1B8C-F603-431F-B18F-9C5FF15470D7}" srcOrd="0" destOrd="0" presId="urn:microsoft.com/office/officeart/2018/2/layout/IconVerticalSolidList"/>
-    <dgm:cxn modelId="{87E255D1-69E6-445A-928D-5B9BD4990919}" srcId="{AB4FA8DF-584E-43E1-8E27-5E8A39CEC4E4}" destId="{0C6D6330-507A-48FE-8FA5-B3448BB6438A}" srcOrd="2" destOrd="0" parTransId="{97862E87-BAD0-4BD8-9A22-F253B7A1C162}" sibTransId="{2512FEC0-B30B-46C2-AD8D-89796DB53035}"/>
-    <dgm:cxn modelId="{89331B01-3E09-4FDE-BC69-176B789A5279}" type="presParOf" srcId="{7E91763D-1254-4138-8090-1CB5E1D94191}" destId="{122FD81D-7BDE-4BE4-B115-30BBEB55AFFE}" srcOrd="0" destOrd="0" presId="urn:microsoft.com/office/officeart/2018/2/layout/IconVerticalSolidList"/>
-    <dgm:cxn modelId="{BB8CA417-0E18-49ED-8030-B510CF91D43B}" type="presParOf" srcId="{122FD81D-7BDE-4BE4-B115-30BBEB55AFFE}" destId="{E65844D2-10CD-4CEA-A4FD-43A223BE753B}" srcOrd="0" destOrd="0" presId="urn:microsoft.com/office/officeart/2018/2/layout/IconVerticalSolidList"/>
-    <dgm:cxn modelId="{0B2BEE51-0812-4302-AD3E-FCB628848029}" type="presParOf" srcId="{122FD81D-7BDE-4BE4-B115-30BBEB55AFFE}" destId="{2967F69E-6CB3-476C-B0E3-0F907A5DC794}" srcOrd="1" destOrd="0" presId="urn:microsoft.com/office/officeart/2018/2/layout/IconVerticalSolidList"/>
-    <dgm:cxn modelId="{17714F2E-E1E0-43C7-93A2-4FA7AE7418A2}" type="presParOf" srcId="{122FD81D-7BDE-4BE4-B115-30BBEB55AFFE}" destId="{0288C38F-D2EA-4471-99DE-2E8F129C5C2F}" srcOrd="2" destOrd="0" presId="urn:microsoft.com/office/officeart/2018/2/layout/IconVerticalSolidList"/>
-    <dgm:cxn modelId="{D9615ED5-1350-4E28-8D40-6D45ED40A102}" type="presParOf" srcId="{122FD81D-7BDE-4BE4-B115-30BBEB55AFFE}" destId="{90AB435A-1217-452A-902D-04DEA27F3C78}" srcOrd="3" destOrd="0" presId="urn:microsoft.com/office/officeart/2018/2/layout/IconVerticalSolidList"/>
-    <dgm:cxn modelId="{1DF63BC7-A8A5-476A-8632-F2B074ACDF5D}" type="presParOf" srcId="{7E91763D-1254-4138-8090-1CB5E1D94191}" destId="{13AA3538-09C2-4BA0-B0C4-6B5A3A4D29D5}" srcOrd="1" destOrd="0" presId="urn:microsoft.com/office/officeart/2018/2/layout/IconVerticalSolidList"/>
-    <dgm:cxn modelId="{AC51E0AA-5CD7-47DB-907A-E699B1E466AA}" type="presParOf" srcId="{7E91763D-1254-4138-8090-1CB5E1D94191}" destId="{B2B6A7F7-C7D1-4275-80D7-6B0D5C5D456B}" srcOrd="2" destOrd="0" presId="urn:microsoft.com/office/officeart/2018/2/layout/IconVerticalSolidList"/>
+    <dgm:cxn modelId="{87E255D1-69E6-445A-928D-5B9BD4990919}" srcId="{AB4FA8DF-584E-43E1-8E27-5E8A39CEC4E4}" destId="{0C6D6330-507A-48FE-8FA5-B3448BB6438A}" srcOrd="1" destOrd="0" parTransId="{97862E87-BAD0-4BD8-9A22-F253B7A1C162}" sibTransId="{2512FEC0-B30B-46C2-AD8D-89796DB53035}"/>
+    <dgm:cxn modelId="{AC51E0AA-5CD7-47DB-907A-E699B1E466AA}" type="presParOf" srcId="{7E91763D-1254-4138-8090-1CB5E1D94191}" destId="{B2B6A7F7-C7D1-4275-80D7-6B0D5C5D456B}" srcOrd="0" destOrd="0" presId="urn:microsoft.com/office/officeart/2018/2/layout/IconVerticalSolidList"/>
     <dgm:cxn modelId="{A32DB185-D44B-4F03-A07E-AE92891E1858}" type="presParOf" srcId="{B2B6A7F7-C7D1-4275-80D7-6B0D5C5D456B}" destId="{3BCC0581-5E3B-49DD-9945-55AB494DF1EF}" srcOrd="0" destOrd="0" presId="urn:microsoft.com/office/officeart/2018/2/layout/IconVerticalSolidList"/>
     <dgm:cxn modelId="{CABBDC0C-9F04-4EB7-9323-9B1DA1CFFCF4}" type="presParOf" srcId="{B2B6A7F7-C7D1-4275-80D7-6B0D5C5D456B}" destId="{B4661804-E93C-449B-8E5A-0C7D9274EDE4}" srcOrd="1" destOrd="0" presId="urn:microsoft.com/office/officeart/2018/2/layout/IconVerticalSolidList"/>
     <dgm:cxn modelId="{3BD44DC0-0A93-4CB8-A37E-B71BE08A5E64}" type="presParOf" srcId="{B2B6A7F7-C7D1-4275-80D7-6B0D5C5D456B}" destId="{3738D2D7-FFE6-4E7F-9D40-93C049DD044C}" srcOrd="2" destOrd="0" presId="urn:microsoft.com/office/officeart/2018/2/layout/IconVerticalSolidList"/>
     <dgm:cxn modelId="{A1679F50-BDCB-422F-970C-B12BE38AD31E}" type="presParOf" srcId="{B2B6A7F7-C7D1-4275-80D7-6B0D5C5D456B}" destId="{F53C1B8C-F603-431F-B18F-9C5FF15470D7}" srcOrd="3" destOrd="0" presId="urn:microsoft.com/office/officeart/2018/2/layout/IconVerticalSolidList"/>
-    <dgm:cxn modelId="{BAF2CC7A-05BF-4E88-BADD-A83F2F617592}" type="presParOf" srcId="{7E91763D-1254-4138-8090-1CB5E1D94191}" destId="{D90DFC8D-B20B-4EF9-A134-C990EEBDB55B}" srcOrd="3" destOrd="0" presId="urn:microsoft.com/office/officeart/2018/2/layout/IconVerticalSolidList"/>
-    <dgm:cxn modelId="{2E65917E-DBAF-4174-8DCF-4B77E34E5930}" type="presParOf" srcId="{7E91763D-1254-4138-8090-1CB5E1D94191}" destId="{953F0403-DC05-4699-B742-3AB939A25019}" srcOrd="4" destOrd="0" presId="urn:microsoft.com/office/officeart/2018/2/layout/IconVerticalSolidList"/>
+    <dgm:cxn modelId="{BAF2CC7A-05BF-4E88-BADD-A83F2F617592}" type="presParOf" srcId="{7E91763D-1254-4138-8090-1CB5E1D94191}" destId="{D90DFC8D-B20B-4EF9-A134-C990EEBDB55B}" srcOrd="1" destOrd="0" presId="urn:microsoft.com/office/officeart/2018/2/layout/IconVerticalSolidList"/>
+    <dgm:cxn modelId="{2E65917E-DBAF-4174-8DCF-4B77E34E5930}" type="presParOf" srcId="{7E91763D-1254-4138-8090-1CB5E1D94191}" destId="{953F0403-DC05-4699-B742-3AB939A25019}" srcOrd="2" destOrd="0" presId="urn:microsoft.com/office/officeart/2018/2/layout/IconVerticalSolidList"/>
     <dgm:cxn modelId="{D706A3FA-AFBD-471C-8DB8-50A750C5CD7C}" type="presParOf" srcId="{953F0403-DC05-4699-B742-3AB939A25019}" destId="{E3BA3B86-D0A4-4F08-BC49-E9D0E9DED5B1}" srcOrd="0" destOrd="0" presId="urn:microsoft.com/office/officeart/2018/2/layout/IconVerticalSolidList"/>
     <dgm:cxn modelId="{6BBC8D14-69FB-4BB2-B85D-1B66BBA3B883}" type="presParOf" srcId="{953F0403-DC05-4699-B742-3AB939A25019}" destId="{334A7B55-2454-4267-9FE3-FE6322199EC8}" srcOrd="1" destOrd="0" presId="urn:microsoft.com/office/officeart/2018/2/layout/IconVerticalSolidList"/>
     <dgm:cxn modelId="{F3D153C8-E850-4F36-A039-D1C3A7F762DE}" type="presParOf" srcId="{953F0403-DC05-4699-B742-3AB939A25019}" destId="{9D1E05CC-F693-4FE0-B9C2-6BAA02E8B953}" srcOrd="2" destOrd="0" presId="urn:microsoft.com/office/officeart/2018/2/layout/IconVerticalSolidList"/>
@@ -5418,779 +5081,7 @@
       <dsp:cNvGrpSpPr/>
     </dsp:nvGrpSpPr>
     <dsp:grpSpPr/>
-    <dsp:sp modelId="{FDD8E5CF-E2FE-43B1-8316-52DE69AEEBD8}">
-      <dsp:nvSpPr>
-        <dsp:cNvPr id="0" name=""/>
-        <dsp:cNvSpPr/>
-      </dsp:nvSpPr>
-      <dsp:spPr>
-        <a:xfrm>
-          <a:off x="0" y="3571"/>
-          <a:ext cx="4872038" cy="760809"/>
-        </a:xfrm>
-        <a:prstGeom prst="roundRect">
-          <a:avLst>
-            <a:gd name="adj" fmla="val 10000"/>
-          </a:avLst>
-        </a:prstGeom>
-        <a:solidFill>
-          <a:schemeClr val="bg1">
-            <a:lumMod val="95000"/>
-            <a:hueOff val="0"/>
-            <a:satOff val="0"/>
-            <a:lumOff val="0"/>
-            <a:alphaOff val="0"/>
-          </a:schemeClr>
-        </a:solidFill>
-        <a:ln>
-          <a:noFill/>
-        </a:ln>
-        <a:effectLst/>
-      </dsp:spPr>
-      <dsp:style>
-        <a:lnRef idx="0">
-          <a:scrgbClr r="0" g="0" b="0"/>
-        </a:lnRef>
-        <a:fillRef idx="1">
-          <a:scrgbClr r="0" g="0" b="0"/>
-        </a:fillRef>
-        <a:effectRef idx="0">
-          <a:scrgbClr r="0" g="0" b="0"/>
-        </a:effectRef>
-        <a:fontRef idx="minor"/>
-      </dsp:style>
-    </dsp:sp>
-    <dsp:sp modelId="{F20A6155-1AD9-431C-B4BE-B6DFA8F1079A}">
-      <dsp:nvSpPr>
-        <dsp:cNvPr id="0" name=""/>
-        <dsp:cNvSpPr/>
-      </dsp:nvSpPr>
-      <dsp:spPr>
-        <a:xfrm>
-          <a:off x="230144" y="174753"/>
-          <a:ext cx="418445" cy="418445"/>
-        </a:xfrm>
-        <a:prstGeom prst="rect">
-          <a:avLst/>
-        </a:prstGeom>
-        <a:blipFill>
-          <a:blip xmlns:r="http://schemas.openxmlformats.org/officeDocument/2006/relationships" r:embed="rId1">
-            <a:extLst>
-              <a:ext uri="{28A0092B-C50C-407E-A947-70E740481C1C}">
-                <a14:useLocalDpi xmlns:a14="http://schemas.microsoft.com/office/drawing/2010/main" val="0"/>
-              </a:ext>
-              <a:ext uri="{96DAC541-7B7A-43D3-8B79-37D633B846F1}">
-                <asvg:svgBlip xmlns:asvg="http://schemas.microsoft.com/office/drawing/2016/SVG/main" r:embed="rId2"/>
-              </a:ext>
-            </a:extLst>
-          </a:blip>
-          <a:stretch>
-            <a:fillRect/>
-          </a:stretch>
-        </a:blipFill>
-        <a:ln w="19050" cap="rnd" cmpd="sng" algn="ctr">
-          <a:noFill/>
-          <a:prstDash val="solid"/>
-        </a:ln>
-        <a:effectLst/>
-      </dsp:spPr>
-      <dsp:style>
-        <a:lnRef idx="2">
-          <a:scrgbClr r="0" g="0" b="0"/>
-        </a:lnRef>
-        <a:fillRef idx="1">
-          <a:scrgbClr r="0" g="0" b="0"/>
-        </a:fillRef>
-        <a:effectRef idx="0">
-          <a:scrgbClr r="0" g="0" b="0"/>
-        </a:effectRef>
-        <a:fontRef idx="minor">
-          <a:schemeClr val="lt1"/>
-        </a:fontRef>
-      </dsp:style>
-    </dsp:sp>
-    <dsp:sp modelId="{F1C60F26-C17A-4C90-8734-47E08DD7A7A6}">
-      <dsp:nvSpPr>
-        <dsp:cNvPr id="0" name=""/>
-        <dsp:cNvSpPr/>
-      </dsp:nvSpPr>
-      <dsp:spPr>
-        <a:xfrm>
-          <a:off x="878734" y="3571"/>
-          <a:ext cx="3993303" cy="760809"/>
-        </a:xfrm>
-        <a:prstGeom prst="rect">
-          <a:avLst/>
-        </a:prstGeom>
-        <a:noFill/>
-        <a:ln>
-          <a:noFill/>
-        </a:ln>
-        <a:effectLst/>
-      </dsp:spPr>
-      <dsp:style>
-        <a:lnRef idx="0">
-          <a:scrgbClr r="0" g="0" b="0"/>
-        </a:lnRef>
-        <a:fillRef idx="0">
-          <a:scrgbClr r="0" g="0" b="0"/>
-        </a:fillRef>
-        <a:effectRef idx="0">
-          <a:scrgbClr r="0" g="0" b="0"/>
-        </a:effectRef>
-        <a:fontRef idx="minor"/>
-      </dsp:style>
-      <dsp:txBody>
-        <a:bodyPr spcFirstLastPara="0" vert="horz" wrap="square" lIns="80519" tIns="80519" rIns="80519" bIns="80519" numCol="1" spcCol="1270" anchor="ctr" anchorCtr="0">
-          <a:noAutofit/>
-        </a:bodyPr>
-        <a:lstStyle/>
-        <a:p>
-          <a:pPr marL="0" lvl="0" indent="0" algn="l" defTabSz="844550">
-            <a:lnSpc>
-              <a:spcPct val="90000"/>
-            </a:lnSpc>
-            <a:spcBef>
-              <a:spcPct val="0"/>
-            </a:spcBef>
-            <a:spcAft>
-              <a:spcPct val="35000"/>
-            </a:spcAft>
-            <a:buNone/>
-          </a:pPr>
-          <a:r>
-            <a:rPr lang="en-US" sz="1900" b="0" i="0" kern="1200"/>
-            <a:t>-----------</a:t>
-          </a:r>
-          <a:endParaRPr lang="en-US" sz="1900" kern="1200"/>
-        </a:p>
-      </dsp:txBody>
-      <dsp:txXfrm>
-        <a:off x="878734" y="3571"/>
-        <a:ext cx="3993303" cy="760809"/>
-      </dsp:txXfrm>
-    </dsp:sp>
     <dsp:sp modelId="{C7667FE3-2A65-4DA4-A4B2-E48767CBC4C2}">
-      <dsp:nvSpPr>
-        <dsp:cNvPr id="0" name=""/>
-        <dsp:cNvSpPr/>
-      </dsp:nvSpPr>
-      <dsp:spPr>
-        <a:xfrm>
-          <a:off x="0" y="954583"/>
-          <a:ext cx="4872038" cy="760809"/>
-        </a:xfrm>
-        <a:prstGeom prst="roundRect">
-          <a:avLst>
-            <a:gd name="adj" fmla="val 10000"/>
-          </a:avLst>
-        </a:prstGeom>
-        <a:solidFill>
-          <a:schemeClr val="bg1">
-            <a:lumMod val="95000"/>
-            <a:hueOff val="0"/>
-            <a:satOff val="0"/>
-            <a:lumOff val="0"/>
-            <a:alphaOff val="0"/>
-          </a:schemeClr>
-        </a:solidFill>
-        <a:ln>
-          <a:noFill/>
-        </a:ln>
-        <a:effectLst/>
-      </dsp:spPr>
-      <dsp:style>
-        <a:lnRef idx="0">
-          <a:scrgbClr r="0" g="0" b="0"/>
-        </a:lnRef>
-        <a:fillRef idx="1">
-          <a:scrgbClr r="0" g="0" b="0"/>
-        </a:fillRef>
-        <a:effectRef idx="0">
-          <a:scrgbClr r="0" g="0" b="0"/>
-        </a:effectRef>
-        <a:fontRef idx="minor"/>
-      </dsp:style>
-    </dsp:sp>
-    <dsp:sp modelId="{D81D3EDF-B987-4B11-A5F6-AD49D510FE95}">
-      <dsp:nvSpPr>
-        <dsp:cNvPr id="0" name=""/>
-        <dsp:cNvSpPr/>
-      </dsp:nvSpPr>
-      <dsp:spPr>
-        <a:xfrm>
-          <a:off x="230144" y="1125765"/>
-          <a:ext cx="418445" cy="418445"/>
-        </a:xfrm>
-        <a:prstGeom prst="rect">
-          <a:avLst/>
-        </a:prstGeom>
-        <a:blipFill>
-          <a:blip xmlns:r="http://schemas.openxmlformats.org/officeDocument/2006/relationships" r:embed="rId3">
-            <a:extLst>
-              <a:ext uri="{28A0092B-C50C-407E-A947-70E740481C1C}">
-                <a14:useLocalDpi xmlns:a14="http://schemas.microsoft.com/office/drawing/2010/main" val="0"/>
-              </a:ext>
-              <a:ext uri="{96DAC541-7B7A-43D3-8B79-37D633B846F1}">
-                <asvg:svgBlip xmlns:asvg="http://schemas.microsoft.com/office/drawing/2016/SVG/main" r:embed="rId4"/>
-              </a:ext>
-            </a:extLst>
-          </a:blip>
-          <a:stretch>
-            <a:fillRect/>
-          </a:stretch>
-        </a:blipFill>
-        <a:ln w="19050" cap="rnd" cmpd="sng" algn="ctr">
-          <a:noFill/>
-          <a:prstDash val="solid"/>
-        </a:ln>
-        <a:effectLst/>
-      </dsp:spPr>
-      <dsp:style>
-        <a:lnRef idx="2">
-          <a:scrgbClr r="0" g="0" b="0"/>
-        </a:lnRef>
-        <a:fillRef idx="1">
-          <a:scrgbClr r="0" g="0" b="0"/>
-        </a:fillRef>
-        <a:effectRef idx="0">
-          <a:scrgbClr r="0" g="0" b="0"/>
-        </a:effectRef>
-        <a:fontRef idx="minor">
-          <a:schemeClr val="lt1"/>
-        </a:fontRef>
-      </dsp:style>
-    </dsp:sp>
-    <dsp:sp modelId="{FE3367BC-7737-432E-8FD7-3148FC0B6330}">
-      <dsp:nvSpPr>
-        <dsp:cNvPr id="0" name=""/>
-        <dsp:cNvSpPr/>
-      </dsp:nvSpPr>
-      <dsp:spPr>
-        <a:xfrm>
-          <a:off x="878734" y="954583"/>
-          <a:ext cx="3993303" cy="760809"/>
-        </a:xfrm>
-        <a:prstGeom prst="rect">
-          <a:avLst/>
-        </a:prstGeom>
-        <a:noFill/>
-        <a:ln>
-          <a:noFill/>
-        </a:ln>
-        <a:effectLst/>
-      </dsp:spPr>
-      <dsp:style>
-        <a:lnRef idx="0">
-          <a:scrgbClr r="0" g="0" b="0"/>
-        </a:lnRef>
-        <a:fillRef idx="0">
-          <a:scrgbClr r="0" g="0" b="0"/>
-        </a:fillRef>
-        <a:effectRef idx="0">
-          <a:scrgbClr r="0" g="0" b="0"/>
-        </a:effectRef>
-        <a:fontRef idx="minor"/>
-      </dsp:style>
-      <dsp:txBody>
-        <a:bodyPr spcFirstLastPara="0" vert="horz" wrap="square" lIns="80519" tIns="80519" rIns="80519" bIns="80519" numCol="1" spcCol="1270" anchor="ctr" anchorCtr="0">
-          <a:noAutofit/>
-        </a:bodyPr>
-        <a:lstStyle/>
-        <a:p>
-          <a:pPr marL="0" lvl="0" indent="0" algn="l" defTabSz="844550">
-            <a:lnSpc>
-              <a:spcPct val="90000"/>
-            </a:lnSpc>
-            <a:spcBef>
-              <a:spcPct val="0"/>
-            </a:spcBef>
-            <a:spcAft>
-              <a:spcPct val="35000"/>
-            </a:spcAft>
-            <a:buNone/>
-          </a:pPr>
-          <a:r>
-            <a:rPr lang="en-US" sz="1900" b="0" i="0" kern="1200"/>
-            <a:t>- Automatisk tekst, bilder og design</a:t>
-          </a:r>
-          <a:endParaRPr lang="en-US" sz="1900" kern="1200"/>
-        </a:p>
-      </dsp:txBody>
-      <dsp:txXfrm>
-        <a:off x="878734" y="954583"/>
-        <a:ext cx="3993303" cy="760809"/>
-      </dsp:txXfrm>
-    </dsp:sp>
-    <dsp:sp modelId="{DFF5F40D-7ED2-4242-A148-0910D7B6020D}">
-      <dsp:nvSpPr>
-        <dsp:cNvPr id="0" name=""/>
-        <dsp:cNvSpPr/>
-      </dsp:nvSpPr>
-      <dsp:spPr>
-        <a:xfrm>
-          <a:off x="0" y="1905595"/>
-          <a:ext cx="4872038" cy="760809"/>
-        </a:xfrm>
-        <a:prstGeom prst="roundRect">
-          <a:avLst>
-            <a:gd name="adj" fmla="val 10000"/>
-          </a:avLst>
-        </a:prstGeom>
-        <a:solidFill>
-          <a:schemeClr val="bg1">
-            <a:lumMod val="95000"/>
-            <a:hueOff val="0"/>
-            <a:satOff val="0"/>
-            <a:lumOff val="0"/>
-            <a:alphaOff val="0"/>
-          </a:schemeClr>
-        </a:solidFill>
-        <a:ln>
-          <a:noFill/>
-        </a:ln>
-        <a:effectLst/>
-      </dsp:spPr>
-      <dsp:style>
-        <a:lnRef idx="0">
-          <a:scrgbClr r="0" g="0" b="0"/>
-        </a:lnRef>
-        <a:fillRef idx="1">
-          <a:scrgbClr r="0" g="0" b="0"/>
-        </a:fillRef>
-        <a:effectRef idx="0">
-          <a:scrgbClr r="0" g="0" b="0"/>
-        </a:effectRef>
-        <a:fontRef idx="minor"/>
-      </dsp:style>
-    </dsp:sp>
-    <dsp:sp modelId="{4E19DB77-3B2D-4C68-B9B0-FCA899CF1E46}">
-      <dsp:nvSpPr>
-        <dsp:cNvPr id="0" name=""/>
-        <dsp:cNvSpPr/>
-      </dsp:nvSpPr>
-      <dsp:spPr>
-        <a:xfrm>
-          <a:off x="230144" y="2076777"/>
-          <a:ext cx="418445" cy="418445"/>
-        </a:xfrm>
-        <a:prstGeom prst="rect">
-          <a:avLst/>
-        </a:prstGeom>
-        <a:blipFill>
-          <a:blip xmlns:r="http://schemas.openxmlformats.org/officeDocument/2006/relationships" r:embed="rId5">
-            <a:extLst>
-              <a:ext uri="{28A0092B-C50C-407E-A947-70E740481C1C}">
-                <a14:useLocalDpi xmlns:a14="http://schemas.microsoft.com/office/drawing/2010/main" val="0"/>
-              </a:ext>
-              <a:ext uri="{96DAC541-7B7A-43D3-8B79-37D633B846F1}">
-                <asvg:svgBlip xmlns:asvg="http://schemas.microsoft.com/office/drawing/2016/SVG/main" r:embed="rId6"/>
-              </a:ext>
-            </a:extLst>
-          </a:blip>
-          <a:stretch>
-            <a:fillRect/>
-          </a:stretch>
-        </a:blipFill>
-        <a:ln w="19050" cap="rnd" cmpd="sng" algn="ctr">
-          <a:noFill/>
-          <a:prstDash val="solid"/>
-        </a:ln>
-        <a:effectLst/>
-      </dsp:spPr>
-      <dsp:style>
-        <a:lnRef idx="2">
-          <a:scrgbClr r="0" g="0" b="0"/>
-        </a:lnRef>
-        <a:fillRef idx="1">
-          <a:scrgbClr r="0" g="0" b="0"/>
-        </a:fillRef>
-        <a:effectRef idx="0">
-          <a:scrgbClr r="0" g="0" b="0"/>
-        </a:effectRef>
-        <a:fontRef idx="minor">
-          <a:schemeClr val="lt1"/>
-        </a:fontRef>
-      </dsp:style>
-    </dsp:sp>
-    <dsp:sp modelId="{BF4ED8F4-7574-4090-880C-297DC1D88E91}">
-      <dsp:nvSpPr>
-        <dsp:cNvPr id="0" name=""/>
-        <dsp:cNvSpPr/>
-      </dsp:nvSpPr>
-      <dsp:spPr>
-        <a:xfrm>
-          <a:off x="878734" y="1905595"/>
-          <a:ext cx="3993303" cy="760809"/>
-        </a:xfrm>
-        <a:prstGeom prst="rect">
-          <a:avLst/>
-        </a:prstGeom>
-        <a:noFill/>
-        <a:ln>
-          <a:noFill/>
-        </a:ln>
-        <a:effectLst/>
-      </dsp:spPr>
-      <dsp:style>
-        <a:lnRef idx="0">
-          <a:scrgbClr r="0" g="0" b="0"/>
-        </a:lnRef>
-        <a:fillRef idx="0">
-          <a:scrgbClr r="0" g="0" b="0"/>
-        </a:fillRef>
-        <a:effectRef idx="0">
-          <a:scrgbClr r="0" g="0" b="0"/>
-        </a:effectRef>
-        <a:fontRef idx="minor"/>
-      </dsp:style>
-      <dsp:txBody>
-        <a:bodyPr spcFirstLastPara="0" vert="horz" wrap="square" lIns="80519" tIns="80519" rIns="80519" bIns="80519" numCol="1" spcCol="1270" anchor="ctr" anchorCtr="0">
-          <a:noAutofit/>
-        </a:bodyPr>
-        <a:lstStyle/>
-        <a:p>
-          <a:pPr marL="0" lvl="0" indent="0" algn="l" defTabSz="844550">
-            <a:lnSpc>
-              <a:spcPct val="90000"/>
-            </a:lnSpc>
-            <a:spcBef>
-              <a:spcPct val="0"/>
-            </a:spcBef>
-            <a:spcAft>
-              <a:spcPct val="35000"/>
-            </a:spcAft>
-            <a:buNone/>
-          </a:pPr>
-          <a:r>
-            <a:rPr lang="en-US" sz="1900" b="0" i="0" kern="1200"/>
-            <a:t>- Bruk “Magic Write” til tekst</a:t>
-          </a:r>
-          <a:endParaRPr lang="en-US" sz="1900" kern="1200"/>
-        </a:p>
-      </dsp:txBody>
-      <dsp:txXfrm>
-        <a:off x="878734" y="1905595"/>
-        <a:ext cx="3993303" cy="760809"/>
-      </dsp:txXfrm>
-    </dsp:sp>
-    <dsp:sp modelId="{8399A10F-89F5-4A87-A5A7-A67A90FA6E2C}">
-      <dsp:nvSpPr>
-        <dsp:cNvPr id="0" name=""/>
-        <dsp:cNvSpPr/>
-      </dsp:nvSpPr>
-      <dsp:spPr>
-        <a:xfrm>
-          <a:off x="0" y="2856607"/>
-          <a:ext cx="4872038" cy="760809"/>
-        </a:xfrm>
-        <a:prstGeom prst="roundRect">
-          <a:avLst>
-            <a:gd name="adj" fmla="val 10000"/>
-          </a:avLst>
-        </a:prstGeom>
-        <a:solidFill>
-          <a:schemeClr val="bg1">
-            <a:lumMod val="95000"/>
-            <a:hueOff val="0"/>
-            <a:satOff val="0"/>
-            <a:lumOff val="0"/>
-            <a:alphaOff val="0"/>
-          </a:schemeClr>
-        </a:solidFill>
-        <a:ln>
-          <a:noFill/>
-        </a:ln>
-        <a:effectLst/>
-      </dsp:spPr>
-      <dsp:style>
-        <a:lnRef idx="0">
-          <a:scrgbClr r="0" g="0" b="0"/>
-        </a:lnRef>
-        <a:fillRef idx="1">
-          <a:scrgbClr r="0" g="0" b="0"/>
-        </a:fillRef>
-        <a:effectRef idx="0">
-          <a:scrgbClr r="0" g="0" b="0"/>
-        </a:effectRef>
-        <a:fontRef idx="minor"/>
-      </dsp:style>
-    </dsp:sp>
-    <dsp:sp modelId="{7417C107-BE2B-4B97-9377-C0CF1B996AC9}">
-      <dsp:nvSpPr>
-        <dsp:cNvPr id="0" name=""/>
-        <dsp:cNvSpPr/>
-      </dsp:nvSpPr>
-      <dsp:spPr>
-        <a:xfrm>
-          <a:off x="230144" y="3027789"/>
-          <a:ext cx="418445" cy="418445"/>
-        </a:xfrm>
-        <a:prstGeom prst="rect">
-          <a:avLst/>
-        </a:prstGeom>
-        <a:blipFill>
-          <a:blip xmlns:r="http://schemas.openxmlformats.org/officeDocument/2006/relationships" r:embed="rId7">
-            <a:extLst>
-              <a:ext uri="{28A0092B-C50C-407E-A947-70E740481C1C}">
-                <a14:useLocalDpi xmlns:a14="http://schemas.microsoft.com/office/drawing/2010/main" val="0"/>
-              </a:ext>
-              <a:ext uri="{96DAC541-7B7A-43D3-8B79-37D633B846F1}">
-                <asvg:svgBlip xmlns:asvg="http://schemas.microsoft.com/office/drawing/2016/SVG/main" r:embed="rId8"/>
-              </a:ext>
-            </a:extLst>
-          </a:blip>
-          <a:stretch>
-            <a:fillRect/>
-          </a:stretch>
-        </a:blipFill>
-        <a:ln w="19050" cap="rnd" cmpd="sng" algn="ctr">
-          <a:noFill/>
-          <a:prstDash val="solid"/>
-        </a:ln>
-        <a:effectLst/>
-      </dsp:spPr>
-      <dsp:style>
-        <a:lnRef idx="2">
-          <a:scrgbClr r="0" g="0" b="0"/>
-        </a:lnRef>
-        <a:fillRef idx="1">
-          <a:scrgbClr r="0" g="0" b="0"/>
-        </a:fillRef>
-        <a:effectRef idx="0">
-          <a:scrgbClr r="0" g="0" b="0"/>
-        </a:effectRef>
-        <a:fontRef idx="minor">
-          <a:schemeClr val="lt1"/>
-        </a:fontRef>
-      </dsp:style>
-    </dsp:sp>
-    <dsp:sp modelId="{5CD79273-B9AE-4894-8386-70442FF53C33}">
-      <dsp:nvSpPr>
-        <dsp:cNvPr id="0" name=""/>
-        <dsp:cNvSpPr/>
-      </dsp:nvSpPr>
-      <dsp:spPr>
-        <a:xfrm>
-          <a:off x="878734" y="2856607"/>
-          <a:ext cx="3993303" cy="760809"/>
-        </a:xfrm>
-        <a:prstGeom prst="rect">
-          <a:avLst/>
-        </a:prstGeom>
-        <a:noFill/>
-        <a:ln>
-          <a:noFill/>
-        </a:ln>
-        <a:effectLst/>
-      </dsp:spPr>
-      <dsp:style>
-        <a:lnRef idx="0">
-          <a:scrgbClr r="0" g="0" b="0"/>
-        </a:lnRef>
-        <a:fillRef idx="0">
-          <a:scrgbClr r="0" g="0" b="0"/>
-        </a:fillRef>
-        <a:effectRef idx="0">
-          <a:scrgbClr r="0" g="0" b="0"/>
-        </a:effectRef>
-        <a:fontRef idx="minor"/>
-      </dsp:style>
-      <dsp:txBody>
-        <a:bodyPr spcFirstLastPara="0" vert="horz" wrap="square" lIns="80519" tIns="80519" rIns="80519" bIns="80519" numCol="1" spcCol="1270" anchor="ctr" anchorCtr="0">
-          <a:noAutofit/>
-        </a:bodyPr>
-        <a:lstStyle/>
-        <a:p>
-          <a:pPr marL="0" lvl="0" indent="0" algn="l" defTabSz="844550">
-            <a:lnSpc>
-              <a:spcPct val="90000"/>
-            </a:lnSpc>
-            <a:spcBef>
-              <a:spcPct val="0"/>
-            </a:spcBef>
-            <a:spcAft>
-              <a:spcPct val="35000"/>
-            </a:spcAft>
-            <a:buNone/>
-          </a:pPr>
-          <a:r>
-            <a:rPr lang="en-US" sz="1900" b="0" i="0" kern="1200"/>
-            <a:t>- “Text to image” til bilder</a:t>
-          </a:r>
-          <a:endParaRPr lang="en-US" sz="1900" kern="1200"/>
-        </a:p>
-      </dsp:txBody>
-      <dsp:txXfrm>
-        <a:off x="878734" y="2856607"/>
-        <a:ext cx="3993303" cy="760809"/>
-      </dsp:txXfrm>
-    </dsp:sp>
-    <dsp:sp modelId="{0FB44C41-2AB4-479D-9851-967F62183A78}">
-      <dsp:nvSpPr>
-        <dsp:cNvPr id="0" name=""/>
-        <dsp:cNvSpPr/>
-      </dsp:nvSpPr>
-      <dsp:spPr>
-        <a:xfrm>
-          <a:off x="0" y="3807618"/>
-          <a:ext cx="4872038" cy="760809"/>
-        </a:xfrm>
-        <a:prstGeom prst="roundRect">
-          <a:avLst>
-            <a:gd name="adj" fmla="val 10000"/>
-          </a:avLst>
-        </a:prstGeom>
-        <a:solidFill>
-          <a:schemeClr val="bg1">
-            <a:lumMod val="95000"/>
-            <a:hueOff val="0"/>
-            <a:satOff val="0"/>
-            <a:lumOff val="0"/>
-            <a:alphaOff val="0"/>
-          </a:schemeClr>
-        </a:solidFill>
-        <a:ln>
-          <a:noFill/>
-        </a:ln>
-        <a:effectLst/>
-      </dsp:spPr>
-      <dsp:style>
-        <a:lnRef idx="0">
-          <a:scrgbClr r="0" g="0" b="0"/>
-        </a:lnRef>
-        <a:fillRef idx="1">
-          <a:scrgbClr r="0" g="0" b="0"/>
-        </a:fillRef>
-        <a:effectRef idx="0">
-          <a:scrgbClr r="0" g="0" b="0"/>
-        </a:effectRef>
-        <a:fontRef idx="minor"/>
-      </dsp:style>
-    </dsp:sp>
-    <dsp:sp modelId="{C21892EA-CD68-4B5F-8A65-DDBDD43931BC}">
-      <dsp:nvSpPr>
-        <dsp:cNvPr id="0" name=""/>
-        <dsp:cNvSpPr/>
-      </dsp:nvSpPr>
-      <dsp:spPr>
-        <a:xfrm>
-          <a:off x="230144" y="3978800"/>
-          <a:ext cx="418445" cy="418445"/>
-        </a:xfrm>
-        <a:prstGeom prst="rect">
-          <a:avLst/>
-        </a:prstGeom>
-        <a:blipFill>
-          <a:blip xmlns:r="http://schemas.openxmlformats.org/officeDocument/2006/relationships" r:embed="rId9">
-            <a:extLst>
-              <a:ext uri="{28A0092B-C50C-407E-A947-70E740481C1C}">
-                <a14:useLocalDpi xmlns:a14="http://schemas.microsoft.com/office/drawing/2010/main" val="0"/>
-              </a:ext>
-              <a:ext uri="{96DAC541-7B7A-43D3-8B79-37D633B846F1}">
-                <asvg:svgBlip xmlns:asvg="http://schemas.microsoft.com/office/drawing/2016/SVG/main" r:embed="rId10"/>
-              </a:ext>
-            </a:extLst>
-          </a:blip>
-          <a:stretch>
-            <a:fillRect/>
-          </a:stretch>
-        </a:blipFill>
-        <a:ln w="19050" cap="rnd" cmpd="sng" algn="ctr">
-          <a:noFill/>
-          <a:prstDash val="solid"/>
-        </a:ln>
-        <a:effectLst/>
-      </dsp:spPr>
-      <dsp:style>
-        <a:lnRef idx="2">
-          <a:scrgbClr r="0" g="0" b="0"/>
-        </a:lnRef>
-        <a:fillRef idx="1">
-          <a:scrgbClr r="0" g="0" b="0"/>
-        </a:fillRef>
-        <a:effectRef idx="0">
-          <a:scrgbClr r="0" g="0" b="0"/>
-        </a:effectRef>
-        <a:fontRef idx="minor">
-          <a:schemeClr val="lt1"/>
-        </a:fontRef>
-      </dsp:style>
-    </dsp:sp>
-    <dsp:sp modelId="{2C396A6D-1259-4CD3-AA3C-B854F87BA7E1}">
-      <dsp:nvSpPr>
-        <dsp:cNvPr id="0" name=""/>
-        <dsp:cNvSpPr/>
-      </dsp:nvSpPr>
-      <dsp:spPr>
-        <a:xfrm>
-          <a:off x="878734" y="3807618"/>
-          <a:ext cx="3993303" cy="760809"/>
-        </a:xfrm>
-        <a:prstGeom prst="rect">
-          <a:avLst/>
-        </a:prstGeom>
-        <a:noFill/>
-        <a:ln>
-          <a:noFill/>
-        </a:ln>
-        <a:effectLst/>
-      </dsp:spPr>
-      <dsp:style>
-        <a:lnRef idx="0">
-          <a:scrgbClr r="0" g="0" b="0"/>
-        </a:lnRef>
-        <a:fillRef idx="0">
-          <a:scrgbClr r="0" g="0" b="0"/>
-        </a:fillRef>
-        <a:effectRef idx="0">
-          <a:scrgbClr r="0" g="0" b="0"/>
-        </a:effectRef>
-        <a:fontRef idx="minor"/>
-      </dsp:style>
-      <dsp:txBody>
-        <a:bodyPr spcFirstLastPara="0" vert="horz" wrap="square" lIns="80519" tIns="80519" rIns="80519" bIns="80519" numCol="1" spcCol="1270" anchor="ctr" anchorCtr="0">
-          <a:noAutofit/>
-        </a:bodyPr>
-        <a:lstStyle/>
-        <a:p>
-          <a:pPr marL="0" lvl="0" indent="0" algn="l" defTabSz="844550">
-            <a:lnSpc>
-              <a:spcPct val="90000"/>
-            </a:lnSpc>
-            <a:spcBef>
-              <a:spcPct val="0"/>
-            </a:spcBef>
-            <a:spcAft>
-              <a:spcPct val="35000"/>
-            </a:spcAft>
-            <a:buNone/>
-          </a:pPr>
-          <a:r>
-            <a:rPr lang="en-US" sz="1900" b="0" i="0" kern="1200"/>
-            <a:t>- Krever gratis konto</a:t>
-          </a:r>
-          <a:endParaRPr lang="en-US" sz="1900" kern="1200"/>
-        </a:p>
-      </dsp:txBody>
-      <dsp:txXfrm>
-        <a:off x="878734" y="3807618"/>
-        <a:ext cx="3993303" cy="760809"/>
-      </dsp:txXfrm>
-    </dsp:sp>
-  </dsp:spTree>
-</dsp:drawing>
-</file>
-
-<file path=ppt/diagrams/drawing2.xml><?xml version="1.0" encoding="utf-8"?>
-<dsp:drawing xmlns:dgm="http://schemas.openxmlformats.org/drawingml/2006/diagram" xmlns:dsp="http://schemas.microsoft.com/office/drawing/2008/diagram" xmlns:a="http://schemas.openxmlformats.org/drawingml/2006/main">
-  <dsp:spTree>
-    <dsp:nvGrpSpPr>
-      <dsp:cNvPr id="0" name=""/>
-      <dsp:cNvGrpSpPr/>
-    </dsp:nvGrpSpPr>
-    <dsp:grpSpPr/>
-    <dsp:sp modelId="{791C6987-74FD-4822-A527-9C8BD3A0B115}">
       <dsp:nvSpPr>
         <dsp:cNvPr id="0" name=""/>
         <dsp:cNvSpPr/>
@@ -6232,7 +5123,7 @@
         <a:fontRef idx="minor"/>
       </dsp:style>
     </dsp:sp>
-    <dsp:sp modelId="{FD907987-7DCA-40EE-9672-E26D045D5DB2}">
+    <dsp:sp modelId="{D81D3EDF-B987-4B11-A5F6-AD49D510FE95}">
       <dsp:nvSpPr>
         <dsp:cNvPr id="0" name=""/>
         <dsp:cNvSpPr/>
@@ -6281,7 +5172,7 @@
         </a:fontRef>
       </dsp:style>
     </dsp:sp>
-    <dsp:sp modelId="{A848AFAB-85FE-4E4B-BC1A-B4CA76BC7C06}">
+    <dsp:sp modelId="{FE3367BC-7737-432E-8FD7-3148FC0B6330}">
       <dsp:nvSpPr>
         <dsp:cNvPr id="0" name=""/>
         <dsp:cNvSpPr/>
@@ -6318,9 +5209,9 @@
         </a:bodyPr>
         <a:lstStyle/>
         <a:p>
-          <a:pPr marL="0" lvl="0" indent="0" algn="l" defTabSz="889000">
+          <a:pPr marL="0" lvl="0" indent="0" algn="l" defTabSz="977900">
             <a:lnSpc>
-              <a:spcPct val="90000"/>
+              <a:spcPct val="100000"/>
             </a:lnSpc>
             <a:spcBef>
               <a:spcPct val="0"/>
@@ -6331,10 +5222,10 @@
             <a:buNone/>
           </a:pPr>
           <a:r>
-            <a:rPr lang="en-US" sz="2000" b="0" i="0" kern="1200"/>
-            <a:t>------------</a:t>
+            <a:rPr lang="en-US" sz="2200" b="0" i="0" kern="1200"/>
+            <a:t>- Automatisk tekst, bilder og design</a:t>
           </a:r>
-          <a:endParaRPr lang="en-US" sz="2000" kern="1200"/>
+          <a:endParaRPr lang="en-US" sz="2200" kern="1200"/>
         </a:p>
       </dsp:txBody>
       <dsp:txXfrm>
@@ -6342,7 +5233,7 @@
         <a:ext cx="3761242" cy="961727"/>
       </dsp:txXfrm>
     </dsp:sp>
-    <dsp:sp modelId="{6E59E799-1F9D-49CA-9E05-8547EFB27ED4}">
+    <dsp:sp modelId="{DFF5F40D-7ED2-4242-A148-0910D7B6020D}">
       <dsp:nvSpPr>
         <dsp:cNvPr id="0" name=""/>
         <dsp:cNvSpPr/>
@@ -6384,7 +5275,7 @@
         <a:fontRef idx="minor"/>
       </dsp:style>
     </dsp:sp>
-    <dsp:sp modelId="{201954C4-A5DD-46C1-9811-274363768752}">
+    <dsp:sp modelId="{4E19DB77-3B2D-4C68-B9B0-FCA899CF1E46}">
       <dsp:nvSpPr>
         <dsp:cNvPr id="0" name=""/>
         <dsp:cNvSpPr/>
@@ -6433,7 +5324,7 @@
         </a:fontRef>
       </dsp:style>
     </dsp:sp>
-    <dsp:sp modelId="{82C31054-132F-4B80-8219-BA64F0493AD0}">
+    <dsp:sp modelId="{BF4ED8F4-7574-4090-880C-297DC1D88E91}">
       <dsp:nvSpPr>
         <dsp:cNvPr id="0" name=""/>
         <dsp:cNvSpPr/>
@@ -6470,9 +5361,9 @@
         </a:bodyPr>
         <a:lstStyle/>
         <a:p>
-          <a:pPr marL="0" lvl="0" indent="0" algn="l" defTabSz="889000">
+          <a:pPr marL="0" lvl="0" indent="0" algn="l" defTabSz="977900">
             <a:lnSpc>
-              <a:spcPct val="90000"/>
+              <a:spcPct val="100000"/>
             </a:lnSpc>
             <a:spcBef>
               <a:spcPct val="0"/>
@@ -6483,10 +5374,10 @@
             <a:buNone/>
           </a:pPr>
           <a:r>
-            <a:rPr lang="en-US" sz="2000" b="0" i="0" kern="1200"/>
-            <a:t>- AI-assistent i et organisasjonsverktøy</a:t>
+            <a:rPr lang="en-US" sz="2200" b="0" i="0" kern="1200"/>
+            <a:t>- Bruk “Magic Write” til tekst</a:t>
           </a:r>
-          <a:endParaRPr lang="en-US" sz="2000" kern="1200"/>
+          <a:endParaRPr lang="en-US" sz="2200" kern="1200"/>
         </a:p>
       </dsp:txBody>
       <dsp:txXfrm>
@@ -6494,7 +5385,7 @@
         <a:ext cx="3761242" cy="961727"/>
       </dsp:txXfrm>
     </dsp:sp>
-    <dsp:sp modelId="{7F8B7EAA-685A-440D-B8D5-B33461CB334C}">
+    <dsp:sp modelId="{8399A10F-89F5-4A87-A5A7-A67A90FA6E2C}">
       <dsp:nvSpPr>
         <dsp:cNvPr id="0" name=""/>
         <dsp:cNvSpPr/>
@@ -6536,7 +5427,7 @@
         <a:fontRef idx="minor"/>
       </dsp:style>
     </dsp:sp>
-    <dsp:sp modelId="{DA93BB9C-0228-4A19-8E0D-F1E313F084CE}">
+    <dsp:sp modelId="{7417C107-BE2B-4B97-9377-C0CF1B996AC9}">
       <dsp:nvSpPr>
         <dsp:cNvPr id="0" name=""/>
         <dsp:cNvSpPr/>
@@ -6585,7 +5476,7 @@
         </a:fontRef>
       </dsp:style>
     </dsp:sp>
-    <dsp:sp modelId="{8361ABDD-3785-4EDB-B566-CD7E734BCFA9}">
+    <dsp:sp modelId="{5CD79273-B9AE-4894-8386-70442FF53C33}">
       <dsp:nvSpPr>
         <dsp:cNvPr id="0" name=""/>
         <dsp:cNvSpPr/>
@@ -6622,9 +5513,9 @@
         </a:bodyPr>
         <a:lstStyle/>
         <a:p>
-          <a:pPr marL="0" lvl="0" indent="0" algn="l" defTabSz="889000">
+          <a:pPr marL="0" lvl="0" indent="0" algn="l" defTabSz="977900">
             <a:lnSpc>
-              <a:spcPct val="90000"/>
+              <a:spcPct val="100000"/>
             </a:lnSpc>
             <a:spcBef>
               <a:spcPct val="0"/>
@@ -6635,10 +5526,10 @@
             <a:buNone/>
           </a:pPr>
           <a:r>
-            <a:rPr lang="en-US" sz="2000" b="0" i="0" kern="1200"/>
-            <a:t>- Lag oppsummeringer, sjekklister, prosjektplaner</a:t>
+            <a:rPr lang="en-US" sz="2200" b="0" i="0" kern="1200"/>
+            <a:t>- “Text to image” til bilder</a:t>
           </a:r>
-          <a:endParaRPr lang="en-US" sz="2000" kern="1200"/>
+          <a:endParaRPr lang="en-US" sz="2200" kern="1200"/>
         </a:p>
       </dsp:txBody>
       <dsp:txXfrm>
@@ -6646,7 +5537,7 @@
         <a:ext cx="3761242" cy="961727"/>
       </dsp:txXfrm>
     </dsp:sp>
-    <dsp:sp modelId="{DF2A9ADB-6BDD-407C-8170-4F1CA8F457DC}">
+    <dsp:sp modelId="{0FB44C41-2AB4-479D-9851-967F62183A78}">
       <dsp:nvSpPr>
         <dsp:cNvPr id="0" name=""/>
         <dsp:cNvSpPr/>
@@ -6688,7 +5579,7 @@
         <a:fontRef idx="minor"/>
       </dsp:style>
     </dsp:sp>
-    <dsp:sp modelId="{71F696E2-DB4E-410A-8647-517E714DA4B6}">
+    <dsp:sp modelId="{C21892EA-CD68-4B5F-8A65-DDBDD43931BC}">
       <dsp:nvSpPr>
         <dsp:cNvPr id="0" name=""/>
         <dsp:cNvSpPr/>
@@ -6737,7 +5628,7 @@
         </a:fontRef>
       </dsp:style>
     </dsp:sp>
-    <dsp:sp modelId="{677B2F26-7ECA-4365-A9DC-8AA2C180EC1F}">
+    <dsp:sp modelId="{2C396A6D-1259-4CD3-AA3C-B854F87BA7E1}">
       <dsp:nvSpPr>
         <dsp:cNvPr id="0" name=""/>
         <dsp:cNvSpPr/>
@@ -6774,9 +5665,9 @@
         </a:bodyPr>
         <a:lstStyle/>
         <a:p>
-          <a:pPr marL="0" lvl="0" indent="0" algn="l" defTabSz="889000">
+          <a:pPr marL="0" lvl="0" indent="0" algn="l" defTabSz="977900">
             <a:lnSpc>
-              <a:spcPct val="90000"/>
+              <a:spcPct val="100000"/>
             </a:lnSpc>
             <a:spcBef>
               <a:spcPct val="0"/>
@@ -6787,10 +5678,10 @@
             <a:buNone/>
           </a:pPr>
           <a:r>
-            <a:rPr lang="en-US" sz="2000" b="0" i="0" kern="1200"/>
-            <a:t>- Veldig nyttig for struktur og planlegging</a:t>
+            <a:rPr lang="en-US" sz="2200" b="0" i="0" kern="1200"/>
+            <a:t>- Krever gratis konto</a:t>
           </a:r>
-          <a:endParaRPr lang="en-US" sz="2000" kern="1200"/>
+          <a:endParaRPr lang="en-US" sz="2200" kern="1200"/>
         </a:p>
       </dsp:txBody>
       <dsp:txXfrm>
@@ -6802,7 +5693,7 @@
 </dsp:drawing>
 </file>
 
-<file path=ppt/diagrams/drawing3.xml><?xml version="1.0" encoding="utf-8"?>
+<file path=ppt/diagrams/drawing2.xml><?xml version="1.0" encoding="utf-8"?>
 <dsp:drawing xmlns:dgm="http://schemas.openxmlformats.org/drawingml/2006/diagram" xmlns:dsp="http://schemas.microsoft.com/office/drawing/2008/diagram" xmlns:a="http://schemas.openxmlformats.org/drawingml/2006/main">
   <dsp:spTree>
     <dsp:nvGrpSpPr>
@@ -6810,7 +5701,7 @@
       <dsp:cNvGrpSpPr/>
     </dsp:nvGrpSpPr>
     <dsp:grpSpPr/>
-    <dsp:sp modelId="{7168548B-E3DA-4227-AAAB-5BE0B386CEFC}">
+    <dsp:sp modelId="{6E59E799-1F9D-49CA-9E05-8547EFB27ED4}">
       <dsp:nvSpPr>
         <dsp:cNvPr id="0" name=""/>
         <dsp:cNvSpPr/>
@@ -6852,7 +5743,7 @@
         <a:fontRef idx="minor"/>
       </dsp:style>
     </dsp:sp>
-    <dsp:sp modelId="{5F58F1A8-4BA8-4161-8FFC-E5D0A606E1D7}">
+    <dsp:sp modelId="{201954C4-A5DD-46C1-9811-274363768752}">
       <dsp:nvSpPr>
         <dsp:cNvPr id="0" name=""/>
         <dsp:cNvSpPr/>
@@ -6901,7 +5792,7 @@
         </a:fontRef>
       </dsp:style>
     </dsp:sp>
-    <dsp:sp modelId="{CE68ADD1-2C30-49E9-ACE0-19020B0E597E}">
+    <dsp:sp modelId="{82C31054-132F-4B80-8219-BA64F0493AD0}">
       <dsp:nvSpPr>
         <dsp:cNvPr id="0" name=""/>
         <dsp:cNvSpPr/>
@@ -6938,9 +5829,9 @@
         </a:bodyPr>
         <a:lstStyle/>
         <a:p>
-          <a:pPr marL="0" lvl="0" indent="0" algn="l" defTabSz="1066800">
+          <a:pPr marL="0" lvl="0" indent="0" algn="l" defTabSz="889000">
             <a:lnSpc>
-              <a:spcPct val="90000"/>
+              <a:spcPct val="100000"/>
             </a:lnSpc>
             <a:spcBef>
               <a:spcPct val="0"/>
@@ -6951,10 +5842,10 @@
             <a:buNone/>
           </a:pPr>
           <a:r>
-            <a:rPr lang="en-US" sz="2400" b="0" i="0" kern="1200"/>
-            <a:t>---------------------</a:t>
+            <a:rPr lang="en-US" sz="2000" b="0" i="0" kern="1200"/>
+            <a:t>- AI-assistent i et organisasjonsverktøy</a:t>
           </a:r>
-          <a:endParaRPr lang="en-US" sz="2400" kern="1200"/>
+          <a:endParaRPr lang="en-US" sz="2000" kern="1200"/>
         </a:p>
       </dsp:txBody>
       <dsp:txXfrm>
@@ -6962,7 +5853,7 @@
         <a:ext cx="3363646" cy="1305966"/>
       </dsp:txXfrm>
     </dsp:sp>
-    <dsp:sp modelId="{2F8AB6BC-677A-4B27-BC1D-93ADDA038599}">
+    <dsp:sp modelId="{7F8B7EAA-685A-440D-B8D5-B33461CB334C}">
       <dsp:nvSpPr>
         <dsp:cNvPr id="0" name=""/>
         <dsp:cNvSpPr/>
@@ -7004,7 +5895,7 @@
         <a:fontRef idx="minor"/>
       </dsp:style>
     </dsp:sp>
-    <dsp:sp modelId="{026D7A7F-4F64-4208-9260-5DF38E1E8007}">
+    <dsp:sp modelId="{DA93BB9C-0228-4A19-8E0D-F1E313F084CE}">
       <dsp:nvSpPr>
         <dsp:cNvPr id="0" name=""/>
         <dsp:cNvSpPr/>
@@ -7053,7 +5944,7 @@
         </a:fontRef>
       </dsp:style>
     </dsp:sp>
-    <dsp:sp modelId="{37F8B27A-E62D-4D4C-96F2-38A9F44B8488}">
+    <dsp:sp modelId="{8361ABDD-3785-4EDB-B566-CD7E734BCFA9}">
       <dsp:nvSpPr>
         <dsp:cNvPr id="0" name=""/>
         <dsp:cNvSpPr/>
@@ -7090,9 +5981,9 @@
         </a:bodyPr>
         <a:lstStyle/>
         <a:p>
-          <a:pPr marL="0" lvl="0" indent="0" algn="l" defTabSz="1066800">
+          <a:pPr marL="0" lvl="0" indent="0" algn="l" defTabSz="889000">
             <a:lnSpc>
-              <a:spcPct val="90000"/>
+              <a:spcPct val="100000"/>
             </a:lnSpc>
             <a:spcBef>
               <a:spcPct val="0"/>
@@ -7103,10 +5994,10 @@
             <a:buNone/>
           </a:pPr>
           <a:r>
-            <a:rPr lang="en-US" sz="2400" b="0" i="0" kern="1200"/>
-            <a:t>- Integrert i Word og Excel (i betalte versjoner)</a:t>
+            <a:rPr lang="en-US" sz="2000" b="0" i="0" kern="1200"/>
+            <a:t>- Lag oppsummeringer, sjekklister, prosjektplaner</a:t>
           </a:r>
-          <a:endParaRPr lang="en-US" sz="2400" kern="1200"/>
+          <a:endParaRPr lang="en-US" sz="2000" kern="1200"/>
         </a:p>
       </dsp:txBody>
       <dsp:txXfrm>
@@ -7114,7 +6005,7 @@
         <a:ext cx="3363646" cy="1305966"/>
       </dsp:txXfrm>
     </dsp:sp>
-    <dsp:sp modelId="{724A75BF-B109-448C-A8E2-420F994D8079}">
+    <dsp:sp modelId="{DF2A9ADB-6BDD-407C-8170-4F1CA8F457DC}">
       <dsp:nvSpPr>
         <dsp:cNvPr id="0" name=""/>
         <dsp:cNvSpPr/>
@@ -7156,7 +6047,7 @@
         <a:fontRef idx="minor"/>
       </dsp:style>
     </dsp:sp>
-    <dsp:sp modelId="{86E7733C-F9AE-4D0B-B172-5767167D76EA}">
+    <dsp:sp modelId="{71F696E2-DB4E-410A-8647-517E714DA4B6}">
       <dsp:nvSpPr>
         <dsp:cNvPr id="0" name=""/>
         <dsp:cNvSpPr/>
@@ -7205,7 +6096,7 @@
         </a:fontRef>
       </dsp:style>
     </dsp:sp>
-    <dsp:sp modelId="{7DAF068B-6EC2-4B83-90A9-B009814DCF6F}">
+    <dsp:sp modelId="{677B2F26-7ECA-4365-A9DC-8AA2C180EC1F}">
       <dsp:nvSpPr>
         <dsp:cNvPr id="0" name=""/>
         <dsp:cNvSpPr/>
@@ -7242,9 +6133,9 @@
         </a:bodyPr>
         <a:lstStyle/>
         <a:p>
-          <a:pPr marL="0" lvl="0" indent="0" algn="l" defTabSz="1066800">
+          <a:pPr marL="0" lvl="0" indent="0" algn="l" defTabSz="889000">
             <a:lnSpc>
-              <a:spcPct val="90000"/>
+              <a:spcPct val="100000"/>
             </a:lnSpc>
             <a:spcBef>
               <a:spcPct val="0"/>
@@ -7255,10 +6146,10 @@
             <a:buNone/>
           </a:pPr>
           <a:r>
-            <a:rPr lang="en-US" sz="2400" b="0" i="0" kern="1200"/>
-            <a:t>- Foreslår tekst, skriver avsnitt, analyserer tall</a:t>
+            <a:rPr lang="en-US" sz="2000" b="0" i="0" kern="1200"/>
+            <a:t>- Veldig nyttig for struktur og planlegging</a:t>
           </a:r>
-          <a:endParaRPr lang="en-US" sz="2400" kern="1200"/>
+          <a:endParaRPr lang="en-US" sz="2000" kern="1200"/>
         </a:p>
       </dsp:txBody>
       <dsp:txXfrm>
@@ -7270,7 +6161,7 @@
 </dsp:drawing>
 </file>
 
-<file path=ppt/diagrams/drawing4.xml><?xml version="1.0" encoding="utf-8"?>
+<file path=ppt/diagrams/drawing3.xml><?xml version="1.0" encoding="utf-8"?>
 <dsp:drawing xmlns:dgm="http://schemas.openxmlformats.org/drawingml/2006/diagram" xmlns:dsp="http://schemas.microsoft.com/office/drawing/2008/diagram" xmlns:a="http://schemas.openxmlformats.org/drawingml/2006/main">
   <dsp:spTree>
     <dsp:nvGrpSpPr>
@@ -7278,15 +6169,15 @@
       <dsp:cNvGrpSpPr/>
     </dsp:nvGrpSpPr>
     <dsp:grpSpPr/>
-    <dsp:sp modelId="{E65844D2-10CD-4CEA-A4FD-43A223BE753B}">
+    <dsp:sp modelId="{2F8AB6BC-677A-4B27-BC1D-93ADDA038599}">
       <dsp:nvSpPr>
         <dsp:cNvPr id="0" name=""/>
         <dsp:cNvSpPr/>
       </dsp:nvSpPr>
       <dsp:spPr>
         <a:xfrm>
-          <a:off x="0" y="558"/>
-          <a:ext cx="4872038" cy="1305966"/>
+          <a:off x="0" y="742949"/>
+          <a:ext cx="4872038" cy="1371600"/>
         </a:xfrm>
         <a:prstGeom prst="roundRect">
           <a:avLst>
@@ -7320,15 +6211,15 @@
         <a:fontRef idx="minor"/>
       </dsp:style>
     </dsp:sp>
-    <dsp:sp modelId="{2967F69E-6CB3-476C-B0E3-0F907A5DC794}">
+    <dsp:sp modelId="{026D7A7F-4F64-4208-9260-5DF38E1E8007}">
       <dsp:nvSpPr>
         <dsp:cNvPr id="0" name=""/>
         <dsp:cNvSpPr/>
       </dsp:nvSpPr>
       <dsp:spPr>
         <a:xfrm>
-          <a:off x="395054" y="294400"/>
-          <a:ext cx="718281" cy="718281"/>
+          <a:off x="414909" y="1051559"/>
+          <a:ext cx="754380" cy="754380"/>
         </a:xfrm>
         <a:prstGeom prst="rect">
           <a:avLst/>
@@ -7369,15 +6260,15 @@
         </a:fontRef>
       </dsp:style>
     </dsp:sp>
-    <dsp:sp modelId="{90AB435A-1217-452A-902D-04DEA27F3C78}">
+    <dsp:sp modelId="{37F8B27A-E62D-4D4C-96F2-38A9F44B8488}">
       <dsp:nvSpPr>
         <dsp:cNvPr id="0" name=""/>
         <dsp:cNvSpPr/>
       </dsp:nvSpPr>
       <dsp:spPr>
         <a:xfrm>
-          <a:off x="1508391" y="558"/>
-          <a:ext cx="3363646" cy="1305966"/>
+          <a:off x="1584198" y="742949"/>
+          <a:ext cx="3287839" cy="1371600"/>
         </a:xfrm>
         <a:prstGeom prst="rect">
           <a:avLst/>
@@ -7401,14 +6292,14 @@
         <a:fontRef idx="minor"/>
       </dsp:style>
       <dsp:txBody>
-        <a:bodyPr spcFirstLastPara="0" vert="horz" wrap="square" lIns="138215" tIns="138215" rIns="138215" bIns="138215" numCol="1" spcCol="1270" anchor="ctr" anchorCtr="0">
+        <a:bodyPr spcFirstLastPara="0" vert="horz" wrap="square" lIns="145161" tIns="145161" rIns="145161" bIns="145161" numCol="1" spcCol="1270" anchor="ctr" anchorCtr="0">
           <a:noAutofit/>
         </a:bodyPr>
         <a:lstStyle/>
         <a:p>
-          <a:pPr marL="0" lvl="0" indent="0" algn="l" defTabSz="1066800">
+          <a:pPr marL="0" lvl="0" indent="0" algn="l" defTabSz="1022350">
             <a:lnSpc>
-              <a:spcPct val="90000"/>
+              <a:spcPct val="100000"/>
             </a:lnSpc>
             <a:spcBef>
               <a:spcPct val="0"/>
@@ -7419,17 +6310,181 @@
             <a:buNone/>
           </a:pPr>
           <a:r>
-            <a:rPr lang="en-US" sz="2400" b="0" i="0" kern="1200"/>
-            <a:t>---------------</a:t>
+            <a:rPr lang="en-US" sz="2300" b="0" i="0" kern="1200"/>
+            <a:t>- Integrert i Word og Excel (i betalte versjoner)</a:t>
           </a:r>
-          <a:endParaRPr lang="en-US" sz="2400" kern="1200"/>
+          <a:endParaRPr lang="en-US" sz="2300" kern="1200"/>
         </a:p>
       </dsp:txBody>
       <dsp:txXfrm>
-        <a:off x="1508391" y="558"/>
-        <a:ext cx="3363646" cy="1305966"/>
+        <a:off x="1584198" y="742949"/>
+        <a:ext cx="3287839" cy="1371600"/>
       </dsp:txXfrm>
     </dsp:sp>
+    <dsp:sp modelId="{724A75BF-B109-448C-A8E2-420F994D8079}">
+      <dsp:nvSpPr>
+        <dsp:cNvPr id="0" name=""/>
+        <dsp:cNvSpPr/>
+      </dsp:nvSpPr>
+      <dsp:spPr>
+        <a:xfrm>
+          <a:off x="0" y="2457450"/>
+          <a:ext cx="4872038" cy="1371600"/>
+        </a:xfrm>
+        <a:prstGeom prst="roundRect">
+          <a:avLst>
+            <a:gd name="adj" fmla="val 10000"/>
+          </a:avLst>
+        </a:prstGeom>
+        <a:solidFill>
+          <a:schemeClr val="bg1">
+            <a:lumMod val="95000"/>
+            <a:hueOff val="0"/>
+            <a:satOff val="0"/>
+            <a:lumOff val="0"/>
+            <a:alphaOff val="0"/>
+          </a:schemeClr>
+        </a:solidFill>
+        <a:ln>
+          <a:noFill/>
+        </a:ln>
+        <a:effectLst/>
+      </dsp:spPr>
+      <dsp:style>
+        <a:lnRef idx="0">
+          <a:scrgbClr r="0" g="0" b="0"/>
+        </a:lnRef>
+        <a:fillRef idx="1">
+          <a:scrgbClr r="0" g="0" b="0"/>
+        </a:fillRef>
+        <a:effectRef idx="0">
+          <a:scrgbClr r="0" g="0" b="0"/>
+        </a:effectRef>
+        <a:fontRef idx="minor"/>
+      </dsp:style>
+    </dsp:sp>
+    <dsp:sp modelId="{86E7733C-F9AE-4D0B-B172-5767167D76EA}">
+      <dsp:nvSpPr>
+        <dsp:cNvPr id="0" name=""/>
+        <dsp:cNvSpPr/>
+      </dsp:nvSpPr>
+      <dsp:spPr>
+        <a:xfrm>
+          <a:off x="414909" y="2766060"/>
+          <a:ext cx="754380" cy="754380"/>
+        </a:xfrm>
+        <a:prstGeom prst="rect">
+          <a:avLst/>
+        </a:prstGeom>
+        <a:blipFill>
+          <a:blip xmlns:r="http://schemas.openxmlformats.org/officeDocument/2006/relationships" r:embed="rId3">
+            <a:extLst>
+              <a:ext uri="{28A0092B-C50C-407E-A947-70E740481C1C}">
+                <a14:useLocalDpi xmlns:a14="http://schemas.microsoft.com/office/drawing/2010/main" val="0"/>
+              </a:ext>
+              <a:ext uri="{96DAC541-7B7A-43D3-8B79-37D633B846F1}">
+                <asvg:svgBlip xmlns:asvg="http://schemas.microsoft.com/office/drawing/2016/SVG/main" r:embed="rId4"/>
+              </a:ext>
+            </a:extLst>
+          </a:blip>
+          <a:stretch>
+            <a:fillRect/>
+          </a:stretch>
+        </a:blipFill>
+        <a:ln w="19050" cap="rnd" cmpd="sng" algn="ctr">
+          <a:noFill/>
+          <a:prstDash val="solid"/>
+        </a:ln>
+        <a:effectLst/>
+      </dsp:spPr>
+      <dsp:style>
+        <a:lnRef idx="2">
+          <a:scrgbClr r="0" g="0" b="0"/>
+        </a:lnRef>
+        <a:fillRef idx="1">
+          <a:scrgbClr r="0" g="0" b="0"/>
+        </a:fillRef>
+        <a:effectRef idx="0">
+          <a:scrgbClr r="0" g="0" b="0"/>
+        </a:effectRef>
+        <a:fontRef idx="minor">
+          <a:schemeClr val="lt1"/>
+        </a:fontRef>
+      </dsp:style>
+    </dsp:sp>
+    <dsp:sp modelId="{7DAF068B-6EC2-4B83-90A9-B009814DCF6F}">
+      <dsp:nvSpPr>
+        <dsp:cNvPr id="0" name=""/>
+        <dsp:cNvSpPr/>
+      </dsp:nvSpPr>
+      <dsp:spPr>
+        <a:xfrm>
+          <a:off x="1584198" y="2457450"/>
+          <a:ext cx="3287839" cy="1371600"/>
+        </a:xfrm>
+        <a:prstGeom prst="rect">
+          <a:avLst/>
+        </a:prstGeom>
+        <a:noFill/>
+        <a:ln>
+          <a:noFill/>
+        </a:ln>
+        <a:effectLst/>
+      </dsp:spPr>
+      <dsp:style>
+        <a:lnRef idx="0">
+          <a:scrgbClr r="0" g="0" b="0"/>
+        </a:lnRef>
+        <a:fillRef idx="0">
+          <a:scrgbClr r="0" g="0" b="0"/>
+        </a:fillRef>
+        <a:effectRef idx="0">
+          <a:scrgbClr r="0" g="0" b="0"/>
+        </a:effectRef>
+        <a:fontRef idx="minor"/>
+      </dsp:style>
+      <dsp:txBody>
+        <a:bodyPr spcFirstLastPara="0" vert="horz" wrap="square" lIns="145161" tIns="145161" rIns="145161" bIns="145161" numCol="1" spcCol="1270" anchor="ctr" anchorCtr="0">
+          <a:noAutofit/>
+        </a:bodyPr>
+        <a:lstStyle/>
+        <a:p>
+          <a:pPr marL="0" lvl="0" indent="0" algn="l" defTabSz="1022350">
+            <a:lnSpc>
+              <a:spcPct val="100000"/>
+            </a:lnSpc>
+            <a:spcBef>
+              <a:spcPct val="0"/>
+            </a:spcBef>
+            <a:spcAft>
+              <a:spcPct val="35000"/>
+            </a:spcAft>
+            <a:buNone/>
+          </a:pPr>
+          <a:r>
+            <a:rPr lang="en-US" sz="2300" b="0" i="0" kern="1200"/>
+            <a:t>- Foreslår tekst, skriver avsnitt, analyserer tall</a:t>
+          </a:r>
+          <a:endParaRPr lang="en-US" sz="2300" kern="1200"/>
+        </a:p>
+      </dsp:txBody>
+      <dsp:txXfrm>
+        <a:off x="1584198" y="2457450"/>
+        <a:ext cx="3287839" cy="1371600"/>
+      </dsp:txXfrm>
+    </dsp:sp>
+  </dsp:spTree>
+</dsp:drawing>
+</file>
+
+<file path=ppt/diagrams/drawing4.xml><?xml version="1.0" encoding="utf-8"?>
+<dsp:drawing xmlns:dgm="http://schemas.openxmlformats.org/drawingml/2006/diagram" xmlns:dsp="http://schemas.microsoft.com/office/drawing/2008/diagram" xmlns:a="http://schemas.openxmlformats.org/drawingml/2006/main">
+  <dsp:spTree>
+    <dsp:nvGrpSpPr>
+      <dsp:cNvPr id="0" name=""/>
+      <dsp:cNvGrpSpPr/>
+    </dsp:nvGrpSpPr>
+    <dsp:grpSpPr/>
     <dsp:sp modelId="{3BCC0581-5E3B-49DD-9945-55AB494DF1EF}">
       <dsp:nvSpPr>
         <dsp:cNvPr id="0" name=""/>
@@ -7437,8 +6492,8 @@
       </dsp:nvSpPr>
       <dsp:spPr>
         <a:xfrm>
-          <a:off x="0" y="1633016"/>
-          <a:ext cx="4872038" cy="1305966"/>
+          <a:off x="0" y="742949"/>
+          <a:ext cx="4872038" cy="1371600"/>
         </a:xfrm>
         <a:prstGeom prst="roundRect">
           <a:avLst>
@@ -7479,8 +6534,160 @@
       </dsp:nvSpPr>
       <dsp:spPr>
         <a:xfrm>
-          <a:off x="395054" y="1926859"/>
-          <a:ext cx="718281" cy="718281"/>
+          <a:off x="414909" y="1051559"/>
+          <a:ext cx="754380" cy="754380"/>
+        </a:xfrm>
+        <a:prstGeom prst="rect">
+          <a:avLst/>
+        </a:prstGeom>
+        <a:blipFill>
+          <a:blip xmlns:r="http://schemas.openxmlformats.org/officeDocument/2006/relationships" r:embed="rId1">
+            <a:extLst>
+              <a:ext uri="{28A0092B-C50C-407E-A947-70E740481C1C}">
+                <a14:useLocalDpi xmlns:a14="http://schemas.microsoft.com/office/drawing/2010/main" val="0"/>
+              </a:ext>
+              <a:ext uri="{96DAC541-7B7A-43D3-8B79-37D633B846F1}">
+                <asvg:svgBlip xmlns:asvg="http://schemas.microsoft.com/office/drawing/2016/SVG/main" r:embed="rId2"/>
+              </a:ext>
+            </a:extLst>
+          </a:blip>
+          <a:stretch>
+            <a:fillRect/>
+          </a:stretch>
+        </a:blipFill>
+        <a:ln w="19050" cap="rnd" cmpd="sng" algn="ctr">
+          <a:noFill/>
+          <a:prstDash val="solid"/>
+        </a:ln>
+        <a:effectLst/>
+      </dsp:spPr>
+      <dsp:style>
+        <a:lnRef idx="2">
+          <a:scrgbClr r="0" g="0" b="0"/>
+        </a:lnRef>
+        <a:fillRef idx="1">
+          <a:scrgbClr r="0" g="0" b="0"/>
+        </a:fillRef>
+        <a:effectRef idx="0">
+          <a:scrgbClr r="0" g="0" b="0"/>
+        </a:effectRef>
+        <a:fontRef idx="minor">
+          <a:schemeClr val="lt1"/>
+        </a:fontRef>
+      </dsp:style>
+    </dsp:sp>
+    <dsp:sp modelId="{F53C1B8C-F603-431F-B18F-9C5FF15470D7}">
+      <dsp:nvSpPr>
+        <dsp:cNvPr id="0" name=""/>
+        <dsp:cNvSpPr/>
+      </dsp:nvSpPr>
+      <dsp:spPr>
+        <a:xfrm>
+          <a:off x="1584198" y="742949"/>
+          <a:ext cx="3287839" cy="1371600"/>
+        </a:xfrm>
+        <a:prstGeom prst="rect">
+          <a:avLst/>
+        </a:prstGeom>
+        <a:noFill/>
+        <a:ln>
+          <a:noFill/>
+        </a:ln>
+        <a:effectLst/>
+      </dsp:spPr>
+      <dsp:style>
+        <a:lnRef idx="0">
+          <a:scrgbClr r="0" g="0" b="0"/>
+        </a:lnRef>
+        <a:fillRef idx="0">
+          <a:scrgbClr r="0" g="0" b="0"/>
+        </a:fillRef>
+        <a:effectRef idx="0">
+          <a:scrgbClr r="0" g="0" b="0"/>
+        </a:effectRef>
+        <a:fontRef idx="minor"/>
+      </dsp:style>
+      <dsp:txBody>
+        <a:bodyPr spcFirstLastPara="0" vert="horz" wrap="square" lIns="145161" tIns="145161" rIns="145161" bIns="145161" numCol="1" spcCol="1270" anchor="ctr" anchorCtr="0">
+          <a:noAutofit/>
+        </a:bodyPr>
+        <a:lstStyle/>
+        <a:p>
+          <a:pPr marL="0" lvl="0" indent="0" algn="l" defTabSz="1022350">
+            <a:lnSpc>
+              <a:spcPct val="100000"/>
+            </a:lnSpc>
+            <a:spcBef>
+              <a:spcPct val="0"/>
+            </a:spcBef>
+            <a:spcAft>
+              <a:spcPct val="35000"/>
+            </a:spcAft>
+            <a:buNone/>
+          </a:pPr>
+          <a:r>
+            <a:rPr lang="en-US" sz="2300" b="0" i="0" kern="1200"/>
+            <a:t>- DALL·E: Lag bilder med tekstbeskrivelser</a:t>
+          </a:r>
+          <a:endParaRPr lang="en-US" sz="2300" kern="1200"/>
+        </a:p>
+      </dsp:txBody>
+      <dsp:txXfrm>
+        <a:off x="1584198" y="742949"/>
+        <a:ext cx="3287839" cy="1371600"/>
+      </dsp:txXfrm>
+    </dsp:sp>
+    <dsp:sp modelId="{E3BA3B86-D0A4-4F08-BC49-E9D0E9DED5B1}">
+      <dsp:nvSpPr>
+        <dsp:cNvPr id="0" name=""/>
+        <dsp:cNvSpPr/>
+      </dsp:nvSpPr>
+      <dsp:spPr>
+        <a:xfrm>
+          <a:off x="0" y="2457450"/>
+          <a:ext cx="4872038" cy="1371600"/>
+        </a:xfrm>
+        <a:prstGeom prst="roundRect">
+          <a:avLst>
+            <a:gd name="adj" fmla="val 10000"/>
+          </a:avLst>
+        </a:prstGeom>
+        <a:solidFill>
+          <a:schemeClr val="bg1">
+            <a:lumMod val="95000"/>
+            <a:hueOff val="0"/>
+            <a:satOff val="0"/>
+            <a:lumOff val="0"/>
+            <a:alphaOff val="0"/>
+          </a:schemeClr>
+        </a:solidFill>
+        <a:ln>
+          <a:noFill/>
+        </a:ln>
+        <a:effectLst/>
+      </dsp:spPr>
+      <dsp:style>
+        <a:lnRef idx="0">
+          <a:scrgbClr r="0" g="0" b="0"/>
+        </a:lnRef>
+        <a:fillRef idx="1">
+          <a:scrgbClr r="0" g="0" b="0"/>
+        </a:fillRef>
+        <a:effectRef idx="0">
+          <a:scrgbClr r="0" g="0" b="0"/>
+        </a:effectRef>
+        <a:fontRef idx="minor"/>
+      </dsp:style>
+    </dsp:sp>
+    <dsp:sp modelId="{334A7B55-2454-4267-9FE3-FE6322199EC8}">
+      <dsp:nvSpPr>
+        <dsp:cNvPr id="0" name=""/>
+        <dsp:cNvSpPr/>
+      </dsp:nvSpPr>
+      <dsp:spPr>
+        <a:xfrm>
+          <a:off x="414909" y="2766060"/>
+          <a:ext cx="754380" cy="754380"/>
         </a:xfrm>
         <a:prstGeom prst="rect">
           <a:avLst/>
@@ -7521,15 +6728,15 @@
         </a:fontRef>
       </dsp:style>
     </dsp:sp>
-    <dsp:sp modelId="{F53C1B8C-F603-431F-B18F-9C5FF15470D7}">
+    <dsp:sp modelId="{05603ED7-DF3F-47A7-805C-E37C73C0741D}">
       <dsp:nvSpPr>
         <dsp:cNvPr id="0" name=""/>
         <dsp:cNvSpPr/>
       </dsp:nvSpPr>
       <dsp:spPr>
         <a:xfrm>
-          <a:off x="1508391" y="1633016"/>
-          <a:ext cx="3363646" cy="1305966"/>
+          <a:off x="1584198" y="2457450"/>
+          <a:ext cx="3287839" cy="1371600"/>
         </a:xfrm>
         <a:prstGeom prst="rect">
           <a:avLst/>
@@ -7553,14 +6760,14 @@
         <a:fontRef idx="minor"/>
       </dsp:style>
       <dsp:txBody>
-        <a:bodyPr spcFirstLastPara="0" vert="horz" wrap="square" lIns="138215" tIns="138215" rIns="138215" bIns="138215" numCol="1" spcCol="1270" anchor="ctr" anchorCtr="0">
+        <a:bodyPr spcFirstLastPara="0" vert="horz" wrap="square" lIns="145161" tIns="145161" rIns="145161" bIns="145161" numCol="1" spcCol="1270" anchor="ctr" anchorCtr="0">
           <a:noAutofit/>
         </a:bodyPr>
         <a:lstStyle/>
         <a:p>
-          <a:pPr marL="0" lvl="0" indent="0" algn="l" defTabSz="1066800">
+          <a:pPr marL="0" lvl="0" indent="0" algn="l" defTabSz="1022350">
             <a:lnSpc>
-              <a:spcPct val="90000"/>
+              <a:spcPct val="100000"/>
             </a:lnSpc>
             <a:spcBef>
               <a:spcPct val="0"/>
@@ -7571,167 +6778,15 @@
             <a:buNone/>
           </a:pPr>
           <a:r>
-            <a:rPr lang="en-US" sz="2400" b="0" i="0" kern="1200"/>
-            <a:t>- DALL·E: Lag bilder med tekstbeskrivelser</a:t>
+            <a:rPr lang="en-US" sz="2300" b="0" i="0" kern="1200"/>
+            <a:t>- Adobe Firefly, Midjourney (for mer avanserte brukere)</a:t>
           </a:r>
-          <a:endParaRPr lang="en-US" sz="2400" kern="1200"/>
+          <a:endParaRPr lang="en-US" sz="2300" kern="1200"/>
         </a:p>
       </dsp:txBody>
       <dsp:txXfrm>
-        <a:off x="1508391" y="1633016"/>
-        <a:ext cx="3363646" cy="1305966"/>
-      </dsp:txXfrm>
-    </dsp:sp>
-    <dsp:sp modelId="{E3BA3B86-D0A4-4F08-BC49-E9D0E9DED5B1}">
-      <dsp:nvSpPr>
-        <dsp:cNvPr id="0" name=""/>
-        <dsp:cNvSpPr/>
-      </dsp:nvSpPr>
-      <dsp:spPr>
-        <a:xfrm>
-          <a:off x="0" y="3265475"/>
-          <a:ext cx="4872038" cy="1305966"/>
-        </a:xfrm>
-        <a:prstGeom prst="roundRect">
-          <a:avLst>
-            <a:gd name="adj" fmla="val 10000"/>
-          </a:avLst>
-        </a:prstGeom>
-        <a:solidFill>
-          <a:schemeClr val="bg1">
-            <a:lumMod val="95000"/>
-            <a:hueOff val="0"/>
-            <a:satOff val="0"/>
-            <a:lumOff val="0"/>
-            <a:alphaOff val="0"/>
-          </a:schemeClr>
-        </a:solidFill>
-        <a:ln>
-          <a:noFill/>
-        </a:ln>
-        <a:effectLst/>
-      </dsp:spPr>
-      <dsp:style>
-        <a:lnRef idx="0">
-          <a:scrgbClr r="0" g="0" b="0"/>
-        </a:lnRef>
-        <a:fillRef idx="1">
-          <a:scrgbClr r="0" g="0" b="0"/>
-        </a:fillRef>
-        <a:effectRef idx="0">
-          <a:scrgbClr r="0" g="0" b="0"/>
-        </a:effectRef>
-        <a:fontRef idx="minor"/>
-      </dsp:style>
-    </dsp:sp>
-    <dsp:sp modelId="{334A7B55-2454-4267-9FE3-FE6322199EC8}">
-      <dsp:nvSpPr>
-        <dsp:cNvPr id="0" name=""/>
-        <dsp:cNvSpPr/>
-      </dsp:nvSpPr>
-      <dsp:spPr>
-        <a:xfrm>
-          <a:off x="395054" y="3559317"/>
-          <a:ext cx="718281" cy="718281"/>
-        </a:xfrm>
-        <a:prstGeom prst="rect">
-          <a:avLst/>
-        </a:prstGeom>
-        <a:blipFill>
-          <a:blip xmlns:r="http://schemas.openxmlformats.org/officeDocument/2006/relationships" r:embed="rId5">
-            <a:extLst>
-              <a:ext uri="{28A0092B-C50C-407E-A947-70E740481C1C}">
-                <a14:useLocalDpi xmlns:a14="http://schemas.microsoft.com/office/drawing/2010/main" val="0"/>
-              </a:ext>
-              <a:ext uri="{96DAC541-7B7A-43D3-8B79-37D633B846F1}">
-                <asvg:svgBlip xmlns:asvg="http://schemas.microsoft.com/office/drawing/2016/SVG/main" r:embed="rId6"/>
-              </a:ext>
-            </a:extLst>
-          </a:blip>
-          <a:stretch>
-            <a:fillRect/>
-          </a:stretch>
-        </a:blipFill>
-        <a:ln w="19050" cap="rnd" cmpd="sng" algn="ctr">
-          <a:noFill/>
-          <a:prstDash val="solid"/>
-        </a:ln>
-        <a:effectLst/>
-      </dsp:spPr>
-      <dsp:style>
-        <a:lnRef idx="2">
-          <a:scrgbClr r="0" g="0" b="0"/>
-        </a:lnRef>
-        <a:fillRef idx="1">
-          <a:scrgbClr r="0" g="0" b="0"/>
-        </a:fillRef>
-        <a:effectRef idx="0">
-          <a:scrgbClr r="0" g="0" b="0"/>
-        </a:effectRef>
-        <a:fontRef idx="minor">
-          <a:schemeClr val="lt1"/>
-        </a:fontRef>
-      </dsp:style>
-    </dsp:sp>
-    <dsp:sp modelId="{05603ED7-DF3F-47A7-805C-E37C73C0741D}">
-      <dsp:nvSpPr>
-        <dsp:cNvPr id="0" name=""/>
-        <dsp:cNvSpPr/>
-      </dsp:nvSpPr>
-      <dsp:spPr>
-        <a:xfrm>
-          <a:off x="1508391" y="3265475"/>
-          <a:ext cx="3363646" cy="1305966"/>
-        </a:xfrm>
-        <a:prstGeom prst="rect">
-          <a:avLst/>
-        </a:prstGeom>
-        <a:noFill/>
-        <a:ln>
-          <a:noFill/>
-        </a:ln>
-        <a:effectLst/>
-      </dsp:spPr>
-      <dsp:style>
-        <a:lnRef idx="0">
-          <a:scrgbClr r="0" g="0" b="0"/>
-        </a:lnRef>
-        <a:fillRef idx="0">
-          <a:scrgbClr r="0" g="0" b="0"/>
-        </a:fillRef>
-        <a:effectRef idx="0">
-          <a:scrgbClr r="0" g="0" b="0"/>
-        </a:effectRef>
-        <a:fontRef idx="minor"/>
-      </dsp:style>
-      <dsp:txBody>
-        <a:bodyPr spcFirstLastPara="0" vert="horz" wrap="square" lIns="138215" tIns="138215" rIns="138215" bIns="138215" numCol="1" spcCol="1270" anchor="ctr" anchorCtr="0">
-          <a:noAutofit/>
-        </a:bodyPr>
-        <a:lstStyle/>
-        <a:p>
-          <a:pPr marL="0" lvl="0" indent="0" algn="l" defTabSz="1066800">
-            <a:lnSpc>
-              <a:spcPct val="90000"/>
-            </a:lnSpc>
-            <a:spcBef>
-              <a:spcPct val="0"/>
-            </a:spcBef>
-            <a:spcAft>
-              <a:spcPct val="35000"/>
-            </a:spcAft>
-            <a:buNone/>
-          </a:pPr>
-          <a:r>
-            <a:rPr lang="en-US" sz="2400" b="0" i="0" kern="1200"/>
-            <a:t>- Adobe Firefly, Midjourney (for mer avanserte brukere)</a:t>
-          </a:r>
-          <a:endParaRPr lang="en-US" sz="2400" kern="1200"/>
-        </a:p>
-      </dsp:txBody>
-      <dsp:txXfrm>
-        <a:off x="1508391" y="3265475"/>
-        <a:ext cx="3363646" cy="1305966"/>
+        <a:off x="1584198" y="2457450"/>
+        <a:ext cx="3287839" cy="1371600"/>
       </dsp:txXfrm>
     </dsp:sp>
   </dsp:spTree>
@@ -13236,7 +12291,7 @@
           <a:p>
             <a:fld id="{5BCAD085-E8A6-8845-BD4E-CB4CCA059FC4}" type="datetimeFigureOut">
               <a:rPr lang="en-US" smtClean="0"/>
-              <a:t>6/19/2025</a:t>
+              <a:t>6/27/2025</a:t>
             </a:fld>
             <a:endParaRPr lang="en-US"/>
           </a:p>
@@ -13511,7 +12566,7 @@
           <a:p>
             <a:fld id="{5BCAD085-E8A6-8845-BD4E-CB4CCA059FC4}" type="datetimeFigureOut">
               <a:rPr lang="en-US" smtClean="0"/>
-              <a:t>6/19/2025</a:t>
+              <a:t>6/27/2025</a:t>
             </a:fld>
             <a:endParaRPr lang="en-US"/>
           </a:p>
@@ -13705,7 +12760,7 @@
           <a:p>
             <a:fld id="{5BCAD085-E8A6-8845-BD4E-CB4CCA059FC4}" type="datetimeFigureOut">
               <a:rPr lang="en-US" smtClean="0"/>
-              <a:t>6/19/2025</a:t>
+              <a:t>6/27/2025</a:t>
             </a:fld>
             <a:endParaRPr lang="en-US"/>
           </a:p>
@@ -13978,7 +13033,7 @@
           <a:p>
             <a:fld id="{5BCAD085-E8A6-8845-BD4E-CB4CCA059FC4}" type="datetimeFigureOut">
               <a:rPr lang="en-US" smtClean="0"/>
-              <a:t>6/19/2025</a:t>
+              <a:t>6/27/2025</a:t>
             </a:fld>
             <a:endParaRPr lang="en-US"/>
           </a:p>
@@ -14319,7 +13374,7 @@
           <a:p>
             <a:fld id="{5BCAD085-E8A6-8845-BD4E-CB4CCA059FC4}" type="datetimeFigureOut">
               <a:rPr lang="en-US" smtClean="0"/>
-              <a:t>6/19/2025</a:t>
+              <a:t>6/27/2025</a:t>
             </a:fld>
             <a:endParaRPr lang="en-US"/>
           </a:p>
@@ -14942,7 +13997,7 @@
           <a:p>
             <a:fld id="{5BCAD085-E8A6-8845-BD4E-CB4CCA059FC4}" type="datetimeFigureOut">
               <a:rPr lang="en-US" smtClean="0"/>
-              <a:t>6/19/2025</a:t>
+              <a:t>6/27/2025</a:t>
             </a:fld>
             <a:endParaRPr lang="en-US"/>
           </a:p>
@@ -15802,7 +14857,7 @@
           <a:p>
             <a:fld id="{5BCAD085-E8A6-8845-BD4E-CB4CCA059FC4}" type="datetimeFigureOut">
               <a:rPr lang="en-US" smtClean="0"/>
-              <a:t>6/19/2025</a:t>
+              <a:t>6/27/2025</a:t>
             </a:fld>
             <a:endParaRPr lang="en-US"/>
           </a:p>
@@ -15972,7 +15027,7 @@
           <a:p>
             <a:fld id="{5BCAD085-E8A6-8845-BD4E-CB4CCA059FC4}" type="datetimeFigureOut">
               <a:rPr lang="en-US" smtClean="0"/>
-              <a:t>6/19/2025</a:t>
+              <a:t>6/27/2025</a:t>
             </a:fld>
             <a:endParaRPr lang="en-US"/>
           </a:p>
@@ -16152,7 +15207,7 @@
           <a:p>
             <a:fld id="{5BCAD085-E8A6-8845-BD4E-CB4CCA059FC4}" type="datetimeFigureOut">
               <a:rPr lang="en-US" smtClean="0"/>
-              <a:t>6/19/2025</a:t>
+              <a:t>6/27/2025</a:t>
             </a:fld>
             <a:endParaRPr lang="en-US"/>
           </a:p>
@@ -16322,7 +15377,7 @@
           <a:p>
             <a:fld id="{5BCAD085-E8A6-8845-BD4E-CB4CCA059FC4}" type="datetimeFigureOut">
               <a:rPr lang="en-US" smtClean="0"/>
-              <a:t>6/19/2025</a:t>
+              <a:t>6/27/2025</a:t>
             </a:fld>
             <a:endParaRPr lang="en-US"/>
           </a:p>
@@ -16569,7 +15624,7 @@
           <a:p>
             <a:fld id="{5BCAD085-E8A6-8845-BD4E-CB4CCA059FC4}" type="datetimeFigureOut">
               <a:rPr lang="en-US" smtClean="0"/>
-              <a:t>6/19/2025</a:t>
+              <a:t>6/27/2025</a:t>
             </a:fld>
             <a:endParaRPr lang="en-US"/>
           </a:p>
@@ -16861,7 +15916,7 @@
           <a:p>
             <a:fld id="{5BCAD085-E8A6-8845-BD4E-CB4CCA059FC4}" type="datetimeFigureOut">
               <a:rPr lang="en-US" smtClean="0"/>
-              <a:t>6/19/2025</a:t>
+              <a:t>6/27/2025</a:t>
             </a:fld>
             <a:endParaRPr lang="en-US"/>
           </a:p>
@@ -17305,7 +16360,7 @@
           <a:p>
             <a:fld id="{5BCAD085-E8A6-8845-BD4E-CB4CCA059FC4}" type="datetimeFigureOut">
               <a:rPr lang="en-US" smtClean="0"/>
-              <a:t>6/19/2025</a:t>
+              <a:t>6/27/2025</a:t>
             </a:fld>
             <a:endParaRPr lang="en-US"/>
           </a:p>
@@ -17423,7 +16478,7 @@
           <a:p>
             <a:fld id="{5BCAD085-E8A6-8845-BD4E-CB4CCA059FC4}" type="datetimeFigureOut">
               <a:rPr lang="en-US" smtClean="0"/>
-              <a:t>6/19/2025</a:t>
+              <a:t>6/27/2025</a:t>
             </a:fld>
             <a:endParaRPr lang="en-US"/>
           </a:p>
@@ -17518,7 +16573,7 @@
           <a:p>
             <a:fld id="{5BCAD085-E8A6-8845-BD4E-CB4CCA059FC4}" type="datetimeFigureOut">
               <a:rPr lang="en-US" smtClean="0"/>
-              <a:t>6/19/2025</a:t>
+              <a:t>6/27/2025</a:t>
             </a:fld>
             <a:endParaRPr lang="en-US"/>
           </a:p>
@@ -17797,7 +16852,7 @@
           <a:p>
             <a:fld id="{5BCAD085-E8A6-8845-BD4E-CB4CCA059FC4}" type="datetimeFigureOut">
               <a:rPr lang="en-US" smtClean="0"/>
-              <a:t>6/19/2025</a:t>
+              <a:t>6/27/2025</a:t>
             </a:fld>
             <a:endParaRPr lang="en-US"/>
           </a:p>
@@ -18072,7 +17127,7 @@
           <a:p>
             <a:fld id="{5BCAD085-E8A6-8845-BD4E-CB4CCA059FC4}" type="datetimeFigureOut">
               <a:rPr lang="en-US" smtClean="0"/>
-              <a:t>6/19/2025</a:t>
+              <a:t>6/27/2025</a:t>
             </a:fld>
             <a:endParaRPr lang="en-US"/>
           </a:p>
@@ -18637,7 +17692,7 @@
           <a:p>
             <a:fld id="{5BCAD085-E8A6-8845-BD4E-CB4CCA059FC4}" type="datetimeFigureOut">
               <a:rPr lang="en-US" smtClean="0"/>
-              <a:t>6/19/2025</a:t>
+              <a:t>6/27/2025</a:t>
             </a:fld>
             <a:endParaRPr lang="en-US"/>
           </a:p>
@@ -21556,7 +20611,7 @@
             <p:ph idx="1"/>
             <p:extLst>
               <p:ext uri="{D42A27DB-BD31-4B8C-83A1-F6EECF244321}">
-                <p14:modId xmlns:p14="http://schemas.microsoft.com/office/powerpoint/2010/main" val="3933249656"/>
+                <p14:modId xmlns:p14="http://schemas.microsoft.com/office/powerpoint/2010/main" val="365010023"/>
               </p:ext>
             </p:extLst>
           </p:nvPr>
@@ -22617,7 +21672,7 @@
             <p:ph idx="1"/>
             <p:extLst>
               <p:ext uri="{D42A27DB-BD31-4B8C-83A1-F6EECF244321}">
-                <p14:modId xmlns:p14="http://schemas.microsoft.com/office/powerpoint/2010/main" val="3749601163"/>
+                <p14:modId xmlns:p14="http://schemas.microsoft.com/office/powerpoint/2010/main" val="1434091007"/>
               </p:ext>
             </p:extLst>
           </p:nvPr>
@@ -23678,7 +22733,7 @@
             <p:ph idx="1"/>
             <p:extLst>
               <p:ext uri="{D42A27DB-BD31-4B8C-83A1-F6EECF244321}">
-                <p14:modId xmlns:p14="http://schemas.microsoft.com/office/powerpoint/2010/main" val="1898216184"/>
+                <p14:modId xmlns:p14="http://schemas.microsoft.com/office/powerpoint/2010/main" val="3374016054"/>
               </p:ext>
             </p:extLst>
           </p:nvPr>
@@ -24739,7 +23794,7 @@
             <p:ph idx="1"/>
             <p:extLst>
               <p:ext uri="{D42A27DB-BD31-4B8C-83A1-F6EECF244321}">
-                <p14:modId xmlns:p14="http://schemas.microsoft.com/office/powerpoint/2010/main" val="1854646828"/>
+                <p14:modId xmlns:p14="http://schemas.microsoft.com/office/powerpoint/2010/main" val="2168879738"/>
               </p:ext>
             </p:extLst>
           </p:nvPr>
@@ -25821,13 +24876,155 @@
           </a:bodyPr>
           <a:lstStyle/>
           <a:p>
-            <a:r>
-              <a:t>--------</a:t>
-            </a:r>
+            <a:pPr marL="0" indent="0">
+              <a:buNone/>
+            </a:pPr>
+            <a:endParaRPr dirty="0"/>
           </a:p>
           <a:p>
             <a:r>
-              <a:t>Velg ett verktøy du ikke har prøvd før. Opprett en konto og test én oppgave, f.eks. lag et bilde eller en sjekkliste.</a:t>
+              <a:rPr dirty="0" err="1"/>
+              <a:t>Velg</a:t>
+            </a:r>
+            <a:r>
+              <a:rPr dirty="0"/>
+              <a:t> </a:t>
+            </a:r>
+            <a:r>
+              <a:rPr dirty="0" err="1"/>
+              <a:t>ett</a:t>
+            </a:r>
+            <a:r>
+              <a:rPr dirty="0"/>
+              <a:t> </a:t>
+            </a:r>
+            <a:r>
+              <a:rPr dirty="0" err="1"/>
+              <a:t>verktøy</a:t>
+            </a:r>
+            <a:r>
+              <a:rPr dirty="0"/>
+              <a:t> du </a:t>
+            </a:r>
+            <a:r>
+              <a:rPr dirty="0" err="1"/>
+              <a:t>ikke</a:t>
+            </a:r>
+            <a:r>
+              <a:rPr dirty="0"/>
+              <a:t> </a:t>
+            </a:r>
+            <a:r>
+              <a:rPr dirty="0" err="1"/>
+              <a:t>har</a:t>
+            </a:r>
+            <a:r>
+              <a:rPr dirty="0"/>
+              <a:t> </a:t>
+            </a:r>
+            <a:r>
+              <a:rPr dirty="0" err="1"/>
+              <a:t>prøvd</a:t>
+            </a:r>
+            <a:r>
+              <a:rPr dirty="0"/>
+              <a:t> </a:t>
+            </a:r>
+            <a:r>
+              <a:rPr dirty="0" err="1"/>
+              <a:t>før</a:t>
+            </a:r>
+            <a:r>
+              <a:rPr dirty="0"/>
+              <a:t>. </a:t>
+            </a:r>
+            <a:r>
+              <a:rPr dirty="0" err="1"/>
+              <a:t>Opprett</a:t>
+            </a:r>
+            <a:r>
+              <a:rPr dirty="0"/>
+              <a:t> </a:t>
+            </a:r>
+            <a:r>
+              <a:rPr dirty="0" err="1"/>
+              <a:t>en</a:t>
+            </a:r>
+            <a:r>
+              <a:rPr dirty="0"/>
+              <a:t> </a:t>
+            </a:r>
+            <a:r>
+              <a:rPr dirty="0" err="1"/>
+              <a:t>konto</a:t>
+            </a:r>
+            <a:r>
+              <a:rPr dirty="0"/>
+              <a:t> </a:t>
+            </a:r>
+            <a:r>
+              <a:rPr dirty="0" err="1"/>
+              <a:t>og</a:t>
+            </a:r>
+            <a:r>
+              <a:rPr dirty="0"/>
+              <a:t> test </a:t>
+            </a:r>
+            <a:r>
+              <a:rPr dirty="0" err="1"/>
+              <a:t>én</a:t>
+            </a:r>
+            <a:r>
+              <a:rPr dirty="0"/>
+              <a:t> </a:t>
+            </a:r>
+            <a:r>
+              <a:rPr dirty="0" err="1"/>
+              <a:t>oppgave</a:t>
+            </a:r>
+            <a:r>
+              <a:rPr dirty="0"/>
+              <a:t>, </a:t>
+            </a:r>
+            <a:r>
+              <a:rPr dirty="0" err="1"/>
+              <a:t>f.eks</a:t>
+            </a:r>
+            <a:r>
+              <a:rPr dirty="0"/>
+              <a:t>. lag et </a:t>
+            </a:r>
+            <a:r>
+              <a:rPr dirty="0" err="1"/>
+              <a:t>bilde</a:t>
+            </a:r>
+            <a:r>
+              <a:rPr dirty="0"/>
+              <a:t> </a:t>
+            </a:r>
+            <a:r>
+              <a:rPr dirty="0" err="1"/>
+              <a:t>eller</a:t>
+            </a:r>
+            <a:r>
+              <a:rPr dirty="0"/>
+              <a:t> </a:t>
+            </a:r>
+            <a:r>
+              <a:rPr dirty="0" err="1"/>
+              <a:t>en</a:t>
+            </a:r>
+            <a:r>
+              <a:rPr dirty="0"/>
+              <a:t> </a:t>
+            </a:r>
+            <a:r>
+              <a:rPr dirty="0" err="1"/>
+              <a:t>sjekkliste</a:t>
+            </a:r>
+            <a:r>
+              <a:rPr dirty="0"/>
+              <a:t>.</a:t>
             </a:r>
           </a:p>
         </p:txBody>
